--- a/1 Hacking the HuggingFace Transformers Library/1 Develop Prompt Catalogue/Text_classification.pptx
+++ b/1 Hacking the HuggingFace Transformers Library/1 Develop Prompt Catalogue/Text_classification.pptx
@@ -1,29 +1,29 @@
 
 <file path=ppt/presentation.xml><?xml version="1.0" encoding="utf-8"?>
-<p:presentation xmlns:a="http://schemas.openxmlformats.org/drawingml/2006/main" xmlns:r="http://schemas.openxmlformats.org/officeDocument/2006/relationships" xmlns:mc="http://schemas.openxmlformats.org/markup-compatibility/2006" xmlns:mv="urn:schemas-microsoft-com:mac:vml" xmlns:p="http://schemas.openxmlformats.org/presentationml/2006/main" xmlns:c="http://schemas.openxmlformats.org/drawingml/2006/chart" xmlns:dgm="http://schemas.openxmlformats.org/drawingml/2006/diagram" xmlns:o="urn:schemas-microsoft-com:office:office" xmlns:v="urn:schemas-microsoft-com:vml" xmlns:pvml="urn:schemas-microsoft-com:office:powerpoint" xmlns:com="http://schemas.openxmlformats.org/drawingml/2006/compatibility" xmlns:p14="http://schemas.microsoft.com/office/powerpoint/2010/main" xmlns:p15="http://schemas.microsoft.com/office/powerpoint/2012/main" xmlns:ahyp="http://schemas.microsoft.com/office/drawing/2018/hyperlinkcolor" autoCompressPictures="0" embedTrueTypeFonts="1" strictFirstAndLastChars="0" saveSubsetFonts="1">
+<p:presentation xmlns:a="http://schemas.openxmlformats.org/drawingml/2006/main" xmlns:r="http://schemas.openxmlformats.org/officeDocument/2006/relationships" xmlns:p="http://schemas.openxmlformats.org/presentationml/2006/main" strictFirstAndLastChars="0" embedTrueTypeFonts="1" saveSubsetFonts="1" autoCompressPictures="0">
   <p:sldMasterIdLst>
-    <p:sldMasterId id="2147483648" r:id="rId3"/>
+    <p:sldMasterId id="2147483648" r:id="rId1"/>
   </p:sldMasterIdLst>
   <p:notesMasterIdLst>
     <p:notesMasterId r:id="rId4"/>
   </p:notesMasterIdLst>
   <p:sldIdLst>
-    <p:sldId id="256" r:id="rId5"/>
-    <p:sldId id="257" r:id="rId6"/>
+    <p:sldId id="256" r:id="rId2"/>
+    <p:sldId id="257" r:id="rId3"/>
   </p:sldIdLst>
-  <p:sldSz cy="6858000" cx="12192000"/>
+  <p:sldSz cx="12192000" cy="6858000"/>
   <p:notesSz cx="6858000" cy="9144000"/>
   <p:embeddedFontLst>
     <p:embeddedFont>
-      <p:font typeface="Roboto"/>
-      <p:regular r:id="rId7"/>
-      <p:bold r:id="rId8"/>
-      <p:italic r:id="rId9"/>
-      <p:boldItalic r:id="rId10"/>
+      <p:font typeface="Roboto" panose="02000000000000000000" pitchFamily="2" charset="0"/>
+      <p:regular r:id="rId5"/>
+      <p:bold r:id="rId6"/>
+      <p:italic r:id="rId7"/>
+      <p:boldItalic r:id="rId8"/>
     </p:embeddedFont>
   </p:embeddedFontLst>
   <p:defaultTextStyle>
-    <a:defPPr lvl="0" marR="0" rtl="0" algn="l">
+    <a:defPPr marR="0" lvl="0" algn="l" rtl="0">
       <a:lnSpc>
         <a:spcPct val="100000"/>
       </a:lnSpc>
@@ -34,7 +34,7 @@
         <a:spcPts val="0"/>
       </a:spcAft>
     </a:defPPr>
-    <a:lvl1pPr lvl="0" marR="0" rtl="0" algn="l">
+    <a:lvl1pPr marR="0" lvl="0" algn="l" rtl="0">
       <a:lnSpc>
         <a:spcPct val="100000"/>
       </a:lnSpc>
@@ -48,7 +48,7 @@
         <a:srgbClr val="000000"/>
       </a:buClr>
       <a:buFont typeface="Arial"/>
-      <a:defRPr b="0" i="0" sz="1400" u="none" cap="none" strike="noStrike">
+      <a:defRPr sz="1400" b="0" i="0" u="none" strike="noStrike" cap="none">
         <a:solidFill>
           <a:srgbClr val="000000"/>
         </a:solidFill>
@@ -58,7 +58,7 @@
         <a:sym typeface="Arial"/>
       </a:defRPr>
     </a:lvl1pPr>
-    <a:lvl2pPr lvl="1" marR="0" rtl="0" algn="l">
+    <a:lvl2pPr marR="0" lvl="1" algn="l" rtl="0">
       <a:lnSpc>
         <a:spcPct val="100000"/>
       </a:lnSpc>
@@ -72,7 +72,7 @@
         <a:srgbClr val="000000"/>
       </a:buClr>
       <a:buFont typeface="Arial"/>
-      <a:defRPr b="0" i="0" sz="1400" u="none" cap="none" strike="noStrike">
+      <a:defRPr sz="1400" b="0" i="0" u="none" strike="noStrike" cap="none">
         <a:solidFill>
           <a:srgbClr val="000000"/>
         </a:solidFill>
@@ -82,7 +82,7 @@
         <a:sym typeface="Arial"/>
       </a:defRPr>
     </a:lvl2pPr>
-    <a:lvl3pPr lvl="2" marR="0" rtl="0" algn="l">
+    <a:lvl3pPr marR="0" lvl="2" algn="l" rtl="0">
       <a:lnSpc>
         <a:spcPct val="100000"/>
       </a:lnSpc>
@@ -96,7 +96,7 @@
         <a:srgbClr val="000000"/>
       </a:buClr>
       <a:buFont typeface="Arial"/>
-      <a:defRPr b="0" i="0" sz="1400" u="none" cap="none" strike="noStrike">
+      <a:defRPr sz="1400" b="0" i="0" u="none" strike="noStrike" cap="none">
         <a:solidFill>
           <a:srgbClr val="000000"/>
         </a:solidFill>
@@ -106,7 +106,7 @@
         <a:sym typeface="Arial"/>
       </a:defRPr>
     </a:lvl3pPr>
-    <a:lvl4pPr lvl="3" marR="0" rtl="0" algn="l">
+    <a:lvl4pPr marR="0" lvl="3" algn="l" rtl="0">
       <a:lnSpc>
         <a:spcPct val="100000"/>
       </a:lnSpc>
@@ -120,7 +120,7 @@
         <a:srgbClr val="000000"/>
       </a:buClr>
       <a:buFont typeface="Arial"/>
-      <a:defRPr b="0" i="0" sz="1400" u="none" cap="none" strike="noStrike">
+      <a:defRPr sz="1400" b="0" i="0" u="none" strike="noStrike" cap="none">
         <a:solidFill>
           <a:srgbClr val="000000"/>
         </a:solidFill>
@@ -130,7 +130,7 @@
         <a:sym typeface="Arial"/>
       </a:defRPr>
     </a:lvl4pPr>
-    <a:lvl5pPr lvl="4" marR="0" rtl="0" algn="l">
+    <a:lvl5pPr marR="0" lvl="4" algn="l" rtl="0">
       <a:lnSpc>
         <a:spcPct val="100000"/>
       </a:lnSpc>
@@ -144,7 +144,7 @@
         <a:srgbClr val="000000"/>
       </a:buClr>
       <a:buFont typeface="Arial"/>
-      <a:defRPr b="0" i="0" sz="1400" u="none" cap="none" strike="noStrike">
+      <a:defRPr sz="1400" b="0" i="0" u="none" strike="noStrike" cap="none">
         <a:solidFill>
           <a:srgbClr val="000000"/>
         </a:solidFill>
@@ -154,7 +154,7 @@
         <a:sym typeface="Arial"/>
       </a:defRPr>
     </a:lvl5pPr>
-    <a:lvl6pPr lvl="5" marR="0" rtl="0" algn="l">
+    <a:lvl6pPr marR="0" lvl="5" algn="l" rtl="0">
       <a:lnSpc>
         <a:spcPct val="100000"/>
       </a:lnSpc>
@@ -168,7 +168,7 @@
         <a:srgbClr val="000000"/>
       </a:buClr>
       <a:buFont typeface="Arial"/>
-      <a:defRPr b="0" i="0" sz="1400" u="none" cap="none" strike="noStrike">
+      <a:defRPr sz="1400" b="0" i="0" u="none" strike="noStrike" cap="none">
         <a:solidFill>
           <a:srgbClr val="000000"/>
         </a:solidFill>
@@ -178,7 +178,7 @@
         <a:sym typeface="Arial"/>
       </a:defRPr>
     </a:lvl6pPr>
-    <a:lvl7pPr lvl="6" marR="0" rtl="0" algn="l">
+    <a:lvl7pPr marR="0" lvl="6" algn="l" rtl="0">
       <a:lnSpc>
         <a:spcPct val="100000"/>
       </a:lnSpc>
@@ -192,7 +192,7 @@
         <a:srgbClr val="000000"/>
       </a:buClr>
       <a:buFont typeface="Arial"/>
-      <a:defRPr b="0" i="0" sz="1400" u="none" cap="none" strike="noStrike">
+      <a:defRPr sz="1400" b="0" i="0" u="none" strike="noStrike" cap="none">
         <a:solidFill>
           <a:srgbClr val="000000"/>
         </a:solidFill>
@@ -202,7 +202,7 @@
         <a:sym typeface="Arial"/>
       </a:defRPr>
     </a:lvl7pPr>
-    <a:lvl8pPr lvl="7" marR="0" rtl="0" algn="l">
+    <a:lvl8pPr marR="0" lvl="7" algn="l" rtl="0">
       <a:lnSpc>
         <a:spcPct val="100000"/>
       </a:lnSpc>
@@ -216,7 +216,7 @@
         <a:srgbClr val="000000"/>
       </a:buClr>
       <a:buFont typeface="Arial"/>
-      <a:defRPr b="0" i="0" sz="1400" u="none" cap="none" strike="noStrike">
+      <a:defRPr sz="1400" b="0" i="0" u="none" strike="noStrike" cap="none">
         <a:solidFill>
           <a:srgbClr val="000000"/>
         </a:solidFill>
@@ -226,7 +226,7 @@
         <a:sym typeface="Arial"/>
       </a:defRPr>
     </a:lvl8pPr>
-    <a:lvl9pPr lvl="8" marR="0" rtl="0" algn="l">
+    <a:lvl9pPr marR="0" lvl="8" algn="l" rtl="0">
       <a:lnSpc>
         <a:spcPct val="100000"/>
       </a:lnSpc>
@@ -240,7 +240,7 @@
         <a:srgbClr val="000000"/>
       </a:buClr>
       <a:buFont typeface="Arial"/>
-      <a:defRPr b="0" i="0" sz="1400" u="none" cap="none" strike="noStrike">
+      <a:defRPr sz="1400" b="0" i="0" u="none" strike="noStrike" cap="none">
         <a:solidFill>
           <a:srgbClr val="000000"/>
         </a:solidFill>
@@ -253,18 +253,23 @@
   </p:defaultTextStyle>
   <p:extLst>
     <p:ext uri="GoogleSlidesCustomDataVersion2">
-      <go:slidesCustomData xmlns:go="http://customooxmlschemas.google.com/" r:id="rId11" roundtripDataSignature="AMtx7mj3JsVzSvRi2rOllk3JMWtogrbgyA=="/>
+      <go:slidesCustomData xmlns:go="http://customooxmlschemas.google.com/" xmlns:ahyp="http://schemas.microsoft.com/office/drawing/2018/hyperlinkcolor" xmlns:p15="http://schemas.microsoft.com/office/powerpoint/2012/main" xmlns:p14="http://schemas.microsoft.com/office/powerpoint/2010/main" xmlns:com="http://schemas.openxmlformats.org/drawingml/2006/compatibility" xmlns:pvml="urn:schemas-microsoft-com:office:powerpoint" xmlns:v="urn:schemas-microsoft-com:vml" xmlns:o="urn:schemas-microsoft-com:office:office" xmlns:dgm="http://schemas.openxmlformats.org/drawingml/2006/diagram" xmlns:c="http://schemas.openxmlformats.org/drawingml/2006/chart" xmlns:mv="urn:schemas-microsoft-com:mac:vml" xmlns:mc="http://schemas.openxmlformats.org/markup-compatibility/2006" xmlns="" r:id="rId11" roundtripDataSignature="AMtx7mj3JsVzSvRi2rOllk3JMWtogrbgyA=="/>
     </p:ext>
   </p:extLst>
 </p:presentation>
 </file>
 
 <file path=ppt/notesMasters/notesMaster1.xml><?xml version="1.0" encoding="utf-8"?>
-<p:notesMaster xmlns:a="http://schemas.openxmlformats.org/drawingml/2006/main" xmlns:r="http://schemas.openxmlformats.org/officeDocument/2006/relationships" xmlns:mc="http://schemas.openxmlformats.org/markup-compatibility/2006" xmlns:mv="urn:schemas-microsoft-com:mac:vml" xmlns:p="http://schemas.openxmlformats.org/presentationml/2006/main" xmlns:c="http://schemas.openxmlformats.org/drawingml/2006/chart" xmlns:dgm="http://schemas.openxmlformats.org/drawingml/2006/diagram" xmlns:o="urn:schemas-microsoft-com:office:office" xmlns:v="urn:schemas-microsoft-com:vml" xmlns:pvml="urn:schemas-microsoft-com:office:powerpoint" xmlns:com="http://schemas.openxmlformats.org/drawingml/2006/compatibility" xmlns:p14="http://schemas.microsoft.com/office/powerpoint/2010/main" xmlns:p15="http://schemas.microsoft.com/office/powerpoint/2012/main" xmlns:ahyp="http://schemas.microsoft.com/office/drawing/2018/hyperlinkcolor">
+<p:notesMaster xmlns:a="http://schemas.openxmlformats.org/drawingml/2006/main" xmlns:r="http://schemas.openxmlformats.org/officeDocument/2006/relationships" xmlns:p="http://schemas.openxmlformats.org/presentationml/2006/main">
   <p:cSld>
+    <p:bg>
+      <p:bgRef idx="1001">
+        <a:schemeClr val="bg1"/>
+      </p:bgRef>
+    </p:bg>
     <p:spTree>
       <p:nvGrpSpPr>
-        <p:cNvPr id="2" name="Shape 2"/>
+        <p:cNvPr id="1" name="Shape 2"/>
         <p:cNvGrpSpPr/>
         <p:nvPr/>
       </p:nvGrpSpPr>
@@ -279,9 +284,11 @@
       <p:sp>
         <p:nvSpPr>
           <p:cNvPr id="3" name="Google Shape;3;n"/>
-          <p:cNvSpPr/>
+          <p:cNvSpPr>
+            <a:spLocks noGrp="1" noRot="1" noChangeAspect="1"/>
+          </p:cNvSpPr>
           <p:nvPr>
-            <p:ph idx="2" type="sldImg"/>
+            <p:ph type="sldImg" idx="2"/>
           </p:nvPr>
         </p:nvSpPr>
         <p:spPr>
@@ -290,9 +297,13 @@
             <a:ext cx="4572225" cy="3429000"/>
           </a:xfrm>
           <a:custGeom>
-            <a:rect b="b" l="l" r="r" t="t"/>
+            <a:avLst/>
+            <a:gdLst/>
+            <a:ahLst/>
+            <a:cxnLst/>
+            <a:rect l="l" t="t" r="r" b="b"/>
             <a:pathLst>
-              <a:path extrusionOk="0" h="120000" w="120000">
+              <a:path w="120000" h="120000" extrusionOk="0">
                 <a:moveTo>
                   <a:pt x="0" y="0"/>
                 </a:moveTo>
@@ -310,23 +321,25 @@
             </a:pathLst>
           </a:custGeom>
           <a:noFill/>
-          <a:ln cap="flat" cmpd="sng" w="9525">
+          <a:ln w="9525" cap="flat" cmpd="sng">
             <a:solidFill>
               <a:srgbClr val="000000"/>
             </a:solidFill>
             <a:prstDash val="solid"/>
             <a:round/>
-            <a:headEnd len="sm" w="sm" type="none"/>
-            <a:tailEnd len="sm" w="sm" type="none"/>
+            <a:headEnd type="none" w="sm" len="sm"/>
+            <a:tailEnd type="none" w="sm" len="sm"/>
           </a:ln>
         </p:spPr>
       </p:sp>
       <p:sp>
         <p:nvSpPr>
           <p:cNvPr id="4" name="Google Shape;4;n"/>
-          <p:cNvSpPr txBox="1"/>
+          <p:cNvSpPr txBox="1">
+            <a:spLocks noGrp="1"/>
+          </p:cNvSpPr>
           <p:nvPr>
-            <p:ph idx="1" type="body"/>
+            <p:ph type="body" idx="1"/>
           </p:nvPr>
         </p:nvSpPr>
         <p:spPr>
@@ -343,11 +356,11 @@
           </a:ln>
         </p:spPr>
         <p:txBody>
-          <a:bodyPr anchorCtr="0" anchor="t" bIns="91425" lIns="91425" spcFirstLastPara="1" rIns="91425" wrap="square" tIns="91425">
+          <a:bodyPr spcFirstLastPara="1" wrap="square" lIns="91425" tIns="91425" rIns="91425" bIns="91425" anchor="t" anchorCtr="0">
             <a:noAutofit/>
           </a:bodyPr>
           <a:lstStyle>
-            <a:lvl1pPr indent="-298450" lvl="0" marL="457200">
+            <a:lvl1pPr marL="457200" lvl="0" indent="-298450">
               <a:spcBef>
                 <a:spcPts val="0"/>
               </a:spcBef>
@@ -358,7 +371,7 @@
               <a:buChar char="●"/>
               <a:defRPr sz="1100"/>
             </a:lvl1pPr>
-            <a:lvl2pPr indent="-298450" lvl="1" marL="914400">
+            <a:lvl2pPr marL="914400" lvl="1" indent="-298450">
               <a:spcBef>
                 <a:spcPts val="0"/>
               </a:spcBef>
@@ -369,7 +382,7 @@
               <a:buChar char="○"/>
               <a:defRPr sz="1100"/>
             </a:lvl2pPr>
-            <a:lvl3pPr indent="-298450" lvl="2" marL="1371600">
+            <a:lvl3pPr marL="1371600" lvl="2" indent="-298450">
               <a:spcBef>
                 <a:spcPts val="0"/>
               </a:spcBef>
@@ -380,7 +393,7 @@
               <a:buChar char="■"/>
               <a:defRPr sz="1100"/>
             </a:lvl3pPr>
-            <a:lvl4pPr indent="-298450" lvl="3" marL="1828800">
+            <a:lvl4pPr marL="1828800" lvl="3" indent="-298450">
               <a:spcBef>
                 <a:spcPts val="0"/>
               </a:spcBef>
@@ -391,7 +404,7 @@
               <a:buChar char="●"/>
               <a:defRPr sz="1100"/>
             </a:lvl4pPr>
-            <a:lvl5pPr indent="-298450" lvl="4" marL="2286000">
+            <a:lvl5pPr marL="2286000" lvl="4" indent="-298450">
               <a:spcBef>
                 <a:spcPts val="0"/>
               </a:spcBef>
@@ -402,7 +415,7 @@
               <a:buChar char="○"/>
               <a:defRPr sz="1100"/>
             </a:lvl5pPr>
-            <a:lvl6pPr indent="-298450" lvl="5" marL="2743200">
+            <a:lvl6pPr marL="2743200" lvl="5" indent="-298450">
               <a:spcBef>
                 <a:spcPts val="0"/>
               </a:spcBef>
@@ -413,7 +426,7 @@
               <a:buChar char="■"/>
               <a:defRPr sz="1100"/>
             </a:lvl6pPr>
-            <a:lvl7pPr indent="-298450" lvl="6" marL="3200400">
+            <a:lvl7pPr marL="3200400" lvl="6" indent="-298450">
               <a:spcBef>
                 <a:spcPts val="0"/>
               </a:spcBef>
@@ -424,7 +437,7 @@
               <a:buChar char="●"/>
               <a:defRPr sz="1100"/>
             </a:lvl7pPr>
-            <a:lvl8pPr indent="-298450" lvl="7" marL="3657600">
+            <a:lvl8pPr marL="3657600" lvl="7" indent="-298450">
               <a:spcBef>
                 <a:spcPts val="0"/>
               </a:spcBef>
@@ -435,7 +448,7 @@
               <a:buChar char="○"/>
               <a:defRPr sz="1100"/>
             </a:lvl8pPr>
-            <a:lvl9pPr indent="-298450" lvl="8" marL="4114800">
+            <a:lvl9pPr marL="4114800" lvl="8" indent="-298450">
               <a:spcBef>
                 <a:spcPts val="0"/>
               </a:spcBef>
@@ -447,14 +460,16 @@
               <a:defRPr sz="1100"/>
             </a:lvl9pPr>
           </a:lstStyle>
-          <a:p/>
+          <a:p>
+            <a:endParaRPr/>
+          </a:p>
         </p:txBody>
       </p:sp>
     </p:spTree>
   </p:cSld>
-  <p:clrMap accent1="accent1" accent2="accent2" accent3="accent3" accent4="accent4" accent5="accent5" accent6="accent6" bg1="lt1" bg2="dk2" tx1="dk1" tx2="lt2" folHlink="folHlink" hlink="hlink"/>
+  <p:clrMap bg1="lt1" tx1="dk1" bg2="dk2" tx2="lt2" accent1="accent1" accent2="accent2" accent3="accent3" accent4="accent4" accent5="accent5" accent6="accent6" hlink="hlink" folHlink="folHlink"/>
   <p:notesStyle>
-    <a:defPPr lvl="0" marR="0" rtl="0" algn="l">
+    <a:defPPr marR="0" lvl="0" algn="l" rtl="0">
       <a:lnSpc>
         <a:spcPct val="100000"/>
       </a:lnSpc>
@@ -465,7 +480,7 @@
         <a:spcPts val="0"/>
       </a:spcAft>
     </a:defPPr>
-    <a:lvl1pPr lvl="0" marR="0" rtl="0" algn="l">
+    <a:lvl1pPr marR="0" lvl="0" algn="l" rtl="0">
       <a:lnSpc>
         <a:spcPct val="100000"/>
       </a:lnSpc>
@@ -479,7 +494,7 @@
         <a:srgbClr val="000000"/>
       </a:buClr>
       <a:buFont typeface="Arial"/>
-      <a:defRPr b="0" i="0" sz="1400" u="none" cap="none" strike="noStrike">
+      <a:defRPr sz="1400" b="0" i="0" u="none" strike="noStrike" cap="none">
         <a:solidFill>
           <a:srgbClr val="000000"/>
         </a:solidFill>
@@ -489,7 +504,7 @@
         <a:sym typeface="Arial"/>
       </a:defRPr>
     </a:lvl1pPr>
-    <a:lvl2pPr lvl="1" marR="0" rtl="0" algn="l">
+    <a:lvl2pPr marR="0" lvl="1" algn="l" rtl="0">
       <a:lnSpc>
         <a:spcPct val="100000"/>
       </a:lnSpc>
@@ -503,7 +518,7 @@
         <a:srgbClr val="000000"/>
       </a:buClr>
       <a:buFont typeface="Arial"/>
-      <a:defRPr b="0" i="0" sz="1400" u="none" cap="none" strike="noStrike">
+      <a:defRPr sz="1400" b="0" i="0" u="none" strike="noStrike" cap="none">
         <a:solidFill>
           <a:srgbClr val="000000"/>
         </a:solidFill>
@@ -513,7 +528,7 @@
         <a:sym typeface="Arial"/>
       </a:defRPr>
     </a:lvl2pPr>
-    <a:lvl3pPr lvl="2" marR="0" rtl="0" algn="l">
+    <a:lvl3pPr marR="0" lvl="2" algn="l" rtl="0">
       <a:lnSpc>
         <a:spcPct val="100000"/>
       </a:lnSpc>
@@ -527,7 +542,7 @@
         <a:srgbClr val="000000"/>
       </a:buClr>
       <a:buFont typeface="Arial"/>
-      <a:defRPr b="0" i="0" sz="1400" u="none" cap="none" strike="noStrike">
+      <a:defRPr sz="1400" b="0" i="0" u="none" strike="noStrike" cap="none">
         <a:solidFill>
           <a:srgbClr val="000000"/>
         </a:solidFill>
@@ -537,7 +552,7 @@
         <a:sym typeface="Arial"/>
       </a:defRPr>
     </a:lvl3pPr>
-    <a:lvl4pPr lvl="3" marR="0" rtl="0" algn="l">
+    <a:lvl4pPr marR="0" lvl="3" algn="l" rtl="0">
       <a:lnSpc>
         <a:spcPct val="100000"/>
       </a:lnSpc>
@@ -551,7 +566,7 @@
         <a:srgbClr val="000000"/>
       </a:buClr>
       <a:buFont typeface="Arial"/>
-      <a:defRPr b="0" i="0" sz="1400" u="none" cap="none" strike="noStrike">
+      <a:defRPr sz="1400" b="0" i="0" u="none" strike="noStrike" cap="none">
         <a:solidFill>
           <a:srgbClr val="000000"/>
         </a:solidFill>
@@ -561,7 +576,7 @@
         <a:sym typeface="Arial"/>
       </a:defRPr>
     </a:lvl4pPr>
-    <a:lvl5pPr lvl="4" marR="0" rtl="0" algn="l">
+    <a:lvl5pPr marR="0" lvl="4" algn="l" rtl="0">
       <a:lnSpc>
         <a:spcPct val="100000"/>
       </a:lnSpc>
@@ -575,7 +590,7 @@
         <a:srgbClr val="000000"/>
       </a:buClr>
       <a:buFont typeface="Arial"/>
-      <a:defRPr b="0" i="0" sz="1400" u="none" cap="none" strike="noStrike">
+      <a:defRPr sz="1400" b="0" i="0" u="none" strike="noStrike" cap="none">
         <a:solidFill>
           <a:srgbClr val="000000"/>
         </a:solidFill>
@@ -585,7 +600,7 @@
         <a:sym typeface="Arial"/>
       </a:defRPr>
     </a:lvl5pPr>
-    <a:lvl6pPr lvl="5" marR="0" rtl="0" algn="l">
+    <a:lvl6pPr marR="0" lvl="5" algn="l" rtl="0">
       <a:lnSpc>
         <a:spcPct val="100000"/>
       </a:lnSpc>
@@ -599,7 +614,7 @@
         <a:srgbClr val="000000"/>
       </a:buClr>
       <a:buFont typeface="Arial"/>
-      <a:defRPr b="0" i="0" sz="1400" u="none" cap="none" strike="noStrike">
+      <a:defRPr sz="1400" b="0" i="0" u="none" strike="noStrike" cap="none">
         <a:solidFill>
           <a:srgbClr val="000000"/>
         </a:solidFill>
@@ -609,7 +624,7 @@
         <a:sym typeface="Arial"/>
       </a:defRPr>
     </a:lvl6pPr>
-    <a:lvl7pPr lvl="6" marR="0" rtl="0" algn="l">
+    <a:lvl7pPr marR="0" lvl="6" algn="l" rtl="0">
       <a:lnSpc>
         <a:spcPct val="100000"/>
       </a:lnSpc>
@@ -623,7 +638,7 @@
         <a:srgbClr val="000000"/>
       </a:buClr>
       <a:buFont typeface="Arial"/>
-      <a:defRPr b="0" i="0" sz="1400" u="none" cap="none" strike="noStrike">
+      <a:defRPr sz="1400" b="0" i="0" u="none" strike="noStrike" cap="none">
         <a:solidFill>
           <a:srgbClr val="000000"/>
         </a:solidFill>
@@ -633,7 +648,7 @@
         <a:sym typeface="Arial"/>
       </a:defRPr>
     </a:lvl7pPr>
-    <a:lvl8pPr lvl="7" marR="0" rtl="0" algn="l">
+    <a:lvl8pPr marR="0" lvl="7" algn="l" rtl="0">
       <a:lnSpc>
         <a:spcPct val="100000"/>
       </a:lnSpc>
@@ -647,7 +662,7 @@
         <a:srgbClr val="000000"/>
       </a:buClr>
       <a:buFont typeface="Arial"/>
-      <a:defRPr b="0" i="0" sz="1400" u="none" cap="none" strike="noStrike">
+      <a:defRPr sz="1400" b="0" i="0" u="none" strike="noStrike" cap="none">
         <a:solidFill>
           <a:srgbClr val="000000"/>
         </a:solidFill>
@@ -657,7 +672,7 @@
         <a:sym typeface="Arial"/>
       </a:defRPr>
     </a:lvl8pPr>
-    <a:lvl9pPr lvl="8" marR="0" rtl="0" algn="l">
+    <a:lvl9pPr marR="0" lvl="8" algn="l" rtl="0">
       <a:lnSpc>
         <a:spcPct val="100000"/>
       </a:lnSpc>
@@ -671,7 +686,7 @@
         <a:srgbClr val="000000"/>
       </a:buClr>
       <a:buFont typeface="Arial"/>
-      <a:defRPr b="0" i="0" sz="1400" u="none" cap="none" strike="noStrike">
+      <a:defRPr sz="1400" b="0" i="0" u="none" strike="noStrike" cap="none">
         <a:solidFill>
           <a:srgbClr val="000000"/>
         </a:solidFill>
@@ -686,11 +701,11 @@
 </file>
 
 <file path=ppt/notesSlides/notesSlide1.xml><?xml version="1.0" encoding="utf-8"?>
-<p:notes xmlns:a="http://schemas.openxmlformats.org/drawingml/2006/main" xmlns:r="http://schemas.openxmlformats.org/officeDocument/2006/relationships" xmlns:mc="http://schemas.openxmlformats.org/markup-compatibility/2006" xmlns:mv="urn:schemas-microsoft-com:mac:vml" xmlns:p="http://schemas.openxmlformats.org/presentationml/2006/main" xmlns:c="http://schemas.openxmlformats.org/drawingml/2006/chart" xmlns:dgm="http://schemas.openxmlformats.org/drawingml/2006/diagram" xmlns:o="urn:schemas-microsoft-com:office:office" xmlns:v="urn:schemas-microsoft-com:vml" xmlns:pvml="urn:schemas-microsoft-com:office:powerpoint" xmlns:com="http://schemas.openxmlformats.org/drawingml/2006/compatibility" xmlns:p14="http://schemas.microsoft.com/office/powerpoint/2010/main" xmlns:p15="http://schemas.microsoft.com/office/powerpoint/2012/main" xmlns:ahyp="http://schemas.microsoft.com/office/drawing/2018/hyperlinkcolor" showMasterPhAnim="0" showMasterSp="0">
+<p:notes xmlns:a="http://schemas.openxmlformats.org/drawingml/2006/main" xmlns:r="http://schemas.openxmlformats.org/officeDocument/2006/relationships" xmlns:p="http://schemas.openxmlformats.org/presentationml/2006/main" showMasterSp="0" showMasterPhAnim="0">
   <p:cSld>
     <p:spTree>
       <p:nvGrpSpPr>
-        <p:cNvPr id="80" name="Shape 80"/>
+        <p:cNvPr id="1" name="Shape 80"/>
         <p:cNvGrpSpPr/>
         <p:nvPr/>
       </p:nvGrpSpPr>
@@ -705,9 +720,11 @@
       <p:sp>
         <p:nvSpPr>
           <p:cNvPr id="81" name="Google Shape;81;p1:notes"/>
-          <p:cNvSpPr txBox="1"/>
+          <p:cNvSpPr txBox="1">
+            <a:spLocks noGrp="1"/>
+          </p:cNvSpPr>
           <p:nvPr>
-            <p:ph idx="1" type="body"/>
+            <p:ph type="body" idx="1"/>
           </p:nvPr>
         </p:nvSpPr>
         <p:spPr>
@@ -720,12 +737,12 @@
           </a:prstGeom>
         </p:spPr>
         <p:txBody>
-          <a:bodyPr anchorCtr="0" anchor="t" bIns="91425" lIns="91425" spcFirstLastPara="1" rIns="91425" wrap="square" tIns="91425">
+          <a:bodyPr spcFirstLastPara="1" wrap="square" lIns="91425" tIns="91425" rIns="91425" bIns="91425" anchor="t" anchorCtr="0">
             <a:noAutofit/>
           </a:bodyPr>
           <a:lstStyle/>
           <a:p>
-            <a:pPr indent="0" lvl="0" marL="0" rtl="0" algn="l">
+            <a:pPr marL="0" lvl="0" indent="0" algn="l" rtl="0">
               <a:spcBef>
                 <a:spcPts val="0"/>
               </a:spcBef>
@@ -734,9 +751,6 @@
               </a:spcAft>
               <a:buNone/>
             </a:pPr>
-            <a:r>
-              <a:t/>
-            </a:r>
             <a:endParaRPr/>
           </a:p>
         </p:txBody>
@@ -744,9 +758,11 @@
       <p:sp>
         <p:nvSpPr>
           <p:cNvPr id="82" name="Google Shape;82;p1:notes"/>
-          <p:cNvSpPr/>
+          <p:cNvSpPr>
+            <a:spLocks noGrp="1" noRot="1" noChangeAspect="1"/>
+          </p:cNvSpPr>
           <p:nvPr>
-            <p:ph idx="2" type="sldImg"/>
+            <p:ph type="sldImg" idx="2"/>
           </p:nvPr>
         </p:nvSpPr>
         <p:spPr>
@@ -755,9 +771,13 @@
             <a:ext cx="4572225" cy="3429000"/>
           </a:xfrm>
           <a:custGeom>
-            <a:rect b="b" l="l" r="r" t="t"/>
+            <a:avLst/>
+            <a:gdLst/>
+            <a:ahLst/>
+            <a:cxnLst/>
+            <a:rect l="l" t="t" r="r" b="b"/>
             <a:pathLst>
-              <a:path extrusionOk="0" h="120000" w="120000">
+              <a:path w="120000" h="120000" extrusionOk="0">
                 <a:moveTo>
                   <a:pt x="0" y="0"/>
                 </a:moveTo>
@@ -785,11 +805,11 @@
 </file>
 
 <file path=ppt/notesSlides/notesSlide2.xml><?xml version="1.0" encoding="utf-8"?>
-<p:notes xmlns:a="http://schemas.openxmlformats.org/drawingml/2006/main" xmlns:r="http://schemas.openxmlformats.org/officeDocument/2006/relationships" xmlns:mc="http://schemas.openxmlformats.org/markup-compatibility/2006" xmlns:mv="urn:schemas-microsoft-com:mac:vml" xmlns:p="http://schemas.openxmlformats.org/presentationml/2006/main" xmlns:c="http://schemas.openxmlformats.org/drawingml/2006/chart" xmlns:dgm="http://schemas.openxmlformats.org/drawingml/2006/diagram" xmlns:o="urn:schemas-microsoft-com:office:office" xmlns:v="urn:schemas-microsoft-com:vml" xmlns:pvml="urn:schemas-microsoft-com:office:powerpoint" xmlns:com="http://schemas.openxmlformats.org/drawingml/2006/compatibility" xmlns:p14="http://schemas.microsoft.com/office/powerpoint/2010/main" xmlns:p15="http://schemas.microsoft.com/office/powerpoint/2012/main" xmlns:ahyp="http://schemas.microsoft.com/office/drawing/2018/hyperlinkcolor" showMasterPhAnim="0" showMasterSp="0">
+<p:notes xmlns:a="http://schemas.openxmlformats.org/drawingml/2006/main" xmlns:r="http://schemas.openxmlformats.org/officeDocument/2006/relationships" xmlns:p="http://schemas.openxmlformats.org/presentationml/2006/main" showMasterSp="0" showMasterPhAnim="0">
   <p:cSld>
     <p:spTree>
       <p:nvGrpSpPr>
-        <p:cNvPr id="93" name="Shape 93"/>
+        <p:cNvPr id="1" name="Shape 93"/>
         <p:cNvGrpSpPr/>
         <p:nvPr/>
       </p:nvGrpSpPr>
@@ -804,9 +824,11 @@
       <p:sp>
         <p:nvSpPr>
           <p:cNvPr id="94" name="Google Shape;94;p2:notes"/>
-          <p:cNvSpPr txBox="1"/>
+          <p:cNvSpPr txBox="1">
+            <a:spLocks noGrp="1"/>
+          </p:cNvSpPr>
           <p:nvPr>
-            <p:ph idx="1" type="body"/>
+            <p:ph type="body" idx="1"/>
           </p:nvPr>
         </p:nvSpPr>
         <p:spPr>
@@ -819,12 +841,12 @@
           </a:prstGeom>
         </p:spPr>
         <p:txBody>
-          <a:bodyPr anchorCtr="0" anchor="t" bIns="91425" lIns="91425" spcFirstLastPara="1" rIns="91425" wrap="square" tIns="91425">
+          <a:bodyPr spcFirstLastPara="1" wrap="square" lIns="91425" tIns="91425" rIns="91425" bIns="91425" anchor="t" anchorCtr="0">
             <a:noAutofit/>
           </a:bodyPr>
           <a:lstStyle/>
           <a:p>
-            <a:pPr indent="0" lvl="0" marL="0" rtl="0" algn="l">
+            <a:pPr marL="0" lvl="0" indent="0" algn="l" rtl="0">
               <a:spcBef>
                 <a:spcPts val="0"/>
               </a:spcBef>
@@ -833,9 +855,6 @@
               </a:spcAft>
               <a:buNone/>
             </a:pPr>
-            <a:r>
-              <a:t/>
-            </a:r>
             <a:endParaRPr/>
           </a:p>
         </p:txBody>
@@ -843,20 +862,26 @@
       <p:sp>
         <p:nvSpPr>
           <p:cNvPr id="95" name="Google Shape;95;p2:notes"/>
-          <p:cNvSpPr/>
+          <p:cNvSpPr>
+            <a:spLocks noGrp="1" noRot="1" noChangeAspect="1"/>
+          </p:cNvSpPr>
           <p:nvPr>
-            <p:ph idx="2" type="sldImg"/>
+            <p:ph type="sldImg" idx="2"/>
           </p:nvPr>
         </p:nvSpPr>
         <p:spPr>
           <a:xfrm>
-            <a:off x="1143225" y="685800"/>
-            <a:ext cx="4572225" cy="3429000"/>
+            <a:off x="381000" y="685800"/>
+            <a:ext cx="6096000" cy="3429000"/>
           </a:xfrm>
           <a:custGeom>
-            <a:rect b="b" l="l" r="r" t="t"/>
+            <a:avLst/>
+            <a:gdLst/>
+            <a:ahLst/>
+            <a:cxnLst/>
+            <a:rect l="l" t="t" r="r" b="b"/>
             <a:pathLst>
-              <a:path extrusionOk="0" h="120000" w="120000">
+              <a:path w="120000" h="120000" extrusionOk="0">
                 <a:moveTo>
                   <a:pt x="0" y="0"/>
                 </a:moveTo>
@@ -884,11 +909,11 @@
 </file>
 
 <file path=ppt/slideLayouts/slideLayout1.xml><?xml version="1.0" encoding="utf-8"?>
-<p:sldLayout xmlns:a="http://schemas.openxmlformats.org/drawingml/2006/main" xmlns:r="http://schemas.openxmlformats.org/officeDocument/2006/relationships" xmlns:mc="http://schemas.openxmlformats.org/markup-compatibility/2006" xmlns:mv="urn:schemas-microsoft-com:mac:vml" xmlns:p="http://schemas.openxmlformats.org/presentationml/2006/main" xmlns:c="http://schemas.openxmlformats.org/drawingml/2006/chart" xmlns:dgm="http://schemas.openxmlformats.org/drawingml/2006/diagram" xmlns:o="urn:schemas-microsoft-com:office:office" xmlns:v="urn:schemas-microsoft-com:vml" xmlns:pvml="urn:schemas-microsoft-com:office:powerpoint" xmlns:com="http://schemas.openxmlformats.org/drawingml/2006/compatibility" xmlns:p14="http://schemas.microsoft.com/office/powerpoint/2010/main" xmlns:p15="http://schemas.microsoft.com/office/powerpoint/2012/main" xmlns:ahyp="http://schemas.microsoft.com/office/drawing/2018/hyperlinkcolor" matchingName="Title Slide" type="title">
+<p:sldLayout xmlns:a="http://schemas.openxmlformats.org/drawingml/2006/main" xmlns:r="http://schemas.openxmlformats.org/officeDocument/2006/relationships" xmlns:p="http://schemas.openxmlformats.org/presentationml/2006/main" matchingName="Title Slide" type="title">
   <p:cSld name="TITLE">
     <p:spTree>
       <p:nvGrpSpPr>
-        <p:cNvPr id="11" name="Shape 11"/>
+        <p:cNvPr id="1" name="Shape 11"/>
         <p:cNvGrpSpPr/>
         <p:nvPr/>
       </p:nvGrpSpPr>
@@ -903,7 +928,9 @@
       <p:sp>
         <p:nvSpPr>
           <p:cNvPr id="12" name="Google Shape;12;p4"/>
-          <p:cNvSpPr txBox="1"/>
+          <p:cNvSpPr txBox="1">
+            <a:spLocks noGrp="1"/>
+          </p:cNvSpPr>
           <p:nvPr>
             <p:ph type="ctrTitle"/>
           </p:nvPr>
@@ -922,7 +949,7 @@
           </a:ln>
         </p:spPr>
         <p:txBody>
-          <a:bodyPr anchorCtr="0" anchor="b" bIns="45700" lIns="91425" spcFirstLastPara="1" rIns="91425" wrap="square" tIns="45700">
+          <a:bodyPr spcFirstLastPara="1" wrap="square" lIns="91425" tIns="45700" rIns="91425" bIns="45700" anchor="b" anchorCtr="0">
             <a:normAutofit/>
           </a:bodyPr>
           <a:lstStyle>
@@ -1033,15 +1060,19 @@
               <a:defRPr/>
             </a:lvl9pPr>
           </a:lstStyle>
-          <a:p/>
+          <a:p>
+            <a:endParaRPr/>
+          </a:p>
         </p:txBody>
       </p:sp>
       <p:sp>
         <p:nvSpPr>
           <p:cNvPr id="13" name="Google Shape;13;p4"/>
-          <p:cNvSpPr txBox="1"/>
+          <p:cNvSpPr txBox="1">
+            <a:spLocks noGrp="1"/>
+          </p:cNvSpPr>
           <p:nvPr>
-            <p:ph idx="1" type="subTitle"/>
+            <p:ph type="subTitle" idx="1"/>
           </p:nvPr>
         </p:nvSpPr>
         <p:spPr>
@@ -1058,7 +1089,7 @@
           </a:ln>
         </p:spPr>
         <p:txBody>
-          <a:bodyPr anchorCtr="0" anchor="t" bIns="45700" lIns="91425" spcFirstLastPara="1" rIns="91425" wrap="square" tIns="45700">
+          <a:bodyPr spcFirstLastPara="1" wrap="square" lIns="91425" tIns="45700" rIns="91425" bIns="45700" anchor="t" anchorCtr="0">
             <a:normAutofit/>
           </a:bodyPr>
           <a:lstStyle>
@@ -1216,15 +1247,19 @@
               <a:defRPr sz="1600"/>
             </a:lvl9pPr>
           </a:lstStyle>
-          <a:p/>
+          <a:p>
+            <a:endParaRPr/>
+          </a:p>
         </p:txBody>
       </p:sp>
       <p:sp>
         <p:nvSpPr>
           <p:cNvPr id="14" name="Google Shape;14;p4"/>
-          <p:cNvSpPr txBox="1"/>
+          <p:cNvSpPr txBox="1">
+            <a:spLocks noGrp="1"/>
+          </p:cNvSpPr>
           <p:nvPr>
-            <p:ph idx="10" type="dt"/>
+            <p:ph type="dt" idx="10"/>
           </p:nvPr>
         </p:nvSpPr>
         <p:spPr>
@@ -1241,7 +1276,7 @@
           </a:ln>
         </p:spPr>
         <p:txBody>
-          <a:bodyPr anchorCtr="0" anchor="ctr" bIns="45700" lIns="91425" spcFirstLastPara="1" rIns="91425" wrap="square" tIns="45700">
+          <a:bodyPr spcFirstLastPara="1" wrap="square" lIns="91425" tIns="45700" rIns="91425" bIns="45700" anchor="ctr" anchorCtr="0">
             <a:noAutofit/>
           </a:bodyPr>
           <a:lstStyle>
@@ -1345,15 +1380,19 @@
               <a:defRPr/>
             </a:lvl9pPr>
           </a:lstStyle>
-          <a:p/>
+          <a:p>
+            <a:endParaRPr/>
+          </a:p>
         </p:txBody>
       </p:sp>
       <p:sp>
         <p:nvSpPr>
           <p:cNvPr id="15" name="Google Shape;15;p4"/>
-          <p:cNvSpPr txBox="1"/>
+          <p:cNvSpPr txBox="1">
+            <a:spLocks noGrp="1"/>
+          </p:cNvSpPr>
           <p:nvPr>
-            <p:ph idx="11" type="ftr"/>
+            <p:ph type="ftr" idx="11"/>
           </p:nvPr>
         </p:nvSpPr>
         <p:spPr>
@@ -1370,7 +1409,7 @@
           </a:ln>
         </p:spPr>
         <p:txBody>
-          <a:bodyPr anchorCtr="0" anchor="ctr" bIns="45700" lIns="91425" spcFirstLastPara="1" rIns="91425" wrap="square" tIns="45700">
+          <a:bodyPr spcFirstLastPara="1" wrap="square" lIns="91425" tIns="45700" rIns="91425" bIns="45700" anchor="ctr" anchorCtr="0">
             <a:noAutofit/>
           </a:bodyPr>
           <a:lstStyle>
@@ -1474,15 +1513,19 @@
               <a:defRPr/>
             </a:lvl9pPr>
           </a:lstStyle>
-          <a:p/>
+          <a:p>
+            <a:endParaRPr/>
+          </a:p>
         </p:txBody>
       </p:sp>
       <p:sp>
         <p:nvSpPr>
           <p:cNvPr id="16" name="Google Shape;16;p4"/>
-          <p:cNvSpPr txBox="1"/>
+          <p:cNvSpPr txBox="1">
+            <a:spLocks noGrp="1"/>
+          </p:cNvSpPr>
           <p:nvPr>
-            <p:ph idx="12" type="sldNum"/>
+            <p:ph type="sldNum" idx="12"/>
           </p:nvPr>
         </p:nvSpPr>
         <p:spPr>
@@ -1499,67 +1542,67 @@
           </a:ln>
         </p:spPr>
         <p:txBody>
-          <a:bodyPr anchorCtr="0" anchor="ctr" bIns="45700" lIns="91425" spcFirstLastPara="1" rIns="91425" wrap="square" tIns="45700">
+          <a:bodyPr spcFirstLastPara="1" wrap="square" lIns="91425" tIns="45700" rIns="91425" bIns="45700" anchor="ctr" anchorCtr="0">
             <a:noAutofit/>
           </a:bodyPr>
           <a:lstStyle>
-            <a:lvl1pPr indent="0" lvl="0" marL="0" algn="r">
+            <a:lvl1pPr marL="0" lvl="0" indent="0" algn="r">
               <a:spcBef>
                 <a:spcPts val="0"/>
               </a:spcBef>
               <a:buNone/>
               <a:defRPr/>
             </a:lvl1pPr>
-            <a:lvl2pPr indent="0" lvl="1" marL="0" algn="r">
+            <a:lvl2pPr marL="0" lvl="1" indent="0" algn="r">
               <a:spcBef>
                 <a:spcPts val="0"/>
               </a:spcBef>
               <a:buNone/>
               <a:defRPr/>
             </a:lvl2pPr>
-            <a:lvl3pPr indent="0" lvl="2" marL="0" algn="r">
+            <a:lvl3pPr marL="0" lvl="2" indent="0" algn="r">
               <a:spcBef>
                 <a:spcPts val="0"/>
               </a:spcBef>
               <a:buNone/>
               <a:defRPr/>
             </a:lvl3pPr>
-            <a:lvl4pPr indent="0" lvl="3" marL="0" algn="r">
+            <a:lvl4pPr marL="0" lvl="3" indent="0" algn="r">
               <a:spcBef>
                 <a:spcPts val="0"/>
               </a:spcBef>
               <a:buNone/>
               <a:defRPr/>
             </a:lvl4pPr>
-            <a:lvl5pPr indent="0" lvl="4" marL="0" algn="r">
+            <a:lvl5pPr marL="0" lvl="4" indent="0" algn="r">
               <a:spcBef>
                 <a:spcPts val="0"/>
               </a:spcBef>
               <a:buNone/>
               <a:defRPr/>
             </a:lvl5pPr>
-            <a:lvl6pPr indent="0" lvl="5" marL="0" algn="r">
+            <a:lvl6pPr marL="0" lvl="5" indent="0" algn="r">
               <a:spcBef>
                 <a:spcPts val="0"/>
               </a:spcBef>
               <a:buNone/>
               <a:defRPr/>
             </a:lvl6pPr>
-            <a:lvl7pPr indent="0" lvl="6" marL="0" algn="r">
+            <a:lvl7pPr marL="0" lvl="6" indent="0" algn="r">
               <a:spcBef>
                 <a:spcPts val="0"/>
               </a:spcBef>
               <a:buNone/>
               <a:defRPr/>
             </a:lvl7pPr>
-            <a:lvl8pPr indent="0" lvl="7" marL="0" algn="r">
+            <a:lvl8pPr marL="0" lvl="7" indent="0" algn="r">
               <a:spcBef>
                 <a:spcPts val="0"/>
               </a:spcBef>
               <a:buNone/>
               <a:defRPr/>
             </a:lvl8pPr>
-            <a:lvl9pPr indent="0" lvl="8" marL="0" algn="r">
+            <a:lvl9pPr marL="0" lvl="8" indent="0" algn="r">
               <a:spcBef>
                 <a:spcPts val="0"/>
               </a:spcBef>
@@ -1568,7 +1611,7 @@
             </a:lvl9pPr>
           </a:lstStyle>
           <a:p>
-            <a:pPr indent="0" lvl="0" marL="0" rtl="0" algn="r">
+            <a:pPr marL="0" lvl="0" indent="0" algn="r" rtl="0">
               <a:spcBef>
                 <a:spcPts val="0"/>
               </a:spcBef>
@@ -1594,11 +1637,11 @@
 </file>
 
 <file path=ppt/slideLayouts/slideLayout10.xml><?xml version="1.0" encoding="utf-8"?>
-<p:sldLayout xmlns:a="http://schemas.openxmlformats.org/drawingml/2006/main" xmlns:r="http://schemas.openxmlformats.org/officeDocument/2006/relationships" xmlns:mc="http://schemas.openxmlformats.org/markup-compatibility/2006" xmlns:mv="urn:schemas-microsoft-com:mac:vml" xmlns:p="http://schemas.openxmlformats.org/presentationml/2006/main" xmlns:c="http://schemas.openxmlformats.org/drawingml/2006/chart" xmlns:dgm="http://schemas.openxmlformats.org/drawingml/2006/diagram" xmlns:o="urn:schemas-microsoft-com:office:office" xmlns:v="urn:schemas-microsoft-com:vml" xmlns:pvml="urn:schemas-microsoft-com:office:powerpoint" xmlns:com="http://schemas.openxmlformats.org/drawingml/2006/compatibility" xmlns:p14="http://schemas.microsoft.com/office/powerpoint/2010/main" xmlns:p15="http://schemas.microsoft.com/office/powerpoint/2012/main" xmlns:ahyp="http://schemas.microsoft.com/office/drawing/2018/hyperlinkcolor" matchingName="Title and Vertical Text" type="vertTx">
+<p:sldLayout xmlns:a="http://schemas.openxmlformats.org/drawingml/2006/main" xmlns:r="http://schemas.openxmlformats.org/officeDocument/2006/relationships" xmlns:p="http://schemas.openxmlformats.org/presentationml/2006/main" matchingName="Title and Vertical Text" type="vertTx">
   <p:cSld name="VERTICAL_TEXT">
     <p:spTree>
       <p:nvGrpSpPr>
-        <p:cNvPr id="68" name="Shape 68"/>
+        <p:cNvPr id="1" name="Shape 68"/>
         <p:cNvGrpSpPr/>
         <p:nvPr/>
       </p:nvGrpSpPr>
@@ -1613,7 +1656,9 @@
       <p:sp>
         <p:nvSpPr>
           <p:cNvPr id="69" name="Google Shape;69;p13"/>
-          <p:cNvSpPr txBox="1"/>
+          <p:cNvSpPr txBox="1">
+            <a:spLocks noGrp="1"/>
+          </p:cNvSpPr>
           <p:nvPr>
             <p:ph type="title"/>
           </p:nvPr>
@@ -1632,7 +1677,7 @@
           </a:ln>
         </p:spPr>
         <p:txBody>
-          <a:bodyPr anchorCtr="0" anchor="ctr" bIns="45700" lIns="91425" spcFirstLastPara="1" rIns="91425" wrap="square" tIns="45700">
+          <a:bodyPr spcFirstLastPara="1" wrap="square" lIns="91425" tIns="45700" rIns="91425" bIns="45700" anchor="ctr" anchorCtr="0">
             <a:normAutofit/>
           </a:bodyPr>
           <a:lstStyle>
@@ -1742,15 +1787,19 @@
               <a:defRPr/>
             </a:lvl9pPr>
           </a:lstStyle>
-          <a:p/>
+          <a:p>
+            <a:endParaRPr/>
+          </a:p>
         </p:txBody>
       </p:sp>
       <p:sp>
         <p:nvSpPr>
           <p:cNvPr id="70" name="Google Shape;70;p13"/>
-          <p:cNvSpPr txBox="1"/>
+          <p:cNvSpPr txBox="1">
+            <a:spLocks noGrp="1"/>
+          </p:cNvSpPr>
           <p:nvPr>
-            <p:ph idx="1" type="body"/>
+            <p:ph type="body" idx="1"/>
           </p:nvPr>
         </p:nvSpPr>
         <p:spPr>
@@ -1767,11 +1816,11 @@
           </a:ln>
         </p:spPr>
         <p:txBody>
-          <a:bodyPr anchorCtr="0" anchor="t" bIns="45700" lIns="91425" spcFirstLastPara="1" rIns="91425" wrap="square" tIns="45700">
+          <a:bodyPr spcFirstLastPara="1" wrap="square" lIns="91425" tIns="45700" rIns="91425" bIns="45700" anchor="t" anchorCtr="0">
             <a:normAutofit/>
           </a:bodyPr>
           <a:lstStyle>
-            <a:lvl1pPr indent="-342900" lvl="0" marL="457200" algn="l">
+            <a:lvl1pPr marL="457200" lvl="0" indent="-342900" algn="l">
               <a:lnSpc>
                 <a:spcPct val="90000"/>
               </a:lnSpc>
@@ -1788,7 +1837,7 @@
               <a:buChar char="•"/>
               <a:defRPr/>
             </a:lvl1pPr>
-            <a:lvl2pPr indent="-342900" lvl="1" marL="914400" algn="l">
+            <a:lvl2pPr marL="914400" lvl="1" indent="-342900" algn="l">
               <a:lnSpc>
                 <a:spcPct val="90000"/>
               </a:lnSpc>
@@ -1805,7 +1854,7 @@
               <a:buChar char="•"/>
               <a:defRPr/>
             </a:lvl2pPr>
-            <a:lvl3pPr indent="-342900" lvl="2" marL="1371600" algn="l">
+            <a:lvl3pPr marL="1371600" lvl="2" indent="-342900" algn="l">
               <a:lnSpc>
                 <a:spcPct val="90000"/>
               </a:lnSpc>
@@ -1822,7 +1871,7 @@
               <a:buChar char="•"/>
               <a:defRPr/>
             </a:lvl3pPr>
-            <a:lvl4pPr indent="-342900" lvl="3" marL="1828800" algn="l">
+            <a:lvl4pPr marL="1828800" lvl="3" indent="-342900" algn="l">
               <a:lnSpc>
                 <a:spcPct val="90000"/>
               </a:lnSpc>
@@ -1839,7 +1888,7 @@
               <a:buChar char="•"/>
               <a:defRPr/>
             </a:lvl4pPr>
-            <a:lvl5pPr indent="-342900" lvl="4" marL="2286000" algn="l">
+            <a:lvl5pPr marL="2286000" lvl="4" indent="-342900" algn="l">
               <a:lnSpc>
                 <a:spcPct val="90000"/>
               </a:lnSpc>
@@ -1856,7 +1905,7 @@
               <a:buChar char="•"/>
               <a:defRPr/>
             </a:lvl5pPr>
-            <a:lvl6pPr indent="-342900" lvl="5" marL="2743200" algn="l">
+            <a:lvl6pPr marL="2743200" lvl="5" indent="-342900" algn="l">
               <a:lnSpc>
                 <a:spcPct val="90000"/>
               </a:lnSpc>
@@ -1873,7 +1922,7 @@
               <a:buChar char="•"/>
               <a:defRPr/>
             </a:lvl6pPr>
-            <a:lvl7pPr indent="-342900" lvl="6" marL="3200400" algn="l">
+            <a:lvl7pPr marL="3200400" lvl="6" indent="-342900" algn="l">
               <a:lnSpc>
                 <a:spcPct val="90000"/>
               </a:lnSpc>
@@ -1890,7 +1939,7 @@
               <a:buChar char="•"/>
               <a:defRPr/>
             </a:lvl7pPr>
-            <a:lvl8pPr indent="-342900" lvl="7" marL="3657600" algn="l">
+            <a:lvl8pPr marL="3657600" lvl="7" indent="-342900" algn="l">
               <a:lnSpc>
                 <a:spcPct val="90000"/>
               </a:lnSpc>
@@ -1907,7 +1956,7 @@
               <a:buChar char="•"/>
               <a:defRPr/>
             </a:lvl8pPr>
-            <a:lvl9pPr indent="-342900" lvl="8" marL="4114800" algn="l">
+            <a:lvl9pPr marL="4114800" lvl="8" indent="-342900" algn="l">
               <a:lnSpc>
                 <a:spcPct val="90000"/>
               </a:lnSpc>
@@ -1925,15 +1974,19 @@
               <a:defRPr/>
             </a:lvl9pPr>
           </a:lstStyle>
-          <a:p/>
+          <a:p>
+            <a:endParaRPr/>
+          </a:p>
         </p:txBody>
       </p:sp>
       <p:sp>
         <p:nvSpPr>
           <p:cNvPr id="71" name="Google Shape;71;p13"/>
-          <p:cNvSpPr txBox="1"/>
+          <p:cNvSpPr txBox="1">
+            <a:spLocks noGrp="1"/>
+          </p:cNvSpPr>
           <p:nvPr>
-            <p:ph idx="10" type="dt"/>
+            <p:ph type="dt" idx="10"/>
           </p:nvPr>
         </p:nvSpPr>
         <p:spPr>
@@ -1950,7 +2003,7 @@
           </a:ln>
         </p:spPr>
         <p:txBody>
-          <a:bodyPr anchorCtr="0" anchor="ctr" bIns="45700" lIns="91425" spcFirstLastPara="1" rIns="91425" wrap="square" tIns="45700">
+          <a:bodyPr spcFirstLastPara="1" wrap="square" lIns="91425" tIns="45700" rIns="91425" bIns="45700" anchor="ctr" anchorCtr="0">
             <a:noAutofit/>
           </a:bodyPr>
           <a:lstStyle>
@@ -2054,15 +2107,19 @@
               <a:defRPr/>
             </a:lvl9pPr>
           </a:lstStyle>
-          <a:p/>
+          <a:p>
+            <a:endParaRPr/>
+          </a:p>
         </p:txBody>
       </p:sp>
       <p:sp>
         <p:nvSpPr>
           <p:cNvPr id="72" name="Google Shape;72;p13"/>
-          <p:cNvSpPr txBox="1"/>
+          <p:cNvSpPr txBox="1">
+            <a:spLocks noGrp="1"/>
+          </p:cNvSpPr>
           <p:nvPr>
-            <p:ph idx="11" type="ftr"/>
+            <p:ph type="ftr" idx="11"/>
           </p:nvPr>
         </p:nvSpPr>
         <p:spPr>
@@ -2079,7 +2136,7 @@
           </a:ln>
         </p:spPr>
         <p:txBody>
-          <a:bodyPr anchorCtr="0" anchor="ctr" bIns="45700" lIns="91425" spcFirstLastPara="1" rIns="91425" wrap="square" tIns="45700">
+          <a:bodyPr spcFirstLastPara="1" wrap="square" lIns="91425" tIns="45700" rIns="91425" bIns="45700" anchor="ctr" anchorCtr="0">
             <a:noAutofit/>
           </a:bodyPr>
           <a:lstStyle>
@@ -2183,15 +2240,19 @@
               <a:defRPr/>
             </a:lvl9pPr>
           </a:lstStyle>
-          <a:p/>
+          <a:p>
+            <a:endParaRPr/>
+          </a:p>
         </p:txBody>
       </p:sp>
       <p:sp>
         <p:nvSpPr>
           <p:cNvPr id="73" name="Google Shape;73;p13"/>
-          <p:cNvSpPr txBox="1"/>
+          <p:cNvSpPr txBox="1">
+            <a:spLocks noGrp="1"/>
+          </p:cNvSpPr>
           <p:nvPr>
-            <p:ph idx="12" type="sldNum"/>
+            <p:ph type="sldNum" idx="12"/>
           </p:nvPr>
         </p:nvSpPr>
         <p:spPr>
@@ -2208,67 +2269,67 @@
           </a:ln>
         </p:spPr>
         <p:txBody>
-          <a:bodyPr anchorCtr="0" anchor="ctr" bIns="45700" lIns="91425" spcFirstLastPara="1" rIns="91425" wrap="square" tIns="45700">
+          <a:bodyPr spcFirstLastPara="1" wrap="square" lIns="91425" tIns="45700" rIns="91425" bIns="45700" anchor="ctr" anchorCtr="0">
             <a:noAutofit/>
           </a:bodyPr>
           <a:lstStyle>
-            <a:lvl1pPr indent="0" lvl="0" marL="0" algn="r">
+            <a:lvl1pPr marL="0" lvl="0" indent="0" algn="r">
               <a:spcBef>
                 <a:spcPts val="0"/>
               </a:spcBef>
               <a:buNone/>
               <a:defRPr/>
             </a:lvl1pPr>
-            <a:lvl2pPr indent="0" lvl="1" marL="0" algn="r">
+            <a:lvl2pPr marL="0" lvl="1" indent="0" algn="r">
               <a:spcBef>
                 <a:spcPts val="0"/>
               </a:spcBef>
               <a:buNone/>
               <a:defRPr/>
             </a:lvl2pPr>
-            <a:lvl3pPr indent="0" lvl="2" marL="0" algn="r">
+            <a:lvl3pPr marL="0" lvl="2" indent="0" algn="r">
               <a:spcBef>
                 <a:spcPts val="0"/>
               </a:spcBef>
               <a:buNone/>
               <a:defRPr/>
             </a:lvl3pPr>
-            <a:lvl4pPr indent="0" lvl="3" marL="0" algn="r">
+            <a:lvl4pPr marL="0" lvl="3" indent="0" algn="r">
               <a:spcBef>
                 <a:spcPts val="0"/>
               </a:spcBef>
               <a:buNone/>
               <a:defRPr/>
             </a:lvl4pPr>
-            <a:lvl5pPr indent="0" lvl="4" marL="0" algn="r">
+            <a:lvl5pPr marL="0" lvl="4" indent="0" algn="r">
               <a:spcBef>
                 <a:spcPts val="0"/>
               </a:spcBef>
               <a:buNone/>
               <a:defRPr/>
             </a:lvl5pPr>
-            <a:lvl6pPr indent="0" lvl="5" marL="0" algn="r">
+            <a:lvl6pPr marL="0" lvl="5" indent="0" algn="r">
               <a:spcBef>
                 <a:spcPts val="0"/>
               </a:spcBef>
               <a:buNone/>
               <a:defRPr/>
             </a:lvl6pPr>
-            <a:lvl7pPr indent="0" lvl="6" marL="0" algn="r">
+            <a:lvl7pPr marL="0" lvl="6" indent="0" algn="r">
               <a:spcBef>
                 <a:spcPts val="0"/>
               </a:spcBef>
               <a:buNone/>
               <a:defRPr/>
             </a:lvl7pPr>
-            <a:lvl8pPr indent="0" lvl="7" marL="0" algn="r">
+            <a:lvl8pPr marL="0" lvl="7" indent="0" algn="r">
               <a:spcBef>
                 <a:spcPts val="0"/>
               </a:spcBef>
               <a:buNone/>
               <a:defRPr/>
             </a:lvl8pPr>
-            <a:lvl9pPr indent="0" lvl="8" marL="0" algn="r">
+            <a:lvl9pPr marL="0" lvl="8" indent="0" algn="r">
               <a:spcBef>
                 <a:spcPts val="0"/>
               </a:spcBef>
@@ -2277,7 +2338,7 @@
             </a:lvl9pPr>
           </a:lstStyle>
           <a:p>
-            <a:pPr indent="0" lvl="0" marL="0" rtl="0" algn="r">
+            <a:pPr marL="0" lvl="0" indent="0" algn="r" rtl="0">
               <a:spcBef>
                 <a:spcPts val="0"/>
               </a:spcBef>
@@ -2303,11 +2364,11 @@
 </file>
 
 <file path=ppt/slideLayouts/slideLayout11.xml><?xml version="1.0" encoding="utf-8"?>
-<p:sldLayout xmlns:a="http://schemas.openxmlformats.org/drawingml/2006/main" xmlns:r="http://schemas.openxmlformats.org/officeDocument/2006/relationships" xmlns:mc="http://schemas.openxmlformats.org/markup-compatibility/2006" xmlns:mv="urn:schemas-microsoft-com:mac:vml" xmlns:p="http://schemas.openxmlformats.org/presentationml/2006/main" xmlns:c="http://schemas.openxmlformats.org/drawingml/2006/chart" xmlns:dgm="http://schemas.openxmlformats.org/drawingml/2006/diagram" xmlns:o="urn:schemas-microsoft-com:office:office" xmlns:v="urn:schemas-microsoft-com:vml" xmlns:pvml="urn:schemas-microsoft-com:office:powerpoint" xmlns:com="http://schemas.openxmlformats.org/drawingml/2006/compatibility" xmlns:p14="http://schemas.microsoft.com/office/powerpoint/2010/main" xmlns:p15="http://schemas.microsoft.com/office/powerpoint/2012/main" xmlns:ahyp="http://schemas.microsoft.com/office/drawing/2018/hyperlinkcolor" matchingName="Vertical Title and Text" type="vertTitleAndTx">
+<p:sldLayout xmlns:a="http://schemas.openxmlformats.org/drawingml/2006/main" xmlns:r="http://schemas.openxmlformats.org/officeDocument/2006/relationships" xmlns:p="http://schemas.openxmlformats.org/presentationml/2006/main" matchingName="Vertical Title and Text" type="vertTitleAndTx">
   <p:cSld name="VERTICAL_TITLE_AND_VERTICAL_TEXT">
     <p:spTree>
       <p:nvGrpSpPr>
-        <p:cNvPr id="74" name="Shape 74"/>
+        <p:cNvPr id="1" name="Shape 74"/>
         <p:cNvGrpSpPr/>
         <p:nvPr/>
       </p:nvGrpSpPr>
@@ -2322,7 +2383,9 @@
       <p:sp>
         <p:nvSpPr>
           <p:cNvPr id="75" name="Google Shape;75;p14"/>
-          <p:cNvSpPr txBox="1"/>
+          <p:cNvSpPr txBox="1">
+            <a:spLocks noGrp="1"/>
+          </p:cNvSpPr>
           <p:nvPr>
             <p:ph type="title"/>
           </p:nvPr>
@@ -2341,7 +2404,7 @@
           </a:ln>
         </p:spPr>
         <p:txBody>
-          <a:bodyPr anchorCtr="0" anchor="ctr" bIns="45700" lIns="91425" spcFirstLastPara="1" rIns="91425" wrap="square" tIns="45700">
+          <a:bodyPr spcFirstLastPara="1" wrap="square" lIns="91425" tIns="45700" rIns="91425" bIns="45700" anchor="ctr" anchorCtr="0">
             <a:normAutofit/>
           </a:bodyPr>
           <a:lstStyle>
@@ -2451,15 +2514,19 @@
               <a:defRPr/>
             </a:lvl9pPr>
           </a:lstStyle>
-          <a:p/>
+          <a:p>
+            <a:endParaRPr/>
+          </a:p>
         </p:txBody>
       </p:sp>
       <p:sp>
         <p:nvSpPr>
           <p:cNvPr id="76" name="Google Shape;76;p14"/>
-          <p:cNvSpPr txBox="1"/>
+          <p:cNvSpPr txBox="1">
+            <a:spLocks noGrp="1"/>
+          </p:cNvSpPr>
           <p:nvPr>
-            <p:ph idx="1" type="body"/>
+            <p:ph type="body" idx="1"/>
           </p:nvPr>
         </p:nvSpPr>
         <p:spPr>
@@ -2476,11 +2543,11 @@
           </a:ln>
         </p:spPr>
         <p:txBody>
-          <a:bodyPr anchorCtr="0" anchor="t" bIns="45700" lIns="91425" spcFirstLastPara="1" rIns="91425" wrap="square" tIns="45700">
+          <a:bodyPr spcFirstLastPara="1" wrap="square" lIns="91425" tIns="45700" rIns="91425" bIns="45700" anchor="t" anchorCtr="0">
             <a:normAutofit/>
           </a:bodyPr>
           <a:lstStyle>
-            <a:lvl1pPr indent="-342900" lvl="0" marL="457200" algn="l">
+            <a:lvl1pPr marL="457200" lvl="0" indent="-342900" algn="l">
               <a:lnSpc>
                 <a:spcPct val="90000"/>
               </a:lnSpc>
@@ -2497,7 +2564,7 @@
               <a:buChar char="•"/>
               <a:defRPr/>
             </a:lvl1pPr>
-            <a:lvl2pPr indent="-342900" lvl="1" marL="914400" algn="l">
+            <a:lvl2pPr marL="914400" lvl="1" indent="-342900" algn="l">
               <a:lnSpc>
                 <a:spcPct val="90000"/>
               </a:lnSpc>
@@ -2514,7 +2581,7 @@
               <a:buChar char="•"/>
               <a:defRPr/>
             </a:lvl2pPr>
-            <a:lvl3pPr indent="-342900" lvl="2" marL="1371600" algn="l">
+            <a:lvl3pPr marL="1371600" lvl="2" indent="-342900" algn="l">
               <a:lnSpc>
                 <a:spcPct val="90000"/>
               </a:lnSpc>
@@ -2531,7 +2598,7 @@
               <a:buChar char="•"/>
               <a:defRPr/>
             </a:lvl3pPr>
-            <a:lvl4pPr indent="-342900" lvl="3" marL="1828800" algn="l">
+            <a:lvl4pPr marL="1828800" lvl="3" indent="-342900" algn="l">
               <a:lnSpc>
                 <a:spcPct val="90000"/>
               </a:lnSpc>
@@ -2548,7 +2615,7 @@
               <a:buChar char="•"/>
               <a:defRPr/>
             </a:lvl4pPr>
-            <a:lvl5pPr indent="-342900" lvl="4" marL="2286000" algn="l">
+            <a:lvl5pPr marL="2286000" lvl="4" indent="-342900" algn="l">
               <a:lnSpc>
                 <a:spcPct val="90000"/>
               </a:lnSpc>
@@ -2565,7 +2632,7 @@
               <a:buChar char="•"/>
               <a:defRPr/>
             </a:lvl5pPr>
-            <a:lvl6pPr indent="-342900" lvl="5" marL="2743200" algn="l">
+            <a:lvl6pPr marL="2743200" lvl="5" indent="-342900" algn="l">
               <a:lnSpc>
                 <a:spcPct val="90000"/>
               </a:lnSpc>
@@ -2582,7 +2649,7 @@
               <a:buChar char="•"/>
               <a:defRPr/>
             </a:lvl6pPr>
-            <a:lvl7pPr indent="-342900" lvl="6" marL="3200400" algn="l">
+            <a:lvl7pPr marL="3200400" lvl="6" indent="-342900" algn="l">
               <a:lnSpc>
                 <a:spcPct val="90000"/>
               </a:lnSpc>
@@ -2599,7 +2666,7 @@
               <a:buChar char="•"/>
               <a:defRPr/>
             </a:lvl7pPr>
-            <a:lvl8pPr indent="-342900" lvl="7" marL="3657600" algn="l">
+            <a:lvl8pPr marL="3657600" lvl="7" indent="-342900" algn="l">
               <a:lnSpc>
                 <a:spcPct val="90000"/>
               </a:lnSpc>
@@ -2616,7 +2683,7 @@
               <a:buChar char="•"/>
               <a:defRPr/>
             </a:lvl8pPr>
-            <a:lvl9pPr indent="-342900" lvl="8" marL="4114800" algn="l">
+            <a:lvl9pPr marL="4114800" lvl="8" indent="-342900" algn="l">
               <a:lnSpc>
                 <a:spcPct val="90000"/>
               </a:lnSpc>
@@ -2634,15 +2701,19 @@
               <a:defRPr/>
             </a:lvl9pPr>
           </a:lstStyle>
-          <a:p/>
+          <a:p>
+            <a:endParaRPr/>
+          </a:p>
         </p:txBody>
       </p:sp>
       <p:sp>
         <p:nvSpPr>
           <p:cNvPr id="77" name="Google Shape;77;p14"/>
-          <p:cNvSpPr txBox="1"/>
+          <p:cNvSpPr txBox="1">
+            <a:spLocks noGrp="1"/>
+          </p:cNvSpPr>
           <p:nvPr>
-            <p:ph idx="10" type="dt"/>
+            <p:ph type="dt" idx="10"/>
           </p:nvPr>
         </p:nvSpPr>
         <p:spPr>
@@ -2659,7 +2730,7 @@
           </a:ln>
         </p:spPr>
         <p:txBody>
-          <a:bodyPr anchorCtr="0" anchor="ctr" bIns="45700" lIns="91425" spcFirstLastPara="1" rIns="91425" wrap="square" tIns="45700">
+          <a:bodyPr spcFirstLastPara="1" wrap="square" lIns="91425" tIns="45700" rIns="91425" bIns="45700" anchor="ctr" anchorCtr="0">
             <a:noAutofit/>
           </a:bodyPr>
           <a:lstStyle>
@@ -2763,15 +2834,19 @@
               <a:defRPr/>
             </a:lvl9pPr>
           </a:lstStyle>
-          <a:p/>
+          <a:p>
+            <a:endParaRPr/>
+          </a:p>
         </p:txBody>
       </p:sp>
       <p:sp>
         <p:nvSpPr>
           <p:cNvPr id="78" name="Google Shape;78;p14"/>
-          <p:cNvSpPr txBox="1"/>
+          <p:cNvSpPr txBox="1">
+            <a:spLocks noGrp="1"/>
+          </p:cNvSpPr>
           <p:nvPr>
-            <p:ph idx="11" type="ftr"/>
+            <p:ph type="ftr" idx="11"/>
           </p:nvPr>
         </p:nvSpPr>
         <p:spPr>
@@ -2788,7 +2863,7 @@
           </a:ln>
         </p:spPr>
         <p:txBody>
-          <a:bodyPr anchorCtr="0" anchor="ctr" bIns="45700" lIns="91425" spcFirstLastPara="1" rIns="91425" wrap="square" tIns="45700">
+          <a:bodyPr spcFirstLastPara="1" wrap="square" lIns="91425" tIns="45700" rIns="91425" bIns="45700" anchor="ctr" anchorCtr="0">
             <a:noAutofit/>
           </a:bodyPr>
           <a:lstStyle>
@@ -2892,15 +2967,19 @@
               <a:defRPr/>
             </a:lvl9pPr>
           </a:lstStyle>
-          <a:p/>
+          <a:p>
+            <a:endParaRPr/>
+          </a:p>
         </p:txBody>
       </p:sp>
       <p:sp>
         <p:nvSpPr>
           <p:cNvPr id="79" name="Google Shape;79;p14"/>
-          <p:cNvSpPr txBox="1"/>
+          <p:cNvSpPr txBox="1">
+            <a:spLocks noGrp="1"/>
+          </p:cNvSpPr>
           <p:nvPr>
-            <p:ph idx="12" type="sldNum"/>
+            <p:ph type="sldNum" idx="12"/>
           </p:nvPr>
         </p:nvSpPr>
         <p:spPr>
@@ -2917,67 +2996,67 @@
           </a:ln>
         </p:spPr>
         <p:txBody>
-          <a:bodyPr anchorCtr="0" anchor="ctr" bIns="45700" lIns="91425" spcFirstLastPara="1" rIns="91425" wrap="square" tIns="45700">
+          <a:bodyPr spcFirstLastPara="1" wrap="square" lIns="91425" tIns="45700" rIns="91425" bIns="45700" anchor="ctr" anchorCtr="0">
             <a:noAutofit/>
           </a:bodyPr>
           <a:lstStyle>
-            <a:lvl1pPr indent="0" lvl="0" marL="0" algn="r">
+            <a:lvl1pPr marL="0" lvl="0" indent="0" algn="r">
               <a:spcBef>
                 <a:spcPts val="0"/>
               </a:spcBef>
               <a:buNone/>
               <a:defRPr/>
             </a:lvl1pPr>
-            <a:lvl2pPr indent="0" lvl="1" marL="0" algn="r">
+            <a:lvl2pPr marL="0" lvl="1" indent="0" algn="r">
               <a:spcBef>
                 <a:spcPts val="0"/>
               </a:spcBef>
               <a:buNone/>
               <a:defRPr/>
             </a:lvl2pPr>
-            <a:lvl3pPr indent="0" lvl="2" marL="0" algn="r">
+            <a:lvl3pPr marL="0" lvl="2" indent="0" algn="r">
               <a:spcBef>
                 <a:spcPts val="0"/>
               </a:spcBef>
               <a:buNone/>
               <a:defRPr/>
             </a:lvl3pPr>
-            <a:lvl4pPr indent="0" lvl="3" marL="0" algn="r">
+            <a:lvl4pPr marL="0" lvl="3" indent="0" algn="r">
               <a:spcBef>
                 <a:spcPts val="0"/>
               </a:spcBef>
               <a:buNone/>
               <a:defRPr/>
             </a:lvl4pPr>
-            <a:lvl5pPr indent="0" lvl="4" marL="0" algn="r">
+            <a:lvl5pPr marL="0" lvl="4" indent="0" algn="r">
               <a:spcBef>
                 <a:spcPts val="0"/>
               </a:spcBef>
               <a:buNone/>
               <a:defRPr/>
             </a:lvl5pPr>
-            <a:lvl6pPr indent="0" lvl="5" marL="0" algn="r">
+            <a:lvl6pPr marL="0" lvl="5" indent="0" algn="r">
               <a:spcBef>
                 <a:spcPts val="0"/>
               </a:spcBef>
               <a:buNone/>
               <a:defRPr/>
             </a:lvl6pPr>
-            <a:lvl7pPr indent="0" lvl="6" marL="0" algn="r">
+            <a:lvl7pPr marL="0" lvl="6" indent="0" algn="r">
               <a:spcBef>
                 <a:spcPts val="0"/>
               </a:spcBef>
               <a:buNone/>
               <a:defRPr/>
             </a:lvl7pPr>
-            <a:lvl8pPr indent="0" lvl="7" marL="0" algn="r">
+            <a:lvl8pPr marL="0" lvl="7" indent="0" algn="r">
               <a:spcBef>
                 <a:spcPts val="0"/>
               </a:spcBef>
               <a:buNone/>
               <a:defRPr/>
             </a:lvl8pPr>
-            <a:lvl9pPr indent="0" lvl="8" marL="0" algn="r">
+            <a:lvl9pPr marL="0" lvl="8" indent="0" algn="r">
               <a:spcBef>
                 <a:spcPts val="0"/>
               </a:spcBef>
@@ -2986,7 +3065,7 @@
             </a:lvl9pPr>
           </a:lstStyle>
           <a:p>
-            <a:pPr indent="0" lvl="0" marL="0" rtl="0" algn="r">
+            <a:pPr marL="0" lvl="0" indent="0" algn="r" rtl="0">
               <a:spcBef>
                 <a:spcPts val="0"/>
               </a:spcBef>
@@ -3012,11 +3091,11 @@
 </file>
 
 <file path=ppt/slideLayouts/slideLayout2.xml><?xml version="1.0" encoding="utf-8"?>
-<p:sldLayout xmlns:a="http://schemas.openxmlformats.org/drawingml/2006/main" xmlns:r="http://schemas.openxmlformats.org/officeDocument/2006/relationships" xmlns:mc="http://schemas.openxmlformats.org/markup-compatibility/2006" xmlns:mv="urn:schemas-microsoft-com:mac:vml" xmlns:p="http://schemas.openxmlformats.org/presentationml/2006/main" xmlns:c="http://schemas.openxmlformats.org/drawingml/2006/chart" xmlns:dgm="http://schemas.openxmlformats.org/drawingml/2006/diagram" xmlns:o="urn:schemas-microsoft-com:office:office" xmlns:v="urn:schemas-microsoft-com:vml" xmlns:pvml="urn:schemas-microsoft-com:office:powerpoint" xmlns:com="http://schemas.openxmlformats.org/drawingml/2006/compatibility" xmlns:p14="http://schemas.microsoft.com/office/powerpoint/2010/main" xmlns:p15="http://schemas.microsoft.com/office/powerpoint/2012/main" xmlns:ahyp="http://schemas.microsoft.com/office/drawing/2018/hyperlinkcolor" matchingName="Title and Content" type="obj">
+<p:sldLayout xmlns:a="http://schemas.openxmlformats.org/drawingml/2006/main" xmlns:r="http://schemas.openxmlformats.org/officeDocument/2006/relationships" xmlns:p="http://schemas.openxmlformats.org/presentationml/2006/main" matchingName="Title and Content" type="obj">
   <p:cSld name="OBJECT">
     <p:spTree>
       <p:nvGrpSpPr>
-        <p:cNvPr id="17" name="Shape 17"/>
+        <p:cNvPr id="1" name="Shape 17"/>
         <p:cNvGrpSpPr/>
         <p:nvPr/>
       </p:nvGrpSpPr>
@@ -3031,7 +3110,9 @@
       <p:sp>
         <p:nvSpPr>
           <p:cNvPr id="18" name="Google Shape;18;p5"/>
-          <p:cNvSpPr txBox="1"/>
+          <p:cNvSpPr txBox="1">
+            <a:spLocks noGrp="1"/>
+          </p:cNvSpPr>
           <p:nvPr>
             <p:ph type="title"/>
           </p:nvPr>
@@ -3050,7 +3131,7 @@
           </a:ln>
         </p:spPr>
         <p:txBody>
-          <a:bodyPr anchorCtr="0" anchor="ctr" bIns="45700" lIns="91425" spcFirstLastPara="1" rIns="91425" wrap="square" tIns="45700">
+          <a:bodyPr spcFirstLastPara="1" wrap="square" lIns="91425" tIns="45700" rIns="91425" bIns="45700" anchor="ctr" anchorCtr="0">
             <a:normAutofit/>
           </a:bodyPr>
           <a:lstStyle>
@@ -3160,15 +3241,19 @@
               <a:defRPr/>
             </a:lvl9pPr>
           </a:lstStyle>
-          <a:p/>
+          <a:p>
+            <a:endParaRPr/>
+          </a:p>
         </p:txBody>
       </p:sp>
       <p:sp>
         <p:nvSpPr>
           <p:cNvPr id="19" name="Google Shape;19;p5"/>
-          <p:cNvSpPr txBox="1"/>
+          <p:cNvSpPr txBox="1">
+            <a:spLocks noGrp="1"/>
+          </p:cNvSpPr>
           <p:nvPr>
-            <p:ph idx="1" type="body"/>
+            <p:ph type="body" idx="1"/>
           </p:nvPr>
         </p:nvSpPr>
         <p:spPr>
@@ -3185,11 +3270,11 @@
           </a:ln>
         </p:spPr>
         <p:txBody>
-          <a:bodyPr anchorCtr="0" anchor="t" bIns="45700" lIns="91425" spcFirstLastPara="1" rIns="91425" wrap="square" tIns="45700">
+          <a:bodyPr spcFirstLastPara="1" wrap="square" lIns="91425" tIns="45700" rIns="91425" bIns="45700" anchor="t" anchorCtr="0">
             <a:normAutofit/>
           </a:bodyPr>
           <a:lstStyle>
-            <a:lvl1pPr indent="-342900" lvl="0" marL="457200" algn="l">
+            <a:lvl1pPr marL="457200" lvl="0" indent="-342900" algn="l">
               <a:lnSpc>
                 <a:spcPct val="90000"/>
               </a:lnSpc>
@@ -3206,7 +3291,7 @@
               <a:buChar char="•"/>
               <a:defRPr/>
             </a:lvl1pPr>
-            <a:lvl2pPr indent="-342900" lvl="1" marL="914400" algn="l">
+            <a:lvl2pPr marL="914400" lvl="1" indent="-342900" algn="l">
               <a:lnSpc>
                 <a:spcPct val="90000"/>
               </a:lnSpc>
@@ -3223,7 +3308,7 @@
               <a:buChar char="•"/>
               <a:defRPr/>
             </a:lvl2pPr>
-            <a:lvl3pPr indent="-342900" lvl="2" marL="1371600" algn="l">
+            <a:lvl3pPr marL="1371600" lvl="2" indent="-342900" algn="l">
               <a:lnSpc>
                 <a:spcPct val="90000"/>
               </a:lnSpc>
@@ -3240,7 +3325,7 @@
               <a:buChar char="•"/>
               <a:defRPr/>
             </a:lvl3pPr>
-            <a:lvl4pPr indent="-342900" lvl="3" marL="1828800" algn="l">
+            <a:lvl4pPr marL="1828800" lvl="3" indent="-342900" algn="l">
               <a:lnSpc>
                 <a:spcPct val="90000"/>
               </a:lnSpc>
@@ -3257,7 +3342,7 @@
               <a:buChar char="•"/>
               <a:defRPr/>
             </a:lvl4pPr>
-            <a:lvl5pPr indent="-342900" lvl="4" marL="2286000" algn="l">
+            <a:lvl5pPr marL="2286000" lvl="4" indent="-342900" algn="l">
               <a:lnSpc>
                 <a:spcPct val="90000"/>
               </a:lnSpc>
@@ -3274,7 +3359,7 @@
               <a:buChar char="•"/>
               <a:defRPr/>
             </a:lvl5pPr>
-            <a:lvl6pPr indent="-342900" lvl="5" marL="2743200" algn="l">
+            <a:lvl6pPr marL="2743200" lvl="5" indent="-342900" algn="l">
               <a:lnSpc>
                 <a:spcPct val="90000"/>
               </a:lnSpc>
@@ -3291,7 +3376,7 @@
               <a:buChar char="•"/>
               <a:defRPr/>
             </a:lvl6pPr>
-            <a:lvl7pPr indent="-342900" lvl="6" marL="3200400" algn="l">
+            <a:lvl7pPr marL="3200400" lvl="6" indent="-342900" algn="l">
               <a:lnSpc>
                 <a:spcPct val="90000"/>
               </a:lnSpc>
@@ -3308,7 +3393,7 @@
               <a:buChar char="•"/>
               <a:defRPr/>
             </a:lvl7pPr>
-            <a:lvl8pPr indent="-342900" lvl="7" marL="3657600" algn="l">
+            <a:lvl8pPr marL="3657600" lvl="7" indent="-342900" algn="l">
               <a:lnSpc>
                 <a:spcPct val="90000"/>
               </a:lnSpc>
@@ -3325,7 +3410,7 @@
               <a:buChar char="•"/>
               <a:defRPr/>
             </a:lvl8pPr>
-            <a:lvl9pPr indent="-342900" lvl="8" marL="4114800" algn="l">
+            <a:lvl9pPr marL="4114800" lvl="8" indent="-342900" algn="l">
               <a:lnSpc>
                 <a:spcPct val="90000"/>
               </a:lnSpc>
@@ -3343,15 +3428,19 @@
               <a:defRPr/>
             </a:lvl9pPr>
           </a:lstStyle>
-          <a:p/>
+          <a:p>
+            <a:endParaRPr/>
+          </a:p>
         </p:txBody>
       </p:sp>
       <p:sp>
         <p:nvSpPr>
           <p:cNvPr id="20" name="Google Shape;20;p5"/>
-          <p:cNvSpPr txBox="1"/>
+          <p:cNvSpPr txBox="1">
+            <a:spLocks noGrp="1"/>
+          </p:cNvSpPr>
           <p:nvPr>
-            <p:ph idx="10" type="dt"/>
+            <p:ph type="dt" idx="10"/>
           </p:nvPr>
         </p:nvSpPr>
         <p:spPr>
@@ -3368,7 +3457,7 @@
           </a:ln>
         </p:spPr>
         <p:txBody>
-          <a:bodyPr anchorCtr="0" anchor="ctr" bIns="45700" lIns="91425" spcFirstLastPara="1" rIns="91425" wrap="square" tIns="45700">
+          <a:bodyPr spcFirstLastPara="1" wrap="square" lIns="91425" tIns="45700" rIns="91425" bIns="45700" anchor="ctr" anchorCtr="0">
             <a:noAutofit/>
           </a:bodyPr>
           <a:lstStyle>
@@ -3472,15 +3561,19 @@
               <a:defRPr/>
             </a:lvl9pPr>
           </a:lstStyle>
-          <a:p/>
+          <a:p>
+            <a:endParaRPr/>
+          </a:p>
         </p:txBody>
       </p:sp>
       <p:sp>
         <p:nvSpPr>
           <p:cNvPr id="21" name="Google Shape;21;p5"/>
-          <p:cNvSpPr txBox="1"/>
+          <p:cNvSpPr txBox="1">
+            <a:spLocks noGrp="1"/>
+          </p:cNvSpPr>
           <p:nvPr>
-            <p:ph idx="11" type="ftr"/>
+            <p:ph type="ftr" idx="11"/>
           </p:nvPr>
         </p:nvSpPr>
         <p:spPr>
@@ -3497,7 +3590,7 @@
           </a:ln>
         </p:spPr>
         <p:txBody>
-          <a:bodyPr anchorCtr="0" anchor="ctr" bIns="45700" lIns="91425" spcFirstLastPara="1" rIns="91425" wrap="square" tIns="45700">
+          <a:bodyPr spcFirstLastPara="1" wrap="square" lIns="91425" tIns="45700" rIns="91425" bIns="45700" anchor="ctr" anchorCtr="0">
             <a:noAutofit/>
           </a:bodyPr>
           <a:lstStyle>
@@ -3601,15 +3694,19 @@
               <a:defRPr/>
             </a:lvl9pPr>
           </a:lstStyle>
-          <a:p/>
+          <a:p>
+            <a:endParaRPr/>
+          </a:p>
         </p:txBody>
       </p:sp>
       <p:sp>
         <p:nvSpPr>
           <p:cNvPr id="22" name="Google Shape;22;p5"/>
-          <p:cNvSpPr txBox="1"/>
+          <p:cNvSpPr txBox="1">
+            <a:spLocks noGrp="1"/>
+          </p:cNvSpPr>
           <p:nvPr>
-            <p:ph idx="12" type="sldNum"/>
+            <p:ph type="sldNum" idx="12"/>
           </p:nvPr>
         </p:nvSpPr>
         <p:spPr>
@@ -3626,67 +3723,67 @@
           </a:ln>
         </p:spPr>
         <p:txBody>
-          <a:bodyPr anchorCtr="0" anchor="ctr" bIns="45700" lIns="91425" spcFirstLastPara="1" rIns="91425" wrap="square" tIns="45700">
+          <a:bodyPr spcFirstLastPara="1" wrap="square" lIns="91425" tIns="45700" rIns="91425" bIns="45700" anchor="ctr" anchorCtr="0">
             <a:noAutofit/>
           </a:bodyPr>
           <a:lstStyle>
-            <a:lvl1pPr indent="0" lvl="0" marL="0" algn="r">
+            <a:lvl1pPr marL="0" lvl="0" indent="0" algn="r">
               <a:spcBef>
                 <a:spcPts val="0"/>
               </a:spcBef>
               <a:buNone/>
               <a:defRPr/>
             </a:lvl1pPr>
-            <a:lvl2pPr indent="0" lvl="1" marL="0" algn="r">
+            <a:lvl2pPr marL="0" lvl="1" indent="0" algn="r">
               <a:spcBef>
                 <a:spcPts val="0"/>
               </a:spcBef>
               <a:buNone/>
               <a:defRPr/>
             </a:lvl2pPr>
-            <a:lvl3pPr indent="0" lvl="2" marL="0" algn="r">
+            <a:lvl3pPr marL="0" lvl="2" indent="0" algn="r">
               <a:spcBef>
                 <a:spcPts val="0"/>
               </a:spcBef>
               <a:buNone/>
               <a:defRPr/>
             </a:lvl3pPr>
-            <a:lvl4pPr indent="0" lvl="3" marL="0" algn="r">
+            <a:lvl4pPr marL="0" lvl="3" indent="0" algn="r">
               <a:spcBef>
                 <a:spcPts val="0"/>
               </a:spcBef>
               <a:buNone/>
               <a:defRPr/>
             </a:lvl4pPr>
-            <a:lvl5pPr indent="0" lvl="4" marL="0" algn="r">
+            <a:lvl5pPr marL="0" lvl="4" indent="0" algn="r">
               <a:spcBef>
                 <a:spcPts val="0"/>
               </a:spcBef>
               <a:buNone/>
               <a:defRPr/>
             </a:lvl5pPr>
-            <a:lvl6pPr indent="0" lvl="5" marL="0" algn="r">
+            <a:lvl6pPr marL="0" lvl="5" indent="0" algn="r">
               <a:spcBef>
                 <a:spcPts val="0"/>
               </a:spcBef>
               <a:buNone/>
               <a:defRPr/>
             </a:lvl6pPr>
-            <a:lvl7pPr indent="0" lvl="6" marL="0" algn="r">
+            <a:lvl7pPr marL="0" lvl="6" indent="0" algn="r">
               <a:spcBef>
                 <a:spcPts val="0"/>
               </a:spcBef>
               <a:buNone/>
               <a:defRPr/>
             </a:lvl7pPr>
-            <a:lvl8pPr indent="0" lvl="7" marL="0" algn="r">
+            <a:lvl8pPr marL="0" lvl="7" indent="0" algn="r">
               <a:spcBef>
                 <a:spcPts val="0"/>
               </a:spcBef>
               <a:buNone/>
               <a:defRPr/>
             </a:lvl8pPr>
-            <a:lvl9pPr indent="0" lvl="8" marL="0" algn="r">
+            <a:lvl9pPr marL="0" lvl="8" indent="0" algn="r">
               <a:spcBef>
                 <a:spcPts val="0"/>
               </a:spcBef>
@@ -3695,7 +3792,7 @@
             </a:lvl9pPr>
           </a:lstStyle>
           <a:p>
-            <a:pPr indent="0" lvl="0" marL="0" rtl="0" algn="r">
+            <a:pPr marL="0" lvl="0" indent="0" algn="r" rtl="0">
               <a:spcBef>
                 <a:spcPts val="0"/>
               </a:spcBef>
@@ -3721,11 +3818,11 @@
 </file>
 
 <file path=ppt/slideLayouts/slideLayout3.xml><?xml version="1.0" encoding="utf-8"?>
-<p:sldLayout xmlns:a="http://schemas.openxmlformats.org/drawingml/2006/main" xmlns:r="http://schemas.openxmlformats.org/officeDocument/2006/relationships" xmlns:mc="http://schemas.openxmlformats.org/markup-compatibility/2006" xmlns:mv="urn:schemas-microsoft-com:mac:vml" xmlns:p="http://schemas.openxmlformats.org/presentationml/2006/main" xmlns:c="http://schemas.openxmlformats.org/drawingml/2006/chart" xmlns:dgm="http://schemas.openxmlformats.org/drawingml/2006/diagram" xmlns:o="urn:schemas-microsoft-com:office:office" xmlns:v="urn:schemas-microsoft-com:vml" xmlns:pvml="urn:schemas-microsoft-com:office:powerpoint" xmlns:com="http://schemas.openxmlformats.org/drawingml/2006/compatibility" xmlns:p14="http://schemas.microsoft.com/office/powerpoint/2010/main" xmlns:p15="http://schemas.microsoft.com/office/powerpoint/2012/main" xmlns:ahyp="http://schemas.microsoft.com/office/drawing/2018/hyperlinkcolor" matchingName="Section Header" type="secHead">
+<p:sldLayout xmlns:a="http://schemas.openxmlformats.org/drawingml/2006/main" xmlns:r="http://schemas.openxmlformats.org/officeDocument/2006/relationships" xmlns:p="http://schemas.openxmlformats.org/presentationml/2006/main" matchingName="Section Header" type="secHead">
   <p:cSld name="SECTION_HEADER">
     <p:spTree>
       <p:nvGrpSpPr>
-        <p:cNvPr id="23" name="Shape 23"/>
+        <p:cNvPr id="1" name="Shape 23"/>
         <p:cNvGrpSpPr/>
         <p:nvPr/>
       </p:nvGrpSpPr>
@@ -3740,7 +3837,9 @@
       <p:sp>
         <p:nvSpPr>
           <p:cNvPr id="24" name="Google Shape;24;p6"/>
-          <p:cNvSpPr txBox="1"/>
+          <p:cNvSpPr txBox="1">
+            <a:spLocks noGrp="1"/>
+          </p:cNvSpPr>
           <p:nvPr>
             <p:ph type="title"/>
           </p:nvPr>
@@ -3759,7 +3858,7 @@
           </a:ln>
         </p:spPr>
         <p:txBody>
-          <a:bodyPr anchorCtr="0" anchor="b" bIns="45700" lIns="91425" spcFirstLastPara="1" rIns="91425" wrap="square" tIns="45700">
+          <a:bodyPr spcFirstLastPara="1" wrap="square" lIns="91425" tIns="45700" rIns="91425" bIns="45700" anchor="b" anchorCtr="0">
             <a:normAutofit/>
           </a:bodyPr>
           <a:lstStyle>
@@ -3870,15 +3969,19 @@
               <a:defRPr/>
             </a:lvl9pPr>
           </a:lstStyle>
-          <a:p/>
+          <a:p>
+            <a:endParaRPr/>
+          </a:p>
         </p:txBody>
       </p:sp>
       <p:sp>
         <p:nvSpPr>
           <p:cNvPr id="25" name="Google Shape;25;p6"/>
-          <p:cNvSpPr txBox="1"/>
+          <p:cNvSpPr txBox="1">
+            <a:spLocks noGrp="1"/>
+          </p:cNvSpPr>
           <p:nvPr>
-            <p:ph idx="1" type="body"/>
+            <p:ph type="body" idx="1"/>
           </p:nvPr>
         </p:nvSpPr>
         <p:spPr>
@@ -3895,11 +3998,11 @@
           </a:ln>
         </p:spPr>
         <p:txBody>
-          <a:bodyPr anchorCtr="0" anchor="t" bIns="45700" lIns="91425" spcFirstLastPara="1" rIns="91425" wrap="square" tIns="45700">
+          <a:bodyPr spcFirstLastPara="1" wrap="square" lIns="91425" tIns="45700" rIns="91425" bIns="45700" anchor="t" anchorCtr="0">
             <a:normAutofit/>
           </a:bodyPr>
           <a:lstStyle>
-            <a:lvl1pPr indent="-228600" lvl="0" marL="457200" algn="l">
+            <a:lvl1pPr marL="457200" lvl="0" indent="-228600" algn="l">
               <a:lnSpc>
                 <a:spcPct val="90000"/>
               </a:lnSpc>
@@ -3920,7 +4023,7 @@
                 </a:solidFill>
               </a:defRPr>
             </a:lvl1pPr>
-            <a:lvl2pPr indent="-228600" lvl="1" marL="914400" algn="l">
+            <a:lvl2pPr marL="914400" lvl="1" indent="-228600" algn="l">
               <a:lnSpc>
                 <a:spcPct val="90000"/>
               </a:lnSpc>
@@ -3941,7 +4044,7 @@
                 </a:solidFill>
               </a:defRPr>
             </a:lvl2pPr>
-            <a:lvl3pPr indent="-228600" lvl="2" marL="1371600" algn="l">
+            <a:lvl3pPr marL="1371600" lvl="2" indent="-228600" algn="l">
               <a:lnSpc>
                 <a:spcPct val="90000"/>
               </a:lnSpc>
@@ -3962,7 +4065,7 @@
                 </a:solidFill>
               </a:defRPr>
             </a:lvl3pPr>
-            <a:lvl4pPr indent="-228600" lvl="3" marL="1828800" algn="l">
+            <a:lvl4pPr marL="1828800" lvl="3" indent="-228600" algn="l">
               <a:lnSpc>
                 <a:spcPct val="90000"/>
               </a:lnSpc>
@@ -3983,7 +4086,7 @@
                 </a:solidFill>
               </a:defRPr>
             </a:lvl4pPr>
-            <a:lvl5pPr indent="-228600" lvl="4" marL="2286000" algn="l">
+            <a:lvl5pPr marL="2286000" lvl="4" indent="-228600" algn="l">
               <a:lnSpc>
                 <a:spcPct val="90000"/>
               </a:lnSpc>
@@ -4004,7 +4107,7 @@
                 </a:solidFill>
               </a:defRPr>
             </a:lvl5pPr>
-            <a:lvl6pPr indent="-228600" lvl="5" marL="2743200" algn="l">
+            <a:lvl6pPr marL="2743200" lvl="5" indent="-228600" algn="l">
               <a:lnSpc>
                 <a:spcPct val="90000"/>
               </a:lnSpc>
@@ -4025,7 +4128,7 @@
                 </a:solidFill>
               </a:defRPr>
             </a:lvl6pPr>
-            <a:lvl7pPr indent="-228600" lvl="6" marL="3200400" algn="l">
+            <a:lvl7pPr marL="3200400" lvl="6" indent="-228600" algn="l">
               <a:lnSpc>
                 <a:spcPct val="90000"/>
               </a:lnSpc>
@@ -4046,7 +4149,7 @@
                 </a:solidFill>
               </a:defRPr>
             </a:lvl7pPr>
-            <a:lvl8pPr indent="-228600" lvl="7" marL="3657600" algn="l">
+            <a:lvl8pPr marL="3657600" lvl="7" indent="-228600" algn="l">
               <a:lnSpc>
                 <a:spcPct val="90000"/>
               </a:lnSpc>
@@ -4067,7 +4170,7 @@
                 </a:solidFill>
               </a:defRPr>
             </a:lvl8pPr>
-            <a:lvl9pPr indent="-228600" lvl="8" marL="4114800" algn="l">
+            <a:lvl9pPr marL="4114800" lvl="8" indent="-228600" algn="l">
               <a:lnSpc>
                 <a:spcPct val="90000"/>
               </a:lnSpc>
@@ -4089,15 +4192,19 @@
               </a:defRPr>
             </a:lvl9pPr>
           </a:lstStyle>
-          <a:p/>
+          <a:p>
+            <a:endParaRPr/>
+          </a:p>
         </p:txBody>
       </p:sp>
       <p:sp>
         <p:nvSpPr>
           <p:cNvPr id="26" name="Google Shape;26;p6"/>
-          <p:cNvSpPr txBox="1"/>
+          <p:cNvSpPr txBox="1">
+            <a:spLocks noGrp="1"/>
+          </p:cNvSpPr>
           <p:nvPr>
-            <p:ph idx="10" type="dt"/>
+            <p:ph type="dt" idx="10"/>
           </p:nvPr>
         </p:nvSpPr>
         <p:spPr>
@@ -4114,7 +4221,7 @@
           </a:ln>
         </p:spPr>
         <p:txBody>
-          <a:bodyPr anchorCtr="0" anchor="ctr" bIns="45700" lIns="91425" spcFirstLastPara="1" rIns="91425" wrap="square" tIns="45700">
+          <a:bodyPr spcFirstLastPara="1" wrap="square" lIns="91425" tIns="45700" rIns="91425" bIns="45700" anchor="ctr" anchorCtr="0">
             <a:noAutofit/>
           </a:bodyPr>
           <a:lstStyle>
@@ -4218,15 +4325,19 @@
               <a:defRPr/>
             </a:lvl9pPr>
           </a:lstStyle>
-          <a:p/>
+          <a:p>
+            <a:endParaRPr/>
+          </a:p>
         </p:txBody>
       </p:sp>
       <p:sp>
         <p:nvSpPr>
           <p:cNvPr id="27" name="Google Shape;27;p6"/>
-          <p:cNvSpPr txBox="1"/>
+          <p:cNvSpPr txBox="1">
+            <a:spLocks noGrp="1"/>
+          </p:cNvSpPr>
           <p:nvPr>
-            <p:ph idx="11" type="ftr"/>
+            <p:ph type="ftr" idx="11"/>
           </p:nvPr>
         </p:nvSpPr>
         <p:spPr>
@@ -4243,7 +4354,7 @@
           </a:ln>
         </p:spPr>
         <p:txBody>
-          <a:bodyPr anchorCtr="0" anchor="ctr" bIns="45700" lIns="91425" spcFirstLastPara="1" rIns="91425" wrap="square" tIns="45700">
+          <a:bodyPr spcFirstLastPara="1" wrap="square" lIns="91425" tIns="45700" rIns="91425" bIns="45700" anchor="ctr" anchorCtr="0">
             <a:noAutofit/>
           </a:bodyPr>
           <a:lstStyle>
@@ -4347,15 +4458,19 @@
               <a:defRPr/>
             </a:lvl9pPr>
           </a:lstStyle>
-          <a:p/>
+          <a:p>
+            <a:endParaRPr/>
+          </a:p>
         </p:txBody>
       </p:sp>
       <p:sp>
         <p:nvSpPr>
           <p:cNvPr id="28" name="Google Shape;28;p6"/>
-          <p:cNvSpPr txBox="1"/>
+          <p:cNvSpPr txBox="1">
+            <a:spLocks noGrp="1"/>
+          </p:cNvSpPr>
           <p:nvPr>
-            <p:ph idx="12" type="sldNum"/>
+            <p:ph type="sldNum" idx="12"/>
           </p:nvPr>
         </p:nvSpPr>
         <p:spPr>
@@ -4372,67 +4487,67 @@
           </a:ln>
         </p:spPr>
         <p:txBody>
-          <a:bodyPr anchorCtr="0" anchor="ctr" bIns="45700" lIns="91425" spcFirstLastPara="1" rIns="91425" wrap="square" tIns="45700">
+          <a:bodyPr spcFirstLastPara="1" wrap="square" lIns="91425" tIns="45700" rIns="91425" bIns="45700" anchor="ctr" anchorCtr="0">
             <a:noAutofit/>
           </a:bodyPr>
           <a:lstStyle>
-            <a:lvl1pPr indent="0" lvl="0" marL="0" algn="r">
+            <a:lvl1pPr marL="0" lvl="0" indent="0" algn="r">
               <a:spcBef>
                 <a:spcPts val="0"/>
               </a:spcBef>
               <a:buNone/>
               <a:defRPr/>
             </a:lvl1pPr>
-            <a:lvl2pPr indent="0" lvl="1" marL="0" algn="r">
+            <a:lvl2pPr marL="0" lvl="1" indent="0" algn="r">
               <a:spcBef>
                 <a:spcPts val="0"/>
               </a:spcBef>
               <a:buNone/>
               <a:defRPr/>
             </a:lvl2pPr>
-            <a:lvl3pPr indent="0" lvl="2" marL="0" algn="r">
+            <a:lvl3pPr marL="0" lvl="2" indent="0" algn="r">
               <a:spcBef>
                 <a:spcPts val="0"/>
               </a:spcBef>
               <a:buNone/>
               <a:defRPr/>
             </a:lvl3pPr>
-            <a:lvl4pPr indent="0" lvl="3" marL="0" algn="r">
+            <a:lvl4pPr marL="0" lvl="3" indent="0" algn="r">
               <a:spcBef>
                 <a:spcPts val="0"/>
               </a:spcBef>
               <a:buNone/>
               <a:defRPr/>
             </a:lvl4pPr>
-            <a:lvl5pPr indent="0" lvl="4" marL="0" algn="r">
+            <a:lvl5pPr marL="0" lvl="4" indent="0" algn="r">
               <a:spcBef>
                 <a:spcPts val="0"/>
               </a:spcBef>
               <a:buNone/>
               <a:defRPr/>
             </a:lvl5pPr>
-            <a:lvl6pPr indent="0" lvl="5" marL="0" algn="r">
+            <a:lvl6pPr marL="0" lvl="5" indent="0" algn="r">
               <a:spcBef>
                 <a:spcPts val="0"/>
               </a:spcBef>
               <a:buNone/>
               <a:defRPr/>
             </a:lvl6pPr>
-            <a:lvl7pPr indent="0" lvl="6" marL="0" algn="r">
+            <a:lvl7pPr marL="0" lvl="6" indent="0" algn="r">
               <a:spcBef>
                 <a:spcPts val="0"/>
               </a:spcBef>
               <a:buNone/>
               <a:defRPr/>
             </a:lvl7pPr>
-            <a:lvl8pPr indent="0" lvl="7" marL="0" algn="r">
+            <a:lvl8pPr marL="0" lvl="7" indent="0" algn="r">
               <a:spcBef>
                 <a:spcPts val="0"/>
               </a:spcBef>
               <a:buNone/>
               <a:defRPr/>
             </a:lvl8pPr>
-            <a:lvl9pPr indent="0" lvl="8" marL="0" algn="r">
+            <a:lvl9pPr marL="0" lvl="8" indent="0" algn="r">
               <a:spcBef>
                 <a:spcPts val="0"/>
               </a:spcBef>
@@ -4441,7 +4556,7 @@
             </a:lvl9pPr>
           </a:lstStyle>
           <a:p>
-            <a:pPr indent="0" lvl="0" marL="0" rtl="0" algn="r">
+            <a:pPr marL="0" lvl="0" indent="0" algn="r" rtl="0">
               <a:spcBef>
                 <a:spcPts val="0"/>
               </a:spcBef>
@@ -4467,11 +4582,11 @@
 </file>
 
 <file path=ppt/slideLayouts/slideLayout4.xml><?xml version="1.0" encoding="utf-8"?>
-<p:sldLayout xmlns:a="http://schemas.openxmlformats.org/drawingml/2006/main" xmlns:r="http://schemas.openxmlformats.org/officeDocument/2006/relationships" xmlns:mc="http://schemas.openxmlformats.org/markup-compatibility/2006" xmlns:mv="urn:schemas-microsoft-com:mac:vml" xmlns:p="http://schemas.openxmlformats.org/presentationml/2006/main" xmlns:c="http://schemas.openxmlformats.org/drawingml/2006/chart" xmlns:dgm="http://schemas.openxmlformats.org/drawingml/2006/diagram" xmlns:o="urn:schemas-microsoft-com:office:office" xmlns:v="urn:schemas-microsoft-com:vml" xmlns:pvml="urn:schemas-microsoft-com:office:powerpoint" xmlns:com="http://schemas.openxmlformats.org/drawingml/2006/compatibility" xmlns:p14="http://schemas.microsoft.com/office/powerpoint/2010/main" xmlns:p15="http://schemas.microsoft.com/office/powerpoint/2012/main" xmlns:ahyp="http://schemas.microsoft.com/office/drawing/2018/hyperlinkcolor" matchingName="Two Content" type="twoObj">
+<p:sldLayout xmlns:a="http://schemas.openxmlformats.org/drawingml/2006/main" xmlns:r="http://schemas.openxmlformats.org/officeDocument/2006/relationships" xmlns:p="http://schemas.openxmlformats.org/presentationml/2006/main" matchingName="Two Content" type="twoObj">
   <p:cSld name="TWO_OBJECTS">
     <p:spTree>
       <p:nvGrpSpPr>
-        <p:cNvPr id="29" name="Shape 29"/>
+        <p:cNvPr id="1" name="Shape 29"/>
         <p:cNvGrpSpPr/>
         <p:nvPr/>
       </p:nvGrpSpPr>
@@ -4486,7 +4601,9 @@
       <p:sp>
         <p:nvSpPr>
           <p:cNvPr id="30" name="Google Shape;30;p7"/>
-          <p:cNvSpPr txBox="1"/>
+          <p:cNvSpPr txBox="1">
+            <a:spLocks noGrp="1"/>
+          </p:cNvSpPr>
           <p:nvPr>
             <p:ph type="title"/>
           </p:nvPr>
@@ -4505,7 +4622,7 @@
           </a:ln>
         </p:spPr>
         <p:txBody>
-          <a:bodyPr anchorCtr="0" anchor="ctr" bIns="45700" lIns="91425" spcFirstLastPara="1" rIns="91425" wrap="square" tIns="45700">
+          <a:bodyPr spcFirstLastPara="1" wrap="square" lIns="91425" tIns="45700" rIns="91425" bIns="45700" anchor="ctr" anchorCtr="0">
             <a:normAutofit/>
           </a:bodyPr>
           <a:lstStyle>
@@ -4615,15 +4732,19 @@
               <a:defRPr/>
             </a:lvl9pPr>
           </a:lstStyle>
-          <a:p/>
+          <a:p>
+            <a:endParaRPr/>
+          </a:p>
         </p:txBody>
       </p:sp>
       <p:sp>
         <p:nvSpPr>
           <p:cNvPr id="31" name="Google Shape;31;p7"/>
-          <p:cNvSpPr txBox="1"/>
+          <p:cNvSpPr txBox="1">
+            <a:spLocks noGrp="1"/>
+          </p:cNvSpPr>
           <p:nvPr>
-            <p:ph idx="1" type="body"/>
+            <p:ph type="body" idx="1"/>
           </p:nvPr>
         </p:nvSpPr>
         <p:spPr>
@@ -4640,11 +4761,11 @@
           </a:ln>
         </p:spPr>
         <p:txBody>
-          <a:bodyPr anchorCtr="0" anchor="t" bIns="45700" lIns="91425" spcFirstLastPara="1" rIns="91425" wrap="square" tIns="45700">
+          <a:bodyPr spcFirstLastPara="1" wrap="square" lIns="91425" tIns="45700" rIns="91425" bIns="45700" anchor="t" anchorCtr="0">
             <a:normAutofit/>
           </a:bodyPr>
           <a:lstStyle>
-            <a:lvl1pPr indent="-342900" lvl="0" marL="457200" algn="l">
+            <a:lvl1pPr marL="457200" lvl="0" indent="-342900" algn="l">
               <a:lnSpc>
                 <a:spcPct val="90000"/>
               </a:lnSpc>
@@ -4661,7 +4782,7 @@
               <a:buChar char="•"/>
               <a:defRPr/>
             </a:lvl1pPr>
-            <a:lvl2pPr indent="-342900" lvl="1" marL="914400" algn="l">
+            <a:lvl2pPr marL="914400" lvl="1" indent="-342900" algn="l">
               <a:lnSpc>
                 <a:spcPct val="90000"/>
               </a:lnSpc>
@@ -4678,7 +4799,7 @@
               <a:buChar char="•"/>
               <a:defRPr/>
             </a:lvl2pPr>
-            <a:lvl3pPr indent="-342900" lvl="2" marL="1371600" algn="l">
+            <a:lvl3pPr marL="1371600" lvl="2" indent="-342900" algn="l">
               <a:lnSpc>
                 <a:spcPct val="90000"/>
               </a:lnSpc>
@@ -4695,7 +4816,7 @@
               <a:buChar char="•"/>
               <a:defRPr/>
             </a:lvl3pPr>
-            <a:lvl4pPr indent="-342900" lvl="3" marL="1828800" algn="l">
+            <a:lvl4pPr marL="1828800" lvl="3" indent="-342900" algn="l">
               <a:lnSpc>
                 <a:spcPct val="90000"/>
               </a:lnSpc>
@@ -4712,7 +4833,7 @@
               <a:buChar char="•"/>
               <a:defRPr/>
             </a:lvl4pPr>
-            <a:lvl5pPr indent="-342900" lvl="4" marL="2286000" algn="l">
+            <a:lvl5pPr marL="2286000" lvl="4" indent="-342900" algn="l">
               <a:lnSpc>
                 <a:spcPct val="90000"/>
               </a:lnSpc>
@@ -4729,7 +4850,7 @@
               <a:buChar char="•"/>
               <a:defRPr/>
             </a:lvl5pPr>
-            <a:lvl6pPr indent="-342900" lvl="5" marL="2743200" algn="l">
+            <a:lvl6pPr marL="2743200" lvl="5" indent="-342900" algn="l">
               <a:lnSpc>
                 <a:spcPct val="90000"/>
               </a:lnSpc>
@@ -4746,7 +4867,7 @@
               <a:buChar char="•"/>
               <a:defRPr/>
             </a:lvl6pPr>
-            <a:lvl7pPr indent="-342900" lvl="6" marL="3200400" algn="l">
+            <a:lvl7pPr marL="3200400" lvl="6" indent="-342900" algn="l">
               <a:lnSpc>
                 <a:spcPct val="90000"/>
               </a:lnSpc>
@@ -4763,7 +4884,7 @@
               <a:buChar char="•"/>
               <a:defRPr/>
             </a:lvl7pPr>
-            <a:lvl8pPr indent="-342900" lvl="7" marL="3657600" algn="l">
+            <a:lvl8pPr marL="3657600" lvl="7" indent="-342900" algn="l">
               <a:lnSpc>
                 <a:spcPct val="90000"/>
               </a:lnSpc>
@@ -4780,7 +4901,7 @@
               <a:buChar char="•"/>
               <a:defRPr/>
             </a:lvl8pPr>
-            <a:lvl9pPr indent="-342900" lvl="8" marL="4114800" algn="l">
+            <a:lvl9pPr marL="4114800" lvl="8" indent="-342900" algn="l">
               <a:lnSpc>
                 <a:spcPct val="90000"/>
               </a:lnSpc>
@@ -4798,15 +4919,19 @@
               <a:defRPr/>
             </a:lvl9pPr>
           </a:lstStyle>
-          <a:p/>
+          <a:p>
+            <a:endParaRPr/>
+          </a:p>
         </p:txBody>
       </p:sp>
       <p:sp>
         <p:nvSpPr>
           <p:cNvPr id="32" name="Google Shape;32;p7"/>
-          <p:cNvSpPr txBox="1"/>
+          <p:cNvSpPr txBox="1">
+            <a:spLocks noGrp="1"/>
+          </p:cNvSpPr>
           <p:nvPr>
-            <p:ph idx="2" type="body"/>
+            <p:ph type="body" idx="2"/>
           </p:nvPr>
         </p:nvSpPr>
         <p:spPr>
@@ -4823,11 +4948,11 @@
           </a:ln>
         </p:spPr>
         <p:txBody>
-          <a:bodyPr anchorCtr="0" anchor="t" bIns="45700" lIns="91425" spcFirstLastPara="1" rIns="91425" wrap="square" tIns="45700">
+          <a:bodyPr spcFirstLastPara="1" wrap="square" lIns="91425" tIns="45700" rIns="91425" bIns="45700" anchor="t" anchorCtr="0">
             <a:normAutofit/>
           </a:bodyPr>
           <a:lstStyle>
-            <a:lvl1pPr indent="-342900" lvl="0" marL="457200" algn="l">
+            <a:lvl1pPr marL="457200" lvl="0" indent="-342900" algn="l">
               <a:lnSpc>
                 <a:spcPct val="90000"/>
               </a:lnSpc>
@@ -4844,7 +4969,7 @@
               <a:buChar char="•"/>
               <a:defRPr/>
             </a:lvl1pPr>
-            <a:lvl2pPr indent="-342900" lvl="1" marL="914400" algn="l">
+            <a:lvl2pPr marL="914400" lvl="1" indent="-342900" algn="l">
               <a:lnSpc>
                 <a:spcPct val="90000"/>
               </a:lnSpc>
@@ -4861,7 +4986,7 @@
               <a:buChar char="•"/>
               <a:defRPr/>
             </a:lvl2pPr>
-            <a:lvl3pPr indent="-342900" lvl="2" marL="1371600" algn="l">
+            <a:lvl3pPr marL="1371600" lvl="2" indent="-342900" algn="l">
               <a:lnSpc>
                 <a:spcPct val="90000"/>
               </a:lnSpc>
@@ -4878,7 +5003,7 @@
               <a:buChar char="•"/>
               <a:defRPr/>
             </a:lvl3pPr>
-            <a:lvl4pPr indent="-342900" lvl="3" marL="1828800" algn="l">
+            <a:lvl4pPr marL="1828800" lvl="3" indent="-342900" algn="l">
               <a:lnSpc>
                 <a:spcPct val="90000"/>
               </a:lnSpc>
@@ -4895,7 +5020,7 @@
               <a:buChar char="•"/>
               <a:defRPr/>
             </a:lvl4pPr>
-            <a:lvl5pPr indent="-342900" lvl="4" marL="2286000" algn="l">
+            <a:lvl5pPr marL="2286000" lvl="4" indent="-342900" algn="l">
               <a:lnSpc>
                 <a:spcPct val="90000"/>
               </a:lnSpc>
@@ -4912,7 +5037,7 @@
               <a:buChar char="•"/>
               <a:defRPr/>
             </a:lvl5pPr>
-            <a:lvl6pPr indent="-342900" lvl="5" marL="2743200" algn="l">
+            <a:lvl6pPr marL="2743200" lvl="5" indent="-342900" algn="l">
               <a:lnSpc>
                 <a:spcPct val="90000"/>
               </a:lnSpc>
@@ -4929,7 +5054,7 @@
               <a:buChar char="•"/>
               <a:defRPr/>
             </a:lvl6pPr>
-            <a:lvl7pPr indent="-342900" lvl="6" marL="3200400" algn="l">
+            <a:lvl7pPr marL="3200400" lvl="6" indent="-342900" algn="l">
               <a:lnSpc>
                 <a:spcPct val="90000"/>
               </a:lnSpc>
@@ -4946,7 +5071,7 @@
               <a:buChar char="•"/>
               <a:defRPr/>
             </a:lvl7pPr>
-            <a:lvl8pPr indent="-342900" lvl="7" marL="3657600" algn="l">
+            <a:lvl8pPr marL="3657600" lvl="7" indent="-342900" algn="l">
               <a:lnSpc>
                 <a:spcPct val="90000"/>
               </a:lnSpc>
@@ -4963,7 +5088,7 @@
               <a:buChar char="•"/>
               <a:defRPr/>
             </a:lvl8pPr>
-            <a:lvl9pPr indent="-342900" lvl="8" marL="4114800" algn="l">
+            <a:lvl9pPr marL="4114800" lvl="8" indent="-342900" algn="l">
               <a:lnSpc>
                 <a:spcPct val="90000"/>
               </a:lnSpc>
@@ -4981,15 +5106,19 @@
               <a:defRPr/>
             </a:lvl9pPr>
           </a:lstStyle>
-          <a:p/>
+          <a:p>
+            <a:endParaRPr/>
+          </a:p>
         </p:txBody>
       </p:sp>
       <p:sp>
         <p:nvSpPr>
           <p:cNvPr id="33" name="Google Shape;33;p7"/>
-          <p:cNvSpPr txBox="1"/>
+          <p:cNvSpPr txBox="1">
+            <a:spLocks noGrp="1"/>
+          </p:cNvSpPr>
           <p:nvPr>
-            <p:ph idx="10" type="dt"/>
+            <p:ph type="dt" idx="10"/>
           </p:nvPr>
         </p:nvSpPr>
         <p:spPr>
@@ -5006,7 +5135,7 @@
           </a:ln>
         </p:spPr>
         <p:txBody>
-          <a:bodyPr anchorCtr="0" anchor="ctr" bIns="45700" lIns="91425" spcFirstLastPara="1" rIns="91425" wrap="square" tIns="45700">
+          <a:bodyPr spcFirstLastPara="1" wrap="square" lIns="91425" tIns="45700" rIns="91425" bIns="45700" anchor="ctr" anchorCtr="0">
             <a:noAutofit/>
           </a:bodyPr>
           <a:lstStyle>
@@ -5110,15 +5239,19 @@
               <a:defRPr/>
             </a:lvl9pPr>
           </a:lstStyle>
-          <a:p/>
+          <a:p>
+            <a:endParaRPr/>
+          </a:p>
         </p:txBody>
       </p:sp>
       <p:sp>
         <p:nvSpPr>
           <p:cNvPr id="34" name="Google Shape;34;p7"/>
-          <p:cNvSpPr txBox="1"/>
+          <p:cNvSpPr txBox="1">
+            <a:spLocks noGrp="1"/>
+          </p:cNvSpPr>
           <p:nvPr>
-            <p:ph idx="11" type="ftr"/>
+            <p:ph type="ftr" idx="11"/>
           </p:nvPr>
         </p:nvSpPr>
         <p:spPr>
@@ -5135,7 +5268,7 @@
           </a:ln>
         </p:spPr>
         <p:txBody>
-          <a:bodyPr anchorCtr="0" anchor="ctr" bIns="45700" lIns="91425" spcFirstLastPara="1" rIns="91425" wrap="square" tIns="45700">
+          <a:bodyPr spcFirstLastPara="1" wrap="square" lIns="91425" tIns="45700" rIns="91425" bIns="45700" anchor="ctr" anchorCtr="0">
             <a:noAutofit/>
           </a:bodyPr>
           <a:lstStyle>
@@ -5239,15 +5372,19 @@
               <a:defRPr/>
             </a:lvl9pPr>
           </a:lstStyle>
-          <a:p/>
+          <a:p>
+            <a:endParaRPr/>
+          </a:p>
         </p:txBody>
       </p:sp>
       <p:sp>
         <p:nvSpPr>
           <p:cNvPr id="35" name="Google Shape;35;p7"/>
-          <p:cNvSpPr txBox="1"/>
+          <p:cNvSpPr txBox="1">
+            <a:spLocks noGrp="1"/>
+          </p:cNvSpPr>
           <p:nvPr>
-            <p:ph idx="12" type="sldNum"/>
+            <p:ph type="sldNum" idx="12"/>
           </p:nvPr>
         </p:nvSpPr>
         <p:spPr>
@@ -5264,67 +5401,67 @@
           </a:ln>
         </p:spPr>
         <p:txBody>
-          <a:bodyPr anchorCtr="0" anchor="ctr" bIns="45700" lIns="91425" spcFirstLastPara="1" rIns="91425" wrap="square" tIns="45700">
+          <a:bodyPr spcFirstLastPara="1" wrap="square" lIns="91425" tIns="45700" rIns="91425" bIns="45700" anchor="ctr" anchorCtr="0">
             <a:noAutofit/>
           </a:bodyPr>
           <a:lstStyle>
-            <a:lvl1pPr indent="0" lvl="0" marL="0" algn="r">
+            <a:lvl1pPr marL="0" lvl="0" indent="0" algn="r">
               <a:spcBef>
                 <a:spcPts val="0"/>
               </a:spcBef>
               <a:buNone/>
               <a:defRPr/>
             </a:lvl1pPr>
-            <a:lvl2pPr indent="0" lvl="1" marL="0" algn="r">
+            <a:lvl2pPr marL="0" lvl="1" indent="0" algn="r">
               <a:spcBef>
                 <a:spcPts val="0"/>
               </a:spcBef>
               <a:buNone/>
               <a:defRPr/>
             </a:lvl2pPr>
-            <a:lvl3pPr indent="0" lvl="2" marL="0" algn="r">
+            <a:lvl3pPr marL="0" lvl="2" indent="0" algn="r">
               <a:spcBef>
                 <a:spcPts val="0"/>
               </a:spcBef>
               <a:buNone/>
               <a:defRPr/>
             </a:lvl3pPr>
-            <a:lvl4pPr indent="0" lvl="3" marL="0" algn="r">
+            <a:lvl4pPr marL="0" lvl="3" indent="0" algn="r">
               <a:spcBef>
                 <a:spcPts val="0"/>
               </a:spcBef>
               <a:buNone/>
               <a:defRPr/>
             </a:lvl4pPr>
-            <a:lvl5pPr indent="0" lvl="4" marL="0" algn="r">
+            <a:lvl5pPr marL="0" lvl="4" indent="0" algn="r">
               <a:spcBef>
                 <a:spcPts val="0"/>
               </a:spcBef>
               <a:buNone/>
               <a:defRPr/>
             </a:lvl5pPr>
-            <a:lvl6pPr indent="0" lvl="5" marL="0" algn="r">
+            <a:lvl6pPr marL="0" lvl="5" indent="0" algn="r">
               <a:spcBef>
                 <a:spcPts val="0"/>
               </a:spcBef>
               <a:buNone/>
               <a:defRPr/>
             </a:lvl6pPr>
-            <a:lvl7pPr indent="0" lvl="6" marL="0" algn="r">
+            <a:lvl7pPr marL="0" lvl="6" indent="0" algn="r">
               <a:spcBef>
                 <a:spcPts val="0"/>
               </a:spcBef>
               <a:buNone/>
               <a:defRPr/>
             </a:lvl7pPr>
-            <a:lvl8pPr indent="0" lvl="7" marL="0" algn="r">
+            <a:lvl8pPr marL="0" lvl="7" indent="0" algn="r">
               <a:spcBef>
                 <a:spcPts val="0"/>
               </a:spcBef>
               <a:buNone/>
               <a:defRPr/>
             </a:lvl8pPr>
-            <a:lvl9pPr indent="0" lvl="8" marL="0" algn="r">
+            <a:lvl9pPr marL="0" lvl="8" indent="0" algn="r">
               <a:spcBef>
                 <a:spcPts val="0"/>
               </a:spcBef>
@@ -5333,7 +5470,7 @@
             </a:lvl9pPr>
           </a:lstStyle>
           <a:p>
-            <a:pPr indent="0" lvl="0" marL="0" rtl="0" algn="r">
+            <a:pPr marL="0" lvl="0" indent="0" algn="r" rtl="0">
               <a:spcBef>
                 <a:spcPts val="0"/>
               </a:spcBef>
@@ -5359,11 +5496,11 @@
 </file>
 
 <file path=ppt/slideLayouts/slideLayout5.xml><?xml version="1.0" encoding="utf-8"?>
-<p:sldLayout xmlns:a="http://schemas.openxmlformats.org/drawingml/2006/main" xmlns:r="http://schemas.openxmlformats.org/officeDocument/2006/relationships" xmlns:mc="http://schemas.openxmlformats.org/markup-compatibility/2006" xmlns:mv="urn:schemas-microsoft-com:mac:vml" xmlns:p="http://schemas.openxmlformats.org/presentationml/2006/main" xmlns:c="http://schemas.openxmlformats.org/drawingml/2006/chart" xmlns:dgm="http://schemas.openxmlformats.org/drawingml/2006/diagram" xmlns:o="urn:schemas-microsoft-com:office:office" xmlns:v="urn:schemas-microsoft-com:vml" xmlns:pvml="urn:schemas-microsoft-com:office:powerpoint" xmlns:com="http://schemas.openxmlformats.org/drawingml/2006/compatibility" xmlns:p14="http://schemas.microsoft.com/office/powerpoint/2010/main" xmlns:p15="http://schemas.microsoft.com/office/powerpoint/2012/main" xmlns:ahyp="http://schemas.microsoft.com/office/drawing/2018/hyperlinkcolor" matchingName="Comparison" type="twoTxTwoObj">
+<p:sldLayout xmlns:a="http://schemas.openxmlformats.org/drawingml/2006/main" xmlns:r="http://schemas.openxmlformats.org/officeDocument/2006/relationships" xmlns:p="http://schemas.openxmlformats.org/presentationml/2006/main" matchingName="Comparison" type="twoTxTwoObj">
   <p:cSld name="TWO_OBJECTS_WITH_TEXT">
     <p:spTree>
       <p:nvGrpSpPr>
-        <p:cNvPr id="36" name="Shape 36"/>
+        <p:cNvPr id="1" name="Shape 36"/>
         <p:cNvGrpSpPr/>
         <p:nvPr/>
       </p:nvGrpSpPr>
@@ -5378,7 +5515,9 @@
       <p:sp>
         <p:nvSpPr>
           <p:cNvPr id="37" name="Google Shape;37;p8"/>
-          <p:cNvSpPr txBox="1"/>
+          <p:cNvSpPr txBox="1">
+            <a:spLocks noGrp="1"/>
+          </p:cNvSpPr>
           <p:nvPr>
             <p:ph type="title"/>
           </p:nvPr>
@@ -5397,7 +5536,7 @@
           </a:ln>
         </p:spPr>
         <p:txBody>
-          <a:bodyPr anchorCtr="0" anchor="ctr" bIns="45700" lIns="91425" spcFirstLastPara="1" rIns="91425" wrap="square" tIns="45700">
+          <a:bodyPr spcFirstLastPara="1" wrap="square" lIns="91425" tIns="45700" rIns="91425" bIns="45700" anchor="ctr" anchorCtr="0">
             <a:normAutofit/>
           </a:bodyPr>
           <a:lstStyle>
@@ -5507,15 +5646,19 @@
               <a:defRPr/>
             </a:lvl9pPr>
           </a:lstStyle>
-          <a:p/>
+          <a:p>
+            <a:endParaRPr/>
+          </a:p>
         </p:txBody>
       </p:sp>
       <p:sp>
         <p:nvSpPr>
           <p:cNvPr id="38" name="Google Shape;38;p8"/>
-          <p:cNvSpPr txBox="1"/>
+          <p:cNvSpPr txBox="1">
+            <a:spLocks noGrp="1"/>
+          </p:cNvSpPr>
           <p:nvPr>
-            <p:ph idx="1" type="body"/>
+            <p:ph type="body" idx="1"/>
           </p:nvPr>
         </p:nvSpPr>
         <p:spPr>
@@ -5532,11 +5675,11 @@
           </a:ln>
         </p:spPr>
         <p:txBody>
-          <a:bodyPr anchorCtr="0" anchor="b" bIns="45700" lIns="91425" spcFirstLastPara="1" rIns="91425" wrap="square" tIns="45700">
+          <a:bodyPr spcFirstLastPara="1" wrap="square" lIns="91425" tIns="45700" rIns="91425" bIns="45700" anchor="b" anchorCtr="0">
             <a:normAutofit/>
           </a:bodyPr>
           <a:lstStyle>
-            <a:lvl1pPr indent="-228600" lvl="0" marL="457200" algn="l">
+            <a:lvl1pPr marL="457200" lvl="0" indent="-228600" algn="l">
               <a:lnSpc>
                 <a:spcPct val="90000"/>
               </a:lnSpc>
@@ -5551,9 +5694,9 @@
               </a:buClr>
               <a:buSzPts val="2400"/>
               <a:buNone/>
-              <a:defRPr b="1" sz="2400"/>
+              <a:defRPr sz="2400" b="1"/>
             </a:lvl1pPr>
-            <a:lvl2pPr indent="-228600" lvl="1" marL="914400" algn="l">
+            <a:lvl2pPr marL="914400" lvl="1" indent="-228600" algn="l">
               <a:lnSpc>
                 <a:spcPct val="90000"/>
               </a:lnSpc>
@@ -5568,9 +5711,9 @@
               </a:buClr>
               <a:buSzPts val="2000"/>
               <a:buNone/>
-              <a:defRPr b="1" sz="2000"/>
+              <a:defRPr sz="2000" b="1"/>
             </a:lvl2pPr>
-            <a:lvl3pPr indent="-228600" lvl="2" marL="1371600" algn="l">
+            <a:lvl3pPr marL="1371600" lvl="2" indent="-228600" algn="l">
               <a:lnSpc>
                 <a:spcPct val="90000"/>
               </a:lnSpc>
@@ -5585,9 +5728,9 @@
               </a:buClr>
               <a:buSzPts val="1800"/>
               <a:buNone/>
-              <a:defRPr b="1" sz="1800"/>
+              <a:defRPr sz="1800" b="1"/>
             </a:lvl3pPr>
-            <a:lvl4pPr indent="-228600" lvl="3" marL="1828800" algn="l">
+            <a:lvl4pPr marL="1828800" lvl="3" indent="-228600" algn="l">
               <a:lnSpc>
                 <a:spcPct val="90000"/>
               </a:lnSpc>
@@ -5602,9 +5745,9 @@
               </a:buClr>
               <a:buSzPts val="1600"/>
               <a:buNone/>
-              <a:defRPr b="1" sz="1600"/>
+              <a:defRPr sz="1600" b="1"/>
             </a:lvl4pPr>
-            <a:lvl5pPr indent="-228600" lvl="4" marL="2286000" algn="l">
+            <a:lvl5pPr marL="2286000" lvl="4" indent="-228600" algn="l">
               <a:lnSpc>
                 <a:spcPct val="90000"/>
               </a:lnSpc>
@@ -5619,9 +5762,9 @@
               </a:buClr>
               <a:buSzPts val="1600"/>
               <a:buNone/>
-              <a:defRPr b="1" sz="1600"/>
+              <a:defRPr sz="1600" b="1"/>
             </a:lvl5pPr>
-            <a:lvl6pPr indent="-228600" lvl="5" marL="2743200" algn="l">
+            <a:lvl6pPr marL="2743200" lvl="5" indent="-228600" algn="l">
               <a:lnSpc>
                 <a:spcPct val="90000"/>
               </a:lnSpc>
@@ -5636,9 +5779,9 @@
               </a:buClr>
               <a:buSzPts val="1600"/>
               <a:buNone/>
-              <a:defRPr b="1" sz="1600"/>
+              <a:defRPr sz="1600" b="1"/>
             </a:lvl6pPr>
-            <a:lvl7pPr indent="-228600" lvl="6" marL="3200400" algn="l">
+            <a:lvl7pPr marL="3200400" lvl="6" indent="-228600" algn="l">
               <a:lnSpc>
                 <a:spcPct val="90000"/>
               </a:lnSpc>
@@ -5653,9 +5796,9 @@
               </a:buClr>
               <a:buSzPts val="1600"/>
               <a:buNone/>
-              <a:defRPr b="1" sz="1600"/>
+              <a:defRPr sz="1600" b="1"/>
             </a:lvl7pPr>
-            <a:lvl8pPr indent="-228600" lvl="7" marL="3657600" algn="l">
+            <a:lvl8pPr marL="3657600" lvl="7" indent="-228600" algn="l">
               <a:lnSpc>
                 <a:spcPct val="90000"/>
               </a:lnSpc>
@@ -5670,9 +5813,9 @@
               </a:buClr>
               <a:buSzPts val="1600"/>
               <a:buNone/>
-              <a:defRPr b="1" sz="1600"/>
+              <a:defRPr sz="1600" b="1"/>
             </a:lvl8pPr>
-            <a:lvl9pPr indent="-228600" lvl="8" marL="4114800" algn="l">
+            <a:lvl9pPr marL="4114800" lvl="8" indent="-228600" algn="l">
               <a:lnSpc>
                 <a:spcPct val="90000"/>
               </a:lnSpc>
@@ -5687,18 +5830,22 @@
               </a:buClr>
               <a:buSzPts val="1600"/>
               <a:buNone/>
-              <a:defRPr b="1" sz="1600"/>
+              <a:defRPr sz="1600" b="1"/>
             </a:lvl9pPr>
           </a:lstStyle>
-          <a:p/>
+          <a:p>
+            <a:endParaRPr/>
+          </a:p>
         </p:txBody>
       </p:sp>
       <p:sp>
         <p:nvSpPr>
           <p:cNvPr id="39" name="Google Shape;39;p8"/>
-          <p:cNvSpPr txBox="1"/>
+          <p:cNvSpPr txBox="1">
+            <a:spLocks noGrp="1"/>
+          </p:cNvSpPr>
           <p:nvPr>
-            <p:ph idx="2" type="body"/>
+            <p:ph type="body" idx="2"/>
           </p:nvPr>
         </p:nvSpPr>
         <p:spPr>
@@ -5715,11 +5862,11 @@
           </a:ln>
         </p:spPr>
         <p:txBody>
-          <a:bodyPr anchorCtr="0" anchor="t" bIns="45700" lIns="91425" spcFirstLastPara="1" rIns="91425" wrap="square" tIns="45700">
+          <a:bodyPr spcFirstLastPara="1" wrap="square" lIns="91425" tIns="45700" rIns="91425" bIns="45700" anchor="t" anchorCtr="0">
             <a:normAutofit/>
           </a:bodyPr>
           <a:lstStyle>
-            <a:lvl1pPr indent="-342900" lvl="0" marL="457200" algn="l">
+            <a:lvl1pPr marL="457200" lvl="0" indent="-342900" algn="l">
               <a:lnSpc>
                 <a:spcPct val="90000"/>
               </a:lnSpc>
@@ -5736,7 +5883,7 @@
               <a:buChar char="•"/>
               <a:defRPr/>
             </a:lvl1pPr>
-            <a:lvl2pPr indent="-342900" lvl="1" marL="914400" algn="l">
+            <a:lvl2pPr marL="914400" lvl="1" indent="-342900" algn="l">
               <a:lnSpc>
                 <a:spcPct val="90000"/>
               </a:lnSpc>
@@ -5753,7 +5900,7 @@
               <a:buChar char="•"/>
               <a:defRPr/>
             </a:lvl2pPr>
-            <a:lvl3pPr indent="-342900" lvl="2" marL="1371600" algn="l">
+            <a:lvl3pPr marL="1371600" lvl="2" indent="-342900" algn="l">
               <a:lnSpc>
                 <a:spcPct val="90000"/>
               </a:lnSpc>
@@ -5770,7 +5917,7 @@
               <a:buChar char="•"/>
               <a:defRPr/>
             </a:lvl3pPr>
-            <a:lvl4pPr indent="-342900" lvl="3" marL="1828800" algn="l">
+            <a:lvl4pPr marL="1828800" lvl="3" indent="-342900" algn="l">
               <a:lnSpc>
                 <a:spcPct val="90000"/>
               </a:lnSpc>
@@ -5787,7 +5934,7 @@
               <a:buChar char="•"/>
               <a:defRPr/>
             </a:lvl4pPr>
-            <a:lvl5pPr indent="-342900" lvl="4" marL="2286000" algn="l">
+            <a:lvl5pPr marL="2286000" lvl="4" indent="-342900" algn="l">
               <a:lnSpc>
                 <a:spcPct val="90000"/>
               </a:lnSpc>
@@ -5804,7 +5951,7 @@
               <a:buChar char="•"/>
               <a:defRPr/>
             </a:lvl5pPr>
-            <a:lvl6pPr indent="-342900" lvl="5" marL="2743200" algn="l">
+            <a:lvl6pPr marL="2743200" lvl="5" indent="-342900" algn="l">
               <a:lnSpc>
                 <a:spcPct val="90000"/>
               </a:lnSpc>
@@ -5821,7 +5968,7 @@
               <a:buChar char="•"/>
               <a:defRPr/>
             </a:lvl6pPr>
-            <a:lvl7pPr indent="-342900" lvl="6" marL="3200400" algn="l">
+            <a:lvl7pPr marL="3200400" lvl="6" indent="-342900" algn="l">
               <a:lnSpc>
                 <a:spcPct val="90000"/>
               </a:lnSpc>
@@ -5838,7 +5985,7 @@
               <a:buChar char="•"/>
               <a:defRPr/>
             </a:lvl7pPr>
-            <a:lvl8pPr indent="-342900" lvl="7" marL="3657600" algn="l">
+            <a:lvl8pPr marL="3657600" lvl="7" indent="-342900" algn="l">
               <a:lnSpc>
                 <a:spcPct val="90000"/>
               </a:lnSpc>
@@ -5855,7 +6002,7 @@
               <a:buChar char="•"/>
               <a:defRPr/>
             </a:lvl8pPr>
-            <a:lvl9pPr indent="-342900" lvl="8" marL="4114800" algn="l">
+            <a:lvl9pPr marL="4114800" lvl="8" indent="-342900" algn="l">
               <a:lnSpc>
                 <a:spcPct val="90000"/>
               </a:lnSpc>
@@ -5873,15 +6020,19 @@
               <a:defRPr/>
             </a:lvl9pPr>
           </a:lstStyle>
-          <a:p/>
+          <a:p>
+            <a:endParaRPr/>
+          </a:p>
         </p:txBody>
       </p:sp>
       <p:sp>
         <p:nvSpPr>
           <p:cNvPr id="40" name="Google Shape;40;p8"/>
-          <p:cNvSpPr txBox="1"/>
+          <p:cNvSpPr txBox="1">
+            <a:spLocks noGrp="1"/>
+          </p:cNvSpPr>
           <p:nvPr>
-            <p:ph idx="3" type="body"/>
+            <p:ph type="body" idx="3"/>
           </p:nvPr>
         </p:nvSpPr>
         <p:spPr>
@@ -5898,11 +6049,11 @@
           </a:ln>
         </p:spPr>
         <p:txBody>
-          <a:bodyPr anchorCtr="0" anchor="b" bIns="45700" lIns="91425" spcFirstLastPara="1" rIns="91425" wrap="square" tIns="45700">
+          <a:bodyPr spcFirstLastPara="1" wrap="square" lIns="91425" tIns="45700" rIns="91425" bIns="45700" anchor="b" anchorCtr="0">
             <a:normAutofit/>
           </a:bodyPr>
           <a:lstStyle>
-            <a:lvl1pPr indent="-228600" lvl="0" marL="457200" algn="l">
+            <a:lvl1pPr marL="457200" lvl="0" indent="-228600" algn="l">
               <a:lnSpc>
                 <a:spcPct val="90000"/>
               </a:lnSpc>
@@ -5917,9 +6068,9 @@
               </a:buClr>
               <a:buSzPts val="2400"/>
               <a:buNone/>
-              <a:defRPr b="1" sz="2400"/>
+              <a:defRPr sz="2400" b="1"/>
             </a:lvl1pPr>
-            <a:lvl2pPr indent="-228600" lvl="1" marL="914400" algn="l">
+            <a:lvl2pPr marL="914400" lvl="1" indent="-228600" algn="l">
               <a:lnSpc>
                 <a:spcPct val="90000"/>
               </a:lnSpc>
@@ -5934,9 +6085,9 @@
               </a:buClr>
               <a:buSzPts val="2000"/>
               <a:buNone/>
-              <a:defRPr b="1" sz="2000"/>
+              <a:defRPr sz="2000" b="1"/>
             </a:lvl2pPr>
-            <a:lvl3pPr indent="-228600" lvl="2" marL="1371600" algn="l">
+            <a:lvl3pPr marL="1371600" lvl="2" indent="-228600" algn="l">
               <a:lnSpc>
                 <a:spcPct val="90000"/>
               </a:lnSpc>
@@ -5951,9 +6102,9 @@
               </a:buClr>
               <a:buSzPts val="1800"/>
               <a:buNone/>
-              <a:defRPr b="1" sz="1800"/>
+              <a:defRPr sz="1800" b="1"/>
             </a:lvl3pPr>
-            <a:lvl4pPr indent="-228600" lvl="3" marL="1828800" algn="l">
+            <a:lvl4pPr marL="1828800" lvl="3" indent="-228600" algn="l">
               <a:lnSpc>
                 <a:spcPct val="90000"/>
               </a:lnSpc>
@@ -5968,9 +6119,9 @@
               </a:buClr>
               <a:buSzPts val="1600"/>
               <a:buNone/>
-              <a:defRPr b="1" sz="1600"/>
+              <a:defRPr sz="1600" b="1"/>
             </a:lvl4pPr>
-            <a:lvl5pPr indent="-228600" lvl="4" marL="2286000" algn="l">
+            <a:lvl5pPr marL="2286000" lvl="4" indent="-228600" algn="l">
               <a:lnSpc>
                 <a:spcPct val="90000"/>
               </a:lnSpc>
@@ -5985,9 +6136,9 @@
               </a:buClr>
               <a:buSzPts val="1600"/>
               <a:buNone/>
-              <a:defRPr b="1" sz="1600"/>
+              <a:defRPr sz="1600" b="1"/>
             </a:lvl5pPr>
-            <a:lvl6pPr indent="-228600" lvl="5" marL="2743200" algn="l">
+            <a:lvl6pPr marL="2743200" lvl="5" indent="-228600" algn="l">
               <a:lnSpc>
                 <a:spcPct val="90000"/>
               </a:lnSpc>
@@ -6002,9 +6153,9 @@
               </a:buClr>
               <a:buSzPts val="1600"/>
               <a:buNone/>
-              <a:defRPr b="1" sz="1600"/>
+              <a:defRPr sz="1600" b="1"/>
             </a:lvl6pPr>
-            <a:lvl7pPr indent="-228600" lvl="6" marL="3200400" algn="l">
+            <a:lvl7pPr marL="3200400" lvl="6" indent="-228600" algn="l">
               <a:lnSpc>
                 <a:spcPct val="90000"/>
               </a:lnSpc>
@@ -6019,9 +6170,9 @@
               </a:buClr>
               <a:buSzPts val="1600"/>
               <a:buNone/>
-              <a:defRPr b="1" sz="1600"/>
+              <a:defRPr sz="1600" b="1"/>
             </a:lvl7pPr>
-            <a:lvl8pPr indent="-228600" lvl="7" marL="3657600" algn="l">
+            <a:lvl8pPr marL="3657600" lvl="7" indent="-228600" algn="l">
               <a:lnSpc>
                 <a:spcPct val="90000"/>
               </a:lnSpc>
@@ -6036,9 +6187,9 @@
               </a:buClr>
               <a:buSzPts val="1600"/>
               <a:buNone/>
-              <a:defRPr b="1" sz="1600"/>
+              <a:defRPr sz="1600" b="1"/>
             </a:lvl8pPr>
-            <a:lvl9pPr indent="-228600" lvl="8" marL="4114800" algn="l">
+            <a:lvl9pPr marL="4114800" lvl="8" indent="-228600" algn="l">
               <a:lnSpc>
                 <a:spcPct val="90000"/>
               </a:lnSpc>
@@ -6053,18 +6204,22 @@
               </a:buClr>
               <a:buSzPts val="1600"/>
               <a:buNone/>
-              <a:defRPr b="1" sz="1600"/>
+              <a:defRPr sz="1600" b="1"/>
             </a:lvl9pPr>
           </a:lstStyle>
-          <a:p/>
+          <a:p>
+            <a:endParaRPr/>
+          </a:p>
         </p:txBody>
       </p:sp>
       <p:sp>
         <p:nvSpPr>
           <p:cNvPr id="41" name="Google Shape;41;p8"/>
-          <p:cNvSpPr txBox="1"/>
+          <p:cNvSpPr txBox="1">
+            <a:spLocks noGrp="1"/>
+          </p:cNvSpPr>
           <p:nvPr>
-            <p:ph idx="4" type="body"/>
+            <p:ph type="body" idx="4"/>
           </p:nvPr>
         </p:nvSpPr>
         <p:spPr>
@@ -6081,11 +6236,11 @@
           </a:ln>
         </p:spPr>
         <p:txBody>
-          <a:bodyPr anchorCtr="0" anchor="t" bIns="45700" lIns="91425" spcFirstLastPara="1" rIns="91425" wrap="square" tIns="45700">
+          <a:bodyPr spcFirstLastPara="1" wrap="square" lIns="91425" tIns="45700" rIns="91425" bIns="45700" anchor="t" anchorCtr="0">
             <a:normAutofit/>
           </a:bodyPr>
           <a:lstStyle>
-            <a:lvl1pPr indent="-342900" lvl="0" marL="457200" algn="l">
+            <a:lvl1pPr marL="457200" lvl="0" indent="-342900" algn="l">
               <a:lnSpc>
                 <a:spcPct val="90000"/>
               </a:lnSpc>
@@ -6102,7 +6257,7 @@
               <a:buChar char="•"/>
               <a:defRPr/>
             </a:lvl1pPr>
-            <a:lvl2pPr indent="-342900" lvl="1" marL="914400" algn="l">
+            <a:lvl2pPr marL="914400" lvl="1" indent="-342900" algn="l">
               <a:lnSpc>
                 <a:spcPct val="90000"/>
               </a:lnSpc>
@@ -6119,7 +6274,7 @@
               <a:buChar char="•"/>
               <a:defRPr/>
             </a:lvl2pPr>
-            <a:lvl3pPr indent="-342900" lvl="2" marL="1371600" algn="l">
+            <a:lvl3pPr marL="1371600" lvl="2" indent="-342900" algn="l">
               <a:lnSpc>
                 <a:spcPct val="90000"/>
               </a:lnSpc>
@@ -6136,7 +6291,7 @@
               <a:buChar char="•"/>
               <a:defRPr/>
             </a:lvl3pPr>
-            <a:lvl4pPr indent="-342900" lvl="3" marL="1828800" algn="l">
+            <a:lvl4pPr marL="1828800" lvl="3" indent="-342900" algn="l">
               <a:lnSpc>
                 <a:spcPct val="90000"/>
               </a:lnSpc>
@@ -6153,7 +6308,7 @@
               <a:buChar char="•"/>
               <a:defRPr/>
             </a:lvl4pPr>
-            <a:lvl5pPr indent="-342900" lvl="4" marL="2286000" algn="l">
+            <a:lvl5pPr marL="2286000" lvl="4" indent="-342900" algn="l">
               <a:lnSpc>
                 <a:spcPct val="90000"/>
               </a:lnSpc>
@@ -6170,7 +6325,7 @@
               <a:buChar char="•"/>
               <a:defRPr/>
             </a:lvl5pPr>
-            <a:lvl6pPr indent="-342900" lvl="5" marL="2743200" algn="l">
+            <a:lvl6pPr marL="2743200" lvl="5" indent="-342900" algn="l">
               <a:lnSpc>
                 <a:spcPct val="90000"/>
               </a:lnSpc>
@@ -6187,7 +6342,7 @@
               <a:buChar char="•"/>
               <a:defRPr/>
             </a:lvl6pPr>
-            <a:lvl7pPr indent="-342900" lvl="6" marL="3200400" algn="l">
+            <a:lvl7pPr marL="3200400" lvl="6" indent="-342900" algn="l">
               <a:lnSpc>
                 <a:spcPct val="90000"/>
               </a:lnSpc>
@@ -6204,7 +6359,7 @@
               <a:buChar char="•"/>
               <a:defRPr/>
             </a:lvl7pPr>
-            <a:lvl8pPr indent="-342900" lvl="7" marL="3657600" algn="l">
+            <a:lvl8pPr marL="3657600" lvl="7" indent="-342900" algn="l">
               <a:lnSpc>
                 <a:spcPct val="90000"/>
               </a:lnSpc>
@@ -6221,7 +6376,7 @@
               <a:buChar char="•"/>
               <a:defRPr/>
             </a:lvl8pPr>
-            <a:lvl9pPr indent="-342900" lvl="8" marL="4114800" algn="l">
+            <a:lvl9pPr marL="4114800" lvl="8" indent="-342900" algn="l">
               <a:lnSpc>
                 <a:spcPct val="90000"/>
               </a:lnSpc>
@@ -6239,15 +6394,19 @@
               <a:defRPr/>
             </a:lvl9pPr>
           </a:lstStyle>
-          <a:p/>
+          <a:p>
+            <a:endParaRPr/>
+          </a:p>
         </p:txBody>
       </p:sp>
       <p:sp>
         <p:nvSpPr>
           <p:cNvPr id="42" name="Google Shape;42;p8"/>
-          <p:cNvSpPr txBox="1"/>
+          <p:cNvSpPr txBox="1">
+            <a:spLocks noGrp="1"/>
+          </p:cNvSpPr>
           <p:nvPr>
-            <p:ph idx="10" type="dt"/>
+            <p:ph type="dt" idx="10"/>
           </p:nvPr>
         </p:nvSpPr>
         <p:spPr>
@@ -6264,7 +6423,7 @@
           </a:ln>
         </p:spPr>
         <p:txBody>
-          <a:bodyPr anchorCtr="0" anchor="ctr" bIns="45700" lIns="91425" spcFirstLastPara="1" rIns="91425" wrap="square" tIns="45700">
+          <a:bodyPr spcFirstLastPara="1" wrap="square" lIns="91425" tIns="45700" rIns="91425" bIns="45700" anchor="ctr" anchorCtr="0">
             <a:noAutofit/>
           </a:bodyPr>
           <a:lstStyle>
@@ -6368,15 +6527,19 @@
               <a:defRPr/>
             </a:lvl9pPr>
           </a:lstStyle>
-          <a:p/>
+          <a:p>
+            <a:endParaRPr/>
+          </a:p>
         </p:txBody>
       </p:sp>
       <p:sp>
         <p:nvSpPr>
           <p:cNvPr id="43" name="Google Shape;43;p8"/>
-          <p:cNvSpPr txBox="1"/>
+          <p:cNvSpPr txBox="1">
+            <a:spLocks noGrp="1"/>
+          </p:cNvSpPr>
           <p:nvPr>
-            <p:ph idx="11" type="ftr"/>
+            <p:ph type="ftr" idx="11"/>
           </p:nvPr>
         </p:nvSpPr>
         <p:spPr>
@@ -6393,7 +6556,7 @@
           </a:ln>
         </p:spPr>
         <p:txBody>
-          <a:bodyPr anchorCtr="0" anchor="ctr" bIns="45700" lIns="91425" spcFirstLastPara="1" rIns="91425" wrap="square" tIns="45700">
+          <a:bodyPr spcFirstLastPara="1" wrap="square" lIns="91425" tIns="45700" rIns="91425" bIns="45700" anchor="ctr" anchorCtr="0">
             <a:noAutofit/>
           </a:bodyPr>
           <a:lstStyle>
@@ -6497,15 +6660,19 @@
               <a:defRPr/>
             </a:lvl9pPr>
           </a:lstStyle>
-          <a:p/>
+          <a:p>
+            <a:endParaRPr/>
+          </a:p>
         </p:txBody>
       </p:sp>
       <p:sp>
         <p:nvSpPr>
           <p:cNvPr id="44" name="Google Shape;44;p8"/>
-          <p:cNvSpPr txBox="1"/>
+          <p:cNvSpPr txBox="1">
+            <a:spLocks noGrp="1"/>
+          </p:cNvSpPr>
           <p:nvPr>
-            <p:ph idx="12" type="sldNum"/>
+            <p:ph type="sldNum" idx="12"/>
           </p:nvPr>
         </p:nvSpPr>
         <p:spPr>
@@ -6522,67 +6689,67 @@
           </a:ln>
         </p:spPr>
         <p:txBody>
-          <a:bodyPr anchorCtr="0" anchor="ctr" bIns="45700" lIns="91425" spcFirstLastPara="1" rIns="91425" wrap="square" tIns="45700">
+          <a:bodyPr spcFirstLastPara="1" wrap="square" lIns="91425" tIns="45700" rIns="91425" bIns="45700" anchor="ctr" anchorCtr="0">
             <a:noAutofit/>
           </a:bodyPr>
           <a:lstStyle>
-            <a:lvl1pPr indent="0" lvl="0" marL="0" algn="r">
+            <a:lvl1pPr marL="0" lvl="0" indent="0" algn="r">
               <a:spcBef>
                 <a:spcPts val="0"/>
               </a:spcBef>
               <a:buNone/>
               <a:defRPr/>
             </a:lvl1pPr>
-            <a:lvl2pPr indent="0" lvl="1" marL="0" algn="r">
+            <a:lvl2pPr marL="0" lvl="1" indent="0" algn="r">
               <a:spcBef>
                 <a:spcPts val="0"/>
               </a:spcBef>
               <a:buNone/>
               <a:defRPr/>
             </a:lvl2pPr>
-            <a:lvl3pPr indent="0" lvl="2" marL="0" algn="r">
+            <a:lvl3pPr marL="0" lvl="2" indent="0" algn="r">
               <a:spcBef>
                 <a:spcPts val="0"/>
               </a:spcBef>
               <a:buNone/>
               <a:defRPr/>
             </a:lvl3pPr>
-            <a:lvl4pPr indent="0" lvl="3" marL="0" algn="r">
+            <a:lvl4pPr marL="0" lvl="3" indent="0" algn="r">
               <a:spcBef>
                 <a:spcPts val="0"/>
               </a:spcBef>
               <a:buNone/>
               <a:defRPr/>
             </a:lvl4pPr>
-            <a:lvl5pPr indent="0" lvl="4" marL="0" algn="r">
+            <a:lvl5pPr marL="0" lvl="4" indent="0" algn="r">
               <a:spcBef>
                 <a:spcPts val="0"/>
               </a:spcBef>
               <a:buNone/>
               <a:defRPr/>
             </a:lvl5pPr>
-            <a:lvl6pPr indent="0" lvl="5" marL="0" algn="r">
+            <a:lvl6pPr marL="0" lvl="5" indent="0" algn="r">
               <a:spcBef>
                 <a:spcPts val="0"/>
               </a:spcBef>
               <a:buNone/>
               <a:defRPr/>
             </a:lvl6pPr>
-            <a:lvl7pPr indent="0" lvl="6" marL="0" algn="r">
+            <a:lvl7pPr marL="0" lvl="6" indent="0" algn="r">
               <a:spcBef>
                 <a:spcPts val="0"/>
               </a:spcBef>
               <a:buNone/>
               <a:defRPr/>
             </a:lvl7pPr>
-            <a:lvl8pPr indent="0" lvl="7" marL="0" algn="r">
+            <a:lvl8pPr marL="0" lvl="7" indent="0" algn="r">
               <a:spcBef>
                 <a:spcPts val="0"/>
               </a:spcBef>
               <a:buNone/>
               <a:defRPr/>
             </a:lvl8pPr>
-            <a:lvl9pPr indent="0" lvl="8" marL="0" algn="r">
+            <a:lvl9pPr marL="0" lvl="8" indent="0" algn="r">
               <a:spcBef>
                 <a:spcPts val="0"/>
               </a:spcBef>
@@ -6591,7 +6758,7 @@
             </a:lvl9pPr>
           </a:lstStyle>
           <a:p>
-            <a:pPr indent="0" lvl="0" marL="0" rtl="0" algn="r">
+            <a:pPr marL="0" lvl="0" indent="0" algn="r" rtl="0">
               <a:spcBef>
                 <a:spcPts val="0"/>
               </a:spcBef>
@@ -6617,11 +6784,11 @@
 </file>
 
 <file path=ppt/slideLayouts/slideLayout6.xml><?xml version="1.0" encoding="utf-8"?>
-<p:sldLayout xmlns:a="http://schemas.openxmlformats.org/drawingml/2006/main" xmlns:r="http://schemas.openxmlformats.org/officeDocument/2006/relationships" xmlns:mc="http://schemas.openxmlformats.org/markup-compatibility/2006" xmlns:mv="urn:schemas-microsoft-com:mac:vml" xmlns:p="http://schemas.openxmlformats.org/presentationml/2006/main" xmlns:c="http://schemas.openxmlformats.org/drawingml/2006/chart" xmlns:dgm="http://schemas.openxmlformats.org/drawingml/2006/diagram" xmlns:o="urn:schemas-microsoft-com:office:office" xmlns:v="urn:schemas-microsoft-com:vml" xmlns:pvml="urn:schemas-microsoft-com:office:powerpoint" xmlns:com="http://schemas.openxmlformats.org/drawingml/2006/compatibility" xmlns:p14="http://schemas.microsoft.com/office/powerpoint/2010/main" xmlns:p15="http://schemas.microsoft.com/office/powerpoint/2012/main" xmlns:ahyp="http://schemas.microsoft.com/office/drawing/2018/hyperlinkcolor" matchingName="Title Only" type="titleOnly">
+<p:sldLayout xmlns:a="http://schemas.openxmlformats.org/drawingml/2006/main" xmlns:r="http://schemas.openxmlformats.org/officeDocument/2006/relationships" xmlns:p="http://schemas.openxmlformats.org/presentationml/2006/main" matchingName="Title Only" type="titleOnly">
   <p:cSld name="TITLE_ONLY">
     <p:spTree>
       <p:nvGrpSpPr>
-        <p:cNvPr id="45" name="Shape 45"/>
+        <p:cNvPr id="1" name="Shape 45"/>
         <p:cNvGrpSpPr/>
         <p:nvPr/>
       </p:nvGrpSpPr>
@@ -6636,7 +6803,9 @@
       <p:sp>
         <p:nvSpPr>
           <p:cNvPr id="46" name="Google Shape;46;p9"/>
-          <p:cNvSpPr txBox="1"/>
+          <p:cNvSpPr txBox="1">
+            <a:spLocks noGrp="1"/>
+          </p:cNvSpPr>
           <p:nvPr>
             <p:ph type="title"/>
           </p:nvPr>
@@ -6655,7 +6824,7 @@
           </a:ln>
         </p:spPr>
         <p:txBody>
-          <a:bodyPr anchorCtr="0" anchor="ctr" bIns="45700" lIns="91425" spcFirstLastPara="1" rIns="91425" wrap="square" tIns="45700">
+          <a:bodyPr spcFirstLastPara="1" wrap="square" lIns="91425" tIns="45700" rIns="91425" bIns="45700" anchor="ctr" anchorCtr="0">
             <a:normAutofit/>
           </a:bodyPr>
           <a:lstStyle>
@@ -6765,15 +6934,19 @@
               <a:defRPr/>
             </a:lvl9pPr>
           </a:lstStyle>
-          <a:p/>
+          <a:p>
+            <a:endParaRPr/>
+          </a:p>
         </p:txBody>
       </p:sp>
       <p:sp>
         <p:nvSpPr>
           <p:cNvPr id="47" name="Google Shape;47;p9"/>
-          <p:cNvSpPr txBox="1"/>
+          <p:cNvSpPr txBox="1">
+            <a:spLocks noGrp="1"/>
+          </p:cNvSpPr>
           <p:nvPr>
-            <p:ph idx="10" type="dt"/>
+            <p:ph type="dt" idx="10"/>
           </p:nvPr>
         </p:nvSpPr>
         <p:spPr>
@@ -6790,7 +6963,7 @@
           </a:ln>
         </p:spPr>
         <p:txBody>
-          <a:bodyPr anchorCtr="0" anchor="ctr" bIns="45700" lIns="91425" spcFirstLastPara="1" rIns="91425" wrap="square" tIns="45700">
+          <a:bodyPr spcFirstLastPara="1" wrap="square" lIns="91425" tIns="45700" rIns="91425" bIns="45700" anchor="ctr" anchorCtr="0">
             <a:noAutofit/>
           </a:bodyPr>
           <a:lstStyle>
@@ -6894,15 +7067,19 @@
               <a:defRPr/>
             </a:lvl9pPr>
           </a:lstStyle>
-          <a:p/>
+          <a:p>
+            <a:endParaRPr/>
+          </a:p>
         </p:txBody>
       </p:sp>
       <p:sp>
         <p:nvSpPr>
           <p:cNvPr id="48" name="Google Shape;48;p9"/>
-          <p:cNvSpPr txBox="1"/>
+          <p:cNvSpPr txBox="1">
+            <a:spLocks noGrp="1"/>
+          </p:cNvSpPr>
           <p:nvPr>
-            <p:ph idx="11" type="ftr"/>
+            <p:ph type="ftr" idx="11"/>
           </p:nvPr>
         </p:nvSpPr>
         <p:spPr>
@@ -6919,7 +7096,7 @@
           </a:ln>
         </p:spPr>
         <p:txBody>
-          <a:bodyPr anchorCtr="0" anchor="ctr" bIns="45700" lIns="91425" spcFirstLastPara="1" rIns="91425" wrap="square" tIns="45700">
+          <a:bodyPr spcFirstLastPara="1" wrap="square" lIns="91425" tIns="45700" rIns="91425" bIns="45700" anchor="ctr" anchorCtr="0">
             <a:noAutofit/>
           </a:bodyPr>
           <a:lstStyle>
@@ -7023,15 +7200,19 @@
               <a:defRPr/>
             </a:lvl9pPr>
           </a:lstStyle>
-          <a:p/>
+          <a:p>
+            <a:endParaRPr/>
+          </a:p>
         </p:txBody>
       </p:sp>
       <p:sp>
         <p:nvSpPr>
           <p:cNvPr id="49" name="Google Shape;49;p9"/>
-          <p:cNvSpPr txBox="1"/>
+          <p:cNvSpPr txBox="1">
+            <a:spLocks noGrp="1"/>
+          </p:cNvSpPr>
           <p:nvPr>
-            <p:ph idx="12" type="sldNum"/>
+            <p:ph type="sldNum" idx="12"/>
           </p:nvPr>
         </p:nvSpPr>
         <p:spPr>
@@ -7048,67 +7229,67 @@
           </a:ln>
         </p:spPr>
         <p:txBody>
-          <a:bodyPr anchorCtr="0" anchor="ctr" bIns="45700" lIns="91425" spcFirstLastPara="1" rIns="91425" wrap="square" tIns="45700">
+          <a:bodyPr spcFirstLastPara="1" wrap="square" lIns="91425" tIns="45700" rIns="91425" bIns="45700" anchor="ctr" anchorCtr="0">
             <a:noAutofit/>
           </a:bodyPr>
           <a:lstStyle>
-            <a:lvl1pPr indent="0" lvl="0" marL="0" algn="r">
+            <a:lvl1pPr marL="0" lvl="0" indent="0" algn="r">
               <a:spcBef>
                 <a:spcPts val="0"/>
               </a:spcBef>
               <a:buNone/>
               <a:defRPr/>
             </a:lvl1pPr>
-            <a:lvl2pPr indent="0" lvl="1" marL="0" algn="r">
+            <a:lvl2pPr marL="0" lvl="1" indent="0" algn="r">
               <a:spcBef>
                 <a:spcPts val="0"/>
               </a:spcBef>
               <a:buNone/>
               <a:defRPr/>
             </a:lvl2pPr>
-            <a:lvl3pPr indent="0" lvl="2" marL="0" algn="r">
+            <a:lvl3pPr marL="0" lvl="2" indent="0" algn="r">
               <a:spcBef>
                 <a:spcPts val="0"/>
               </a:spcBef>
               <a:buNone/>
               <a:defRPr/>
             </a:lvl3pPr>
-            <a:lvl4pPr indent="0" lvl="3" marL="0" algn="r">
+            <a:lvl4pPr marL="0" lvl="3" indent="0" algn="r">
               <a:spcBef>
                 <a:spcPts val="0"/>
               </a:spcBef>
               <a:buNone/>
               <a:defRPr/>
             </a:lvl4pPr>
-            <a:lvl5pPr indent="0" lvl="4" marL="0" algn="r">
+            <a:lvl5pPr marL="0" lvl="4" indent="0" algn="r">
               <a:spcBef>
                 <a:spcPts val="0"/>
               </a:spcBef>
               <a:buNone/>
               <a:defRPr/>
             </a:lvl5pPr>
-            <a:lvl6pPr indent="0" lvl="5" marL="0" algn="r">
+            <a:lvl6pPr marL="0" lvl="5" indent="0" algn="r">
               <a:spcBef>
                 <a:spcPts val="0"/>
               </a:spcBef>
               <a:buNone/>
               <a:defRPr/>
             </a:lvl6pPr>
-            <a:lvl7pPr indent="0" lvl="6" marL="0" algn="r">
+            <a:lvl7pPr marL="0" lvl="6" indent="0" algn="r">
               <a:spcBef>
                 <a:spcPts val="0"/>
               </a:spcBef>
               <a:buNone/>
               <a:defRPr/>
             </a:lvl7pPr>
-            <a:lvl8pPr indent="0" lvl="7" marL="0" algn="r">
+            <a:lvl8pPr marL="0" lvl="7" indent="0" algn="r">
               <a:spcBef>
                 <a:spcPts val="0"/>
               </a:spcBef>
               <a:buNone/>
               <a:defRPr/>
             </a:lvl8pPr>
-            <a:lvl9pPr indent="0" lvl="8" marL="0" algn="r">
+            <a:lvl9pPr marL="0" lvl="8" indent="0" algn="r">
               <a:spcBef>
                 <a:spcPts val="0"/>
               </a:spcBef>
@@ -7117,7 +7298,7 @@
             </a:lvl9pPr>
           </a:lstStyle>
           <a:p>
-            <a:pPr indent="0" lvl="0" marL="0" rtl="0" algn="r">
+            <a:pPr marL="0" lvl="0" indent="0" algn="r" rtl="0">
               <a:spcBef>
                 <a:spcPts val="0"/>
               </a:spcBef>
@@ -7143,11 +7324,11 @@
 </file>
 
 <file path=ppt/slideLayouts/slideLayout7.xml><?xml version="1.0" encoding="utf-8"?>
-<p:sldLayout xmlns:a="http://schemas.openxmlformats.org/drawingml/2006/main" xmlns:r="http://schemas.openxmlformats.org/officeDocument/2006/relationships" xmlns:mc="http://schemas.openxmlformats.org/markup-compatibility/2006" xmlns:mv="urn:schemas-microsoft-com:mac:vml" xmlns:p="http://schemas.openxmlformats.org/presentationml/2006/main" xmlns:c="http://schemas.openxmlformats.org/drawingml/2006/chart" xmlns:dgm="http://schemas.openxmlformats.org/drawingml/2006/diagram" xmlns:o="urn:schemas-microsoft-com:office:office" xmlns:v="urn:schemas-microsoft-com:vml" xmlns:pvml="urn:schemas-microsoft-com:office:powerpoint" xmlns:com="http://schemas.openxmlformats.org/drawingml/2006/compatibility" xmlns:p14="http://schemas.microsoft.com/office/powerpoint/2010/main" xmlns:p15="http://schemas.microsoft.com/office/powerpoint/2012/main" xmlns:ahyp="http://schemas.microsoft.com/office/drawing/2018/hyperlinkcolor" matchingName="Blank" type="blank">
+<p:sldLayout xmlns:a="http://schemas.openxmlformats.org/drawingml/2006/main" xmlns:r="http://schemas.openxmlformats.org/officeDocument/2006/relationships" xmlns:p="http://schemas.openxmlformats.org/presentationml/2006/main" matchingName="Blank" type="blank">
   <p:cSld name="BLANK">
     <p:spTree>
       <p:nvGrpSpPr>
-        <p:cNvPr id="50" name="Shape 50"/>
+        <p:cNvPr id="1" name="Shape 50"/>
         <p:cNvGrpSpPr/>
         <p:nvPr/>
       </p:nvGrpSpPr>
@@ -7162,9 +7343,11 @@
       <p:sp>
         <p:nvSpPr>
           <p:cNvPr id="51" name="Google Shape;51;p10"/>
-          <p:cNvSpPr txBox="1"/>
+          <p:cNvSpPr txBox="1">
+            <a:spLocks noGrp="1"/>
+          </p:cNvSpPr>
           <p:nvPr>
-            <p:ph idx="10" type="dt"/>
+            <p:ph type="dt" idx="10"/>
           </p:nvPr>
         </p:nvSpPr>
         <p:spPr>
@@ -7181,7 +7364,7 @@
           </a:ln>
         </p:spPr>
         <p:txBody>
-          <a:bodyPr anchorCtr="0" anchor="ctr" bIns="45700" lIns="91425" spcFirstLastPara="1" rIns="91425" wrap="square" tIns="45700">
+          <a:bodyPr spcFirstLastPara="1" wrap="square" lIns="91425" tIns="45700" rIns="91425" bIns="45700" anchor="ctr" anchorCtr="0">
             <a:noAutofit/>
           </a:bodyPr>
           <a:lstStyle>
@@ -7285,15 +7468,19 @@
               <a:defRPr/>
             </a:lvl9pPr>
           </a:lstStyle>
-          <a:p/>
+          <a:p>
+            <a:endParaRPr/>
+          </a:p>
         </p:txBody>
       </p:sp>
       <p:sp>
         <p:nvSpPr>
           <p:cNvPr id="52" name="Google Shape;52;p10"/>
-          <p:cNvSpPr txBox="1"/>
+          <p:cNvSpPr txBox="1">
+            <a:spLocks noGrp="1"/>
+          </p:cNvSpPr>
           <p:nvPr>
-            <p:ph idx="11" type="ftr"/>
+            <p:ph type="ftr" idx="11"/>
           </p:nvPr>
         </p:nvSpPr>
         <p:spPr>
@@ -7310,7 +7497,7 @@
           </a:ln>
         </p:spPr>
         <p:txBody>
-          <a:bodyPr anchorCtr="0" anchor="ctr" bIns="45700" lIns="91425" spcFirstLastPara="1" rIns="91425" wrap="square" tIns="45700">
+          <a:bodyPr spcFirstLastPara="1" wrap="square" lIns="91425" tIns="45700" rIns="91425" bIns="45700" anchor="ctr" anchorCtr="0">
             <a:noAutofit/>
           </a:bodyPr>
           <a:lstStyle>
@@ -7414,15 +7601,19 @@
               <a:defRPr/>
             </a:lvl9pPr>
           </a:lstStyle>
-          <a:p/>
+          <a:p>
+            <a:endParaRPr/>
+          </a:p>
         </p:txBody>
       </p:sp>
       <p:sp>
         <p:nvSpPr>
           <p:cNvPr id="53" name="Google Shape;53;p10"/>
-          <p:cNvSpPr txBox="1"/>
+          <p:cNvSpPr txBox="1">
+            <a:spLocks noGrp="1"/>
+          </p:cNvSpPr>
           <p:nvPr>
-            <p:ph idx="12" type="sldNum"/>
+            <p:ph type="sldNum" idx="12"/>
           </p:nvPr>
         </p:nvSpPr>
         <p:spPr>
@@ -7439,67 +7630,67 @@
           </a:ln>
         </p:spPr>
         <p:txBody>
-          <a:bodyPr anchorCtr="0" anchor="ctr" bIns="45700" lIns="91425" spcFirstLastPara="1" rIns="91425" wrap="square" tIns="45700">
+          <a:bodyPr spcFirstLastPara="1" wrap="square" lIns="91425" tIns="45700" rIns="91425" bIns="45700" anchor="ctr" anchorCtr="0">
             <a:noAutofit/>
           </a:bodyPr>
           <a:lstStyle>
-            <a:lvl1pPr indent="0" lvl="0" marL="0" algn="r">
+            <a:lvl1pPr marL="0" lvl="0" indent="0" algn="r">
               <a:spcBef>
                 <a:spcPts val="0"/>
               </a:spcBef>
               <a:buNone/>
               <a:defRPr/>
             </a:lvl1pPr>
-            <a:lvl2pPr indent="0" lvl="1" marL="0" algn="r">
+            <a:lvl2pPr marL="0" lvl="1" indent="0" algn="r">
               <a:spcBef>
                 <a:spcPts val="0"/>
               </a:spcBef>
               <a:buNone/>
               <a:defRPr/>
             </a:lvl2pPr>
-            <a:lvl3pPr indent="0" lvl="2" marL="0" algn="r">
+            <a:lvl3pPr marL="0" lvl="2" indent="0" algn="r">
               <a:spcBef>
                 <a:spcPts val="0"/>
               </a:spcBef>
               <a:buNone/>
               <a:defRPr/>
             </a:lvl3pPr>
-            <a:lvl4pPr indent="0" lvl="3" marL="0" algn="r">
+            <a:lvl4pPr marL="0" lvl="3" indent="0" algn="r">
               <a:spcBef>
                 <a:spcPts val="0"/>
               </a:spcBef>
               <a:buNone/>
               <a:defRPr/>
             </a:lvl4pPr>
-            <a:lvl5pPr indent="0" lvl="4" marL="0" algn="r">
+            <a:lvl5pPr marL="0" lvl="4" indent="0" algn="r">
               <a:spcBef>
                 <a:spcPts val="0"/>
               </a:spcBef>
               <a:buNone/>
               <a:defRPr/>
             </a:lvl5pPr>
-            <a:lvl6pPr indent="0" lvl="5" marL="0" algn="r">
+            <a:lvl6pPr marL="0" lvl="5" indent="0" algn="r">
               <a:spcBef>
                 <a:spcPts val="0"/>
               </a:spcBef>
               <a:buNone/>
               <a:defRPr/>
             </a:lvl6pPr>
-            <a:lvl7pPr indent="0" lvl="6" marL="0" algn="r">
+            <a:lvl7pPr marL="0" lvl="6" indent="0" algn="r">
               <a:spcBef>
                 <a:spcPts val="0"/>
               </a:spcBef>
               <a:buNone/>
               <a:defRPr/>
             </a:lvl7pPr>
-            <a:lvl8pPr indent="0" lvl="7" marL="0" algn="r">
+            <a:lvl8pPr marL="0" lvl="7" indent="0" algn="r">
               <a:spcBef>
                 <a:spcPts val="0"/>
               </a:spcBef>
               <a:buNone/>
               <a:defRPr/>
             </a:lvl8pPr>
-            <a:lvl9pPr indent="0" lvl="8" marL="0" algn="r">
+            <a:lvl9pPr marL="0" lvl="8" indent="0" algn="r">
               <a:spcBef>
                 <a:spcPts val="0"/>
               </a:spcBef>
@@ -7508,7 +7699,7 @@
             </a:lvl9pPr>
           </a:lstStyle>
           <a:p>
-            <a:pPr indent="0" lvl="0" marL="0" rtl="0" algn="r">
+            <a:pPr marL="0" lvl="0" indent="0" algn="r" rtl="0">
               <a:spcBef>
                 <a:spcPts val="0"/>
               </a:spcBef>
@@ -7534,11 +7725,11 @@
 </file>
 
 <file path=ppt/slideLayouts/slideLayout8.xml><?xml version="1.0" encoding="utf-8"?>
-<p:sldLayout xmlns:a="http://schemas.openxmlformats.org/drawingml/2006/main" xmlns:r="http://schemas.openxmlformats.org/officeDocument/2006/relationships" xmlns:mc="http://schemas.openxmlformats.org/markup-compatibility/2006" xmlns:mv="urn:schemas-microsoft-com:mac:vml" xmlns:p="http://schemas.openxmlformats.org/presentationml/2006/main" xmlns:c="http://schemas.openxmlformats.org/drawingml/2006/chart" xmlns:dgm="http://schemas.openxmlformats.org/drawingml/2006/diagram" xmlns:o="urn:schemas-microsoft-com:office:office" xmlns:v="urn:schemas-microsoft-com:vml" xmlns:pvml="urn:schemas-microsoft-com:office:powerpoint" xmlns:com="http://schemas.openxmlformats.org/drawingml/2006/compatibility" xmlns:p14="http://schemas.microsoft.com/office/powerpoint/2010/main" xmlns:p15="http://schemas.microsoft.com/office/powerpoint/2012/main" xmlns:ahyp="http://schemas.microsoft.com/office/drawing/2018/hyperlinkcolor" matchingName="Content with Caption" type="objTx">
+<p:sldLayout xmlns:a="http://schemas.openxmlformats.org/drawingml/2006/main" xmlns:r="http://schemas.openxmlformats.org/officeDocument/2006/relationships" xmlns:p="http://schemas.openxmlformats.org/presentationml/2006/main" matchingName="Content with Caption" type="objTx">
   <p:cSld name="OBJECT_WITH_CAPTION_TEXT">
     <p:spTree>
       <p:nvGrpSpPr>
-        <p:cNvPr id="54" name="Shape 54"/>
+        <p:cNvPr id="1" name="Shape 54"/>
         <p:cNvGrpSpPr/>
         <p:nvPr/>
       </p:nvGrpSpPr>
@@ -7553,7 +7744,9 @@
       <p:sp>
         <p:nvSpPr>
           <p:cNvPr id="55" name="Google Shape;55;p11"/>
-          <p:cNvSpPr txBox="1"/>
+          <p:cNvSpPr txBox="1">
+            <a:spLocks noGrp="1"/>
+          </p:cNvSpPr>
           <p:nvPr>
             <p:ph type="title"/>
           </p:nvPr>
@@ -7572,7 +7765,7 @@
           </a:ln>
         </p:spPr>
         <p:txBody>
-          <a:bodyPr anchorCtr="0" anchor="b" bIns="45700" lIns="91425" spcFirstLastPara="1" rIns="91425" wrap="square" tIns="45700">
+          <a:bodyPr spcFirstLastPara="1" wrap="square" lIns="91425" tIns="45700" rIns="91425" bIns="45700" anchor="b" anchorCtr="0">
             <a:normAutofit/>
           </a:bodyPr>
           <a:lstStyle>
@@ -7683,15 +7876,19 @@
               <a:defRPr/>
             </a:lvl9pPr>
           </a:lstStyle>
-          <a:p/>
+          <a:p>
+            <a:endParaRPr/>
+          </a:p>
         </p:txBody>
       </p:sp>
       <p:sp>
         <p:nvSpPr>
           <p:cNvPr id="56" name="Google Shape;56;p11"/>
-          <p:cNvSpPr txBox="1"/>
+          <p:cNvSpPr txBox="1">
+            <a:spLocks noGrp="1"/>
+          </p:cNvSpPr>
           <p:nvPr>
-            <p:ph idx="1" type="body"/>
+            <p:ph type="body" idx="1"/>
           </p:nvPr>
         </p:nvSpPr>
         <p:spPr>
@@ -7708,11 +7905,11 @@
           </a:ln>
         </p:spPr>
         <p:txBody>
-          <a:bodyPr anchorCtr="0" anchor="t" bIns="45700" lIns="91425" spcFirstLastPara="1" rIns="91425" wrap="square" tIns="45700">
+          <a:bodyPr spcFirstLastPara="1" wrap="square" lIns="91425" tIns="45700" rIns="91425" bIns="45700" anchor="t" anchorCtr="0">
             <a:normAutofit/>
           </a:bodyPr>
           <a:lstStyle>
-            <a:lvl1pPr indent="-431800" lvl="0" marL="457200" algn="l">
+            <a:lvl1pPr marL="457200" lvl="0" indent="-431800" algn="l">
               <a:lnSpc>
                 <a:spcPct val="90000"/>
               </a:lnSpc>
@@ -7729,7 +7926,7 @@
               <a:buChar char="•"/>
               <a:defRPr sz="3200"/>
             </a:lvl1pPr>
-            <a:lvl2pPr indent="-406400" lvl="1" marL="914400" algn="l">
+            <a:lvl2pPr marL="914400" lvl="1" indent="-406400" algn="l">
               <a:lnSpc>
                 <a:spcPct val="90000"/>
               </a:lnSpc>
@@ -7746,7 +7943,7 @@
               <a:buChar char="•"/>
               <a:defRPr sz="2800"/>
             </a:lvl2pPr>
-            <a:lvl3pPr indent="-381000" lvl="2" marL="1371600" algn="l">
+            <a:lvl3pPr marL="1371600" lvl="2" indent="-381000" algn="l">
               <a:lnSpc>
                 <a:spcPct val="90000"/>
               </a:lnSpc>
@@ -7763,7 +7960,7 @@
               <a:buChar char="•"/>
               <a:defRPr sz="2400"/>
             </a:lvl3pPr>
-            <a:lvl4pPr indent="-355600" lvl="3" marL="1828800" algn="l">
+            <a:lvl4pPr marL="1828800" lvl="3" indent="-355600" algn="l">
               <a:lnSpc>
                 <a:spcPct val="90000"/>
               </a:lnSpc>
@@ -7780,7 +7977,7 @@
               <a:buChar char="•"/>
               <a:defRPr sz="2000"/>
             </a:lvl4pPr>
-            <a:lvl5pPr indent="-355600" lvl="4" marL="2286000" algn="l">
+            <a:lvl5pPr marL="2286000" lvl="4" indent="-355600" algn="l">
               <a:lnSpc>
                 <a:spcPct val="90000"/>
               </a:lnSpc>
@@ -7797,7 +7994,7 @@
               <a:buChar char="•"/>
               <a:defRPr sz="2000"/>
             </a:lvl5pPr>
-            <a:lvl6pPr indent="-355600" lvl="5" marL="2743200" algn="l">
+            <a:lvl6pPr marL="2743200" lvl="5" indent="-355600" algn="l">
               <a:lnSpc>
                 <a:spcPct val="90000"/>
               </a:lnSpc>
@@ -7814,7 +8011,7 @@
               <a:buChar char="•"/>
               <a:defRPr sz="2000"/>
             </a:lvl6pPr>
-            <a:lvl7pPr indent="-355600" lvl="6" marL="3200400" algn="l">
+            <a:lvl7pPr marL="3200400" lvl="6" indent="-355600" algn="l">
               <a:lnSpc>
                 <a:spcPct val="90000"/>
               </a:lnSpc>
@@ -7831,7 +8028,7 @@
               <a:buChar char="•"/>
               <a:defRPr sz="2000"/>
             </a:lvl7pPr>
-            <a:lvl8pPr indent="-355600" lvl="7" marL="3657600" algn="l">
+            <a:lvl8pPr marL="3657600" lvl="7" indent="-355600" algn="l">
               <a:lnSpc>
                 <a:spcPct val="90000"/>
               </a:lnSpc>
@@ -7848,7 +8045,7 @@
               <a:buChar char="•"/>
               <a:defRPr sz="2000"/>
             </a:lvl8pPr>
-            <a:lvl9pPr indent="-355600" lvl="8" marL="4114800" algn="l">
+            <a:lvl9pPr marL="4114800" lvl="8" indent="-355600" algn="l">
               <a:lnSpc>
                 <a:spcPct val="90000"/>
               </a:lnSpc>
@@ -7866,15 +8063,19 @@
               <a:defRPr sz="2000"/>
             </a:lvl9pPr>
           </a:lstStyle>
-          <a:p/>
+          <a:p>
+            <a:endParaRPr/>
+          </a:p>
         </p:txBody>
       </p:sp>
       <p:sp>
         <p:nvSpPr>
           <p:cNvPr id="57" name="Google Shape;57;p11"/>
-          <p:cNvSpPr txBox="1"/>
+          <p:cNvSpPr txBox="1">
+            <a:spLocks noGrp="1"/>
+          </p:cNvSpPr>
           <p:nvPr>
-            <p:ph idx="2" type="body"/>
+            <p:ph type="body" idx="2"/>
           </p:nvPr>
         </p:nvSpPr>
         <p:spPr>
@@ -7891,11 +8092,11 @@
           </a:ln>
         </p:spPr>
         <p:txBody>
-          <a:bodyPr anchorCtr="0" anchor="t" bIns="45700" lIns="91425" spcFirstLastPara="1" rIns="91425" wrap="square" tIns="45700">
+          <a:bodyPr spcFirstLastPara="1" wrap="square" lIns="91425" tIns="45700" rIns="91425" bIns="45700" anchor="t" anchorCtr="0">
             <a:normAutofit/>
           </a:bodyPr>
           <a:lstStyle>
-            <a:lvl1pPr indent="-228600" lvl="0" marL="457200" algn="l">
+            <a:lvl1pPr marL="457200" lvl="0" indent="-228600" algn="l">
               <a:lnSpc>
                 <a:spcPct val="90000"/>
               </a:lnSpc>
@@ -7912,7 +8113,7 @@
               <a:buNone/>
               <a:defRPr sz="1600"/>
             </a:lvl1pPr>
-            <a:lvl2pPr indent="-228600" lvl="1" marL="914400" algn="l">
+            <a:lvl2pPr marL="914400" lvl="1" indent="-228600" algn="l">
               <a:lnSpc>
                 <a:spcPct val="90000"/>
               </a:lnSpc>
@@ -7929,7 +8130,7 @@
               <a:buNone/>
               <a:defRPr sz="1400"/>
             </a:lvl2pPr>
-            <a:lvl3pPr indent="-228600" lvl="2" marL="1371600" algn="l">
+            <a:lvl3pPr marL="1371600" lvl="2" indent="-228600" algn="l">
               <a:lnSpc>
                 <a:spcPct val="90000"/>
               </a:lnSpc>
@@ -7946,7 +8147,7 @@
               <a:buNone/>
               <a:defRPr sz="1200"/>
             </a:lvl3pPr>
-            <a:lvl4pPr indent="-228600" lvl="3" marL="1828800" algn="l">
+            <a:lvl4pPr marL="1828800" lvl="3" indent="-228600" algn="l">
               <a:lnSpc>
                 <a:spcPct val="90000"/>
               </a:lnSpc>
@@ -7963,7 +8164,7 @@
               <a:buNone/>
               <a:defRPr sz="1000"/>
             </a:lvl4pPr>
-            <a:lvl5pPr indent="-228600" lvl="4" marL="2286000" algn="l">
+            <a:lvl5pPr marL="2286000" lvl="4" indent="-228600" algn="l">
               <a:lnSpc>
                 <a:spcPct val="90000"/>
               </a:lnSpc>
@@ -7980,7 +8181,7 @@
               <a:buNone/>
               <a:defRPr sz="1000"/>
             </a:lvl5pPr>
-            <a:lvl6pPr indent="-228600" lvl="5" marL="2743200" algn="l">
+            <a:lvl6pPr marL="2743200" lvl="5" indent="-228600" algn="l">
               <a:lnSpc>
                 <a:spcPct val="90000"/>
               </a:lnSpc>
@@ -7997,7 +8198,7 @@
               <a:buNone/>
               <a:defRPr sz="1000"/>
             </a:lvl6pPr>
-            <a:lvl7pPr indent="-228600" lvl="6" marL="3200400" algn="l">
+            <a:lvl7pPr marL="3200400" lvl="6" indent="-228600" algn="l">
               <a:lnSpc>
                 <a:spcPct val="90000"/>
               </a:lnSpc>
@@ -8014,7 +8215,7 @@
               <a:buNone/>
               <a:defRPr sz="1000"/>
             </a:lvl7pPr>
-            <a:lvl8pPr indent="-228600" lvl="7" marL="3657600" algn="l">
+            <a:lvl8pPr marL="3657600" lvl="7" indent="-228600" algn="l">
               <a:lnSpc>
                 <a:spcPct val="90000"/>
               </a:lnSpc>
@@ -8031,7 +8232,7 @@
               <a:buNone/>
               <a:defRPr sz="1000"/>
             </a:lvl8pPr>
-            <a:lvl9pPr indent="-228600" lvl="8" marL="4114800" algn="l">
+            <a:lvl9pPr marL="4114800" lvl="8" indent="-228600" algn="l">
               <a:lnSpc>
                 <a:spcPct val="90000"/>
               </a:lnSpc>
@@ -8049,15 +8250,19 @@
               <a:defRPr sz="1000"/>
             </a:lvl9pPr>
           </a:lstStyle>
-          <a:p/>
+          <a:p>
+            <a:endParaRPr/>
+          </a:p>
         </p:txBody>
       </p:sp>
       <p:sp>
         <p:nvSpPr>
           <p:cNvPr id="58" name="Google Shape;58;p11"/>
-          <p:cNvSpPr txBox="1"/>
+          <p:cNvSpPr txBox="1">
+            <a:spLocks noGrp="1"/>
+          </p:cNvSpPr>
           <p:nvPr>
-            <p:ph idx="10" type="dt"/>
+            <p:ph type="dt" idx="10"/>
           </p:nvPr>
         </p:nvSpPr>
         <p:spPr>
@@ -8074,7 +8279,7 @@
           </a:ln>
         </p:spPr>
         <p:txBody>
-          <a:bodyPr anchorCtr="0" anchor="ctr" bIns="45700" lIns="91425" spcFirstLastPara="1" rIns="91425" wrap="square" tIns="45700">
+          <a:bodyPr spcFirstLastPara="1" wrap="square" lIns="91425" tIns="45700" rIns="91425" bIns="45700" anchor="ctr" anchorCtr="0">
             <a:noAutofit/>
           </a:bodyPr>
           <a:lstStyle>
@@ -8178,15 +8383,19 @@
               <a:defRPr/>
             </a:lvl9pPr>
           </a:lstStyle>
-          <a:p/>
+          <a:p>
+            <a:endParaRPr/>
+          </a:p>
         </p:txBody>
       </p:sp>
       <p:sp>
         <p:nvSpPr>
           <p:cNvPr id="59" name="Google Shape;59;p11"/>
-          <p:cNvSpPr txBox="1"/>
+          <p:cNvSpPr txBox="1">
+            <a:spLocks noGrp="1"/>
+          </p:cNvSpPr>
           <p:nvPr>
-            <p:ph idx="11" type="ftr"/>
+            <p:ph type="ftr" idx="11"/>
           </p:nvPr>
         </p:nvSpPr>
         <p:spPr>
@@ -8203,7 +8412,7 @@
           </a:ln>
         </p:spPr>
         <p:txBody>
-          <a:bodyPr anchorCtr="0" anchor="ctr" bIns="45700" lIns="91425" spcFirstLastPara="1" rIns="91425" wrap="square" tIns="45700">
+          <a:bodyPr spcFirstLastPara="1" wrap="square" lIns="91425" tIns="45700" rIns="91425" bIns="45700" anchor="ctr" anchorCtr="0">
             <a:noAutofit/>
           </a:bodyPr>
           <a:lstStyle>
@@ -8307,15 +8516,19 @@
               <a:defRPr/>
             </a:lvl9pPr>
           </a:lstStyle>
-          <a:p/>
+          <a:p>
+            <a:endParaRPr/>
+          </a:p>
         </p:txBody>
       </p:sp>
       <p:sp>
         <p:nvSpPr>
           <p:cNvPr id="60" name="Google Shape;60;p11"/>
-          <p:cNvSpPr txBox="1"/>
+          <p:cNvSpPr txBox="1">
+            <a:spLocks noGrp="1"/>
+          </p:cNvSpPr>
           <p:nvPr>
-            <p:ph idx="12" type="sldNum"/>
+            <p:ph type="sldNum" idx="12"/>
           </p:nvPr>
         </p:nvSpPr>
         <p:spPr>
@@ -8332,67 +8545,67 @@
           </a:ln>
         </p:spPr>
         <p:txBody>
-          <a:bodyPr anchorCtr="0" anchor="ctr" bIns="45700" lIns="91425" spcFirstLastPara="1" rIns="91425" wrap="square" tIns="45700">
+          <a:bodyPr spcFirstLastPara="1" wrap="square" lIns="91425" tIns="45700" rIns="91425" bIns="45700" anchor="ctr" anchorCtr="0">
             <a:noAutofit/>
           </a:bodyPr>
           <a:lstStyle>
-            <a:lvl1pPr indent="0" lvl="0" marL="0" algn="r">
+            <a:lvl1pPr marL="0" lvl="0" indent="0" algn="r">
               <a:spcBef>
                 <a:spcPts val="0"/>
               </a:spcBef>
               <a:buNone/>
               <a:defRPr/>
             </a:lvl1pPr>
-            <a:lvl2pPr indent="0" lvl="1" marL="0" algn="r">
+            <a:lvl2pPr marL="0" lvl="1" indent="0" algn="r">
               <a:spcBef>
                 <a:spcPts val="0"/>
               </a:spcBef>
               <a:buNone/>
               <a:defRPr/>
             </a:lvl2pPr>
-            <a:lvl3pPr indent="0" lvl="2" marL="0" algn="r">
+            <a:lvl3pPr marL="0" lvl="2" indent="0" algn="r">
               <a:spcBef>
                 <a:spcPts val="0"/>
               </a:spcBef>
               <a:buNone/>
               <a:defRPr/>
             </a:lvl3pPr>
-            <a:lvl4pPr indent="0" lvl="3" marL="0" algn="r">
+            <a:lvl4pPr marL="0" lvl="3" indent="0" algn="r">
               <a:spcBef>
                 <a:spcPts val="0"/>
               </a:spcBef>
               <a:buNone/>
               <a:defRPr/>
             </a:lvl4pPr>
-            <a:lvl5pPr indent="0" lvl="4" marL="0" algn="r">
+            <a:lvl5pPr marL="0" lvl="4" indent="0" algn="r">
               <a:spcBef>
                 <a:spcPts val="0"/>
               </a:spcBef>
               <a:buNone/>
               <a:defRPr/>
             </a:lvl5pPr>
-            <a:lvl6pPr indent="0" lvl="5" marL="0" algn="r">
+            <a:lvl6pPr marL="0" lvl="5" indent="0" algn="r">
               <a:spcBef>
                 <a:spcPts val="0"/>
               </a:spcBef>
               <a:buNone/>
               <a:defRPr/>
             </a:lvl6pPr>
-            <a:lvl7pPr indent="0" lvl="6" marL="0" algn="r">
+            <a:lvl7pPr marL="0" lvl="6" indent="0" algn="r">
               <a:spcBef>
                 <a:spcPts val="0"/>
               </a:spcBef>
               <a:buNone/>
               <a:defRPr/>
             </a:lvl7pPr>
-            <a:lvl8pPr indent="0" lvl="7" marL="0" algn="r">
+            <a:lvl8pPr marL="0" lvl="7" indent="0" algn="r">
               <a:spcBef>
                 <a:spcPts val="0"/>
               </a:spcBef>
               <a:buNone/>
               <a:defRPr/>
             </a:lvl8pPr>
-            <a:lvl9pPr indent="0" lvl="8" marL="0" algn="r">
+            <a:lvl9pPr marL="0" lvl="8" indent="0" algn="r">
               <a:spcBef>
                 <a:spcPts val="0"/>
               </a:spcBef>
@@ -8401,7 +8614,7 @@
             </a:lvl9pPr>
           </a:lstStyle>
           <a:p>
-            <a:pPr indent="0" lvl="0" marL="0" rtl="0" algn="r">
+            <a:pPr marL="0" lvl="0" indent="0" algn="r" rtl="0">
               <a:spcBef>
                 <a:spcPts val="0"/>
               </a:spcBef>
@@ -8427,11 +8640,11 @@
 </file>
 
 <file path=ppt/slideLayouts/slideLayout9.xml><?xml version="1.0" encoding="utf-8"?>
-<p:sldLayout xmlns:a="http://schemas.openxmlformats.org/drawingml/2006/main" xmlns:r="http://schemas.openxmlformats.org/officeDocument/2006/relationships" xmlns:mc="http://schemas.openxmlformats.org/markup-compatibility/2006" xmlns:mv="urn:schemas-microsoft-com:mac:vml" xmlns:p="http://schemas.openxmlformats.org/presentationml/2006/main" xmlns:c="http://schemas.openxmlformats.org/drawingml/2006/chart" xmlns:dgm="http://schemas.openxmlformats.org/drawingml/2006/diagram" xmlns:o="urn:schemas-microsoft-com:office:office" xmlns:v="urn:schemas-microsoft-com:vml" xmlns:pvml="urn:schemas-microsoft-com:office:powerpoint" xmlns:com="http://schemas.openxmlformats.org/drawingml/2006/compatibility" xmlns:p14="http://schemas.microsoft.com/office/powerpoint/2010/main" xmlns:p15="http://schemas.microsoft.com/office/powerpoint/2012/main" xmlns:ahyp="http://schemas.microsoft.com/office/drawing/2018/hyperlinkcolor" matchingName="Picture with Caption" type="picTx">
+<p:sldLayout xmlns:a="http://schemas.openxmlformats.org/drawingml/2006/main" xmlns:r="http://schemas.openxmlformats.org/officeDocument/2006/relationships" xmlns:p="http://schemas.openxmlformats.org/presentationml/2006/main" matchingName="Picture with Caption" type="picTx">
   <p:cSld name="PICTURE_WITH_CAPTION_TEXT">
     <p:spTree>
       <p:nvGrpSpPr>
-        <p:cNvPr id="61" name="Shape 61"/>
+        <p:cNvPr id="1" name="Shape 61"/>
         <p:cNvGrpSpPr/>
         <p:nvPr/>
       </p:nvGrpSpPr>
@@ -8446,7 +8659,9 @@
       <p:sp>
         <p:nvSpPr>
           <p:cNvPr id="62" name="Google Shape;62;p12"/>
-          <p:cNvSpPr txBox="1"/>
+          <p:cNvSpPr txBox="1">
+            <a:spLocks noGrp="1"/>
+          </p:cNvSpPr>
           <p:nvPr>
             <p:ph type="title"/>
           </p:nvPr>
@@ -8465,7 +8680,7 @@
           </a:ln>
         </p:spPr>
         <p:txBody>
-          <a:bodyPr anchorCtr="0" anchor="b" bIns="45700" lIns="91425" spcFirstLastPara="1" rIns="91425" wrap="square" tIns="45700">
+          <a:bodyPr spcFirstLastPara="1" wrap="square" lIns="91425" tIns="45700" rIns="91425" bIns="45700" anchor="b" anchorCtr="0">
             <a:normAutofit/>
           </a:bodyPr>
           <a:lstStyle>
@@ -8576,15 +8791,19 @@
               <a:defRPr/>
             </a:lvl9pPr>
           </a:lstStyle>
-          <a:p/>
+          <a:p>
+            <a:endParaRPr/>
+          </a:p>
         </p:txBody>
       </p:sp>
       <p:sp>
         <p:nvSpPr>
           <p:cNvPr id="63" name="Google Shape;63;p12"/>
-          <p:cNvSpPr/>
+          <p:cNvSpPr>
+            <a:spLocks noGrp="1"/>
+          </p:cNvSpPr>
           <p:nvPr>
-            <p:ph idx="2" type="pic"/>
+            <p:ph type="pic" idx="2"/>
           </p:nvPr>
         </p:nvSpPr>
         <p:spPr>
@@ -8604,9 +8823,11 @@
       <p:sp>
         <p:nvSpPr>
           <p:cNvPr id="64" name="Google Shape;64;p12"/>
-          <p:cNvSpPr txBox="1"/>
+          <p:cNvSpPr txBox="1">
+            <a:spLocks noGrp="1"/>
+          </p:cNvSpPr>
           <p:nvPr>
-            <p:ph idx="1" type="body"/>
+            <p:ph type="body" idx="1"/>
           </p:nvPr>
         </p:nvSpPr>
         <p:spPr>
@@ -8623,11 +8844,11 @@
           </a:ln>
         </p:spPr>
         <p:txBody>
-          <a:bodyPr anchorCtr="0" anchor="t" bIns="45700" lIns="91425" spcFirstLastPara="1" rIns="91425" wrap="square" tIns="45700">
+          <a:bodyPr spcFirstLastPara="1" wrap="square" lIns="91425" tIns="45700" rIns="91425" bIns="45700" anchor="t" anchorCtr="0">
             <a:normAutofit/>
           </a:bodyPr>
           <a:lstStyle>
-            <a:lvl1pPr indent="-228600" lvl="0" marL="457200" algn="l">
+            <a:lvl1pPr marL="457200" lvl="0" indent="-228600" algn="l">
               <a:lnSpc>
                 <a:spcPct val="90000"/>
               </a:lnSpc>
@@ -8644,7 +8865,7 @@
               <a:buNone/>
               <a:defRPr sz="1600"/>
             </a:lvl1pPr>
-            <a:lvl2pPr indent="-228600" lvl="1" marL="914400" algn="l">
+            <a:lvl2pPr marL="914400" lvl="1" indent="-228600" algn="l">
               <a:lnSpc>
                 <a:spcPct val="90000"/>
               </a:lnSpc>
@@ -8661,7 +8882,7 @@
               <a:buNone/>
               <a:defRPr sz="1400"/>
             </a:lvl2pPr>
-            <a:lvl3pPr indent="-228600" lvl="2" marL="1371600" algn="l">
+            <a:lvl3pPr marL="1371600" lvl="2" indent="-228600" algn="l">
               <a:lnSpc>
                 <a:spcPct val="90000"/>
               </a:lnSpc>
@@ -8678,7 +8899,7 @@
               <a:buNone/>
               <a:defRPr sz="1200"/>
             </a:lvl3pPr>
-            <a:lvl4pPr indent="-228600" lvl="3" marL="1828800" algn="l">
+            <a:lvl4pPr marL="1828800" lvl="3" indent="-228600" algn="l">
               <a:lnSpc>
                 <a:spcPct val="90000"/>
               </a:lnSpc>
@@ -8695,7 +8916,7 @@
               <a:buNone/>
               <a:defRPr sz="1000"/>
             </a:lvl4pPr>
-            <a:lvl5pPr indent="-228600" lvl="4" marL="2286000" algn="l">
+            <a:lvl5pPr marL="2286000" lvl="4" indent="-228600" algn="l">
               <a:lnSpc>
                 <a:spcPct val="90000"/>
               </a:lnSpc>
@@ -8712,7 +8933,7 @@
               <a:buNone/>
               <a:defRPr sz="1000"/>
             </a:lvl5pPr>
-            <a:lvl6pPr indent="-228600" lvl="5" marL="2743200" algn="l">
+            <a:lvl6pPr marL="2743200" lvl="5" indent="-228600" algn="l">
               <a:lnSpc>
                 <a:spcPct val="90000"/>
               </a:lnSpc>
@@ -8729,7 +8950,7 @@
               <a:buNone/>
               <a:defRPr sz="1000"/>
             </a:lvl6pPr>
-            <a:lvl7pPr indent="-228600" lvl="6" marL="3200400" algn="l">
+            <a:lvl7pPr marL="3200400" lvl="6" indent="-228600" algn="l">
               <a:lnSpc>
                 <a:spcPct val="90000"/>
               </a:lnSpc>
@@ -8746,7 +8967,7 @@
               <a:buNone/>
               <a:defRPr sz="1000"/>
             </a:lvl7pPr>
-            <a:lvl8pPr indent="-228600" lvl="7" marL="3657600" algn="l">
+            <a:lvl8pPr marL="3657600" lvl="7" indent="-228600" algn="l">
               <a:lnSpc>
                 <a:spcPct val="90000"/>
               </a:lnSpc>
@@ -8763,7 +8984,7 @@
               <a:buNone/>
               <a:defRPr sz="1000"/>
             </a:lvl8pPr>
-            <a:lvl9pPr indent="-228600" lvl="8" marL="4114800" algn="l">
+            <a:lvl9pPr marL="4114800" lvl="8" indent="-228600" algn="l">
               <a:lnSpc>
                 <a:spcPct val="90000"/>
               </a:lnSpc>
@@ -8781,15 +9002,19 @@
               <a:defRPr sz="1000"/>
             </a:lvl9pPr>
           </a:lstStyle>
-          <a:p/>
+          <a:p>
+            <a:endParaRPr/>
+          </a:p>
         </p:txBody>
       </p:sp>
       <p:sp>
         <p:nvSpPr>
           <p:cNvPr id="65" name="Google Shape;65;p12"/>
-          <p:cNvSpPr txBox="1"/>
+          <p:cNvSpPr txBox="1">
+            <a:spLocks noGrp="1"/>
+          </p:cNvSpPr>
           <p:nvPr>
-            <p:ph idx="10" type="dt"/>
+            <p:ph type="dt" idx="10"/>
           </p:nvPr>
         </p:nvSpPr>
         <p:spPr>
@@ -8806,7 +9031,7 @@
           </a:ln>
         </p:spPr>
         <p:txBody>
-          <a:bodyPr anchorCtr="0" anchor="ctr" bIns="45700" lIns="91425" spcFirstLastPara="1" rIns="91425" wrap="square" tIns="45700">
+          <a:bodyPr spcFirstLastPara="1" wrap="square" lIns="91425" tIns="45700" rIns="91425" bIns="45700" anchor="ctr" anchorCtr="0">
             <a:noAutofit/>
           </a:bodyPr>
           <a:lstStyle>
@@ -8910,15 +9135,19 @@
               <a:defRPr/>
             </a:lvl9pPr>
           </a:lstStyle>
-          <a:p/>
+          <a:p>
+            <a:endParaRPr/>
+          </a:p>
         </p:txBody>
       </p:sp>
       <p:sp>
         <p:nvSpPr>
           <p:cNvPr id="66" name="Google Shape;66;p12"/>
-          <p:cNvSpPr txBox="1"/>
+          <p:cNvSpPr txBox="1">
+            <a:spLocks noGrp="1"/>
+          </p:cNvSpPr>
           <p:nvPr>
-            <p:ph idx="11" type="ftr"/>
+            <p:ph type="ftr" idx="11"/>
           </p:nvPr>
         </p:nvSpPr>
         <p:spPr>
@@ -8935,7 +9164,7 @@
           </a:ln>
         </p:spPr>
         <p:txBody>
-          <a:bodyPr anchorCtr="0" anchor="ctr" bIns="45700" lIns="91425" spcFirstLastPara="1" rIns="91425" wrap="square" tIns="45700">
+          <a:bodyPr spcFirstLastPara="1" wrap="square" lIns="91425" tIns="45700" rIns="91425" bIns="45700" anchor="ctr" anchorCtr="0">
             <a:noAutofit/>
           </a:bodyPr>
           <a:lstStyle>
@@ -9039,15 +9268,19 @@
               <a:defRPr/>
             </a:lvl9pPr>
           </a:lstStyle>
-          <a:p/>
+          <a:p>
+            <a:endParaRPr/>
+          </a:p>
         </p:txBody>
       </p:sp>
       <p:sp>
         <p:nvSpPr>
           <p:cNvPr id="67" name="Google Shape;67;p12"/>
-          <p:cNvSpPr txBox="1"/>
+          <p:cNvSpPr txBox="1">
+            <a:spLocks noGrp="1"/>
+          </p:cNvSpPr>
           <p:nvPr>
-            <p:ph idx="12" type="sldNum"/>
+            <p:ph type="sldNum" idx="12"/>
           </p:nvPr>
         </p:nvSpPr>
         <p:spPr>
@@ -9064,67 +9297,67 @@
           </a:ln>
         </p:spPr>
         <p:txBody>
-          <a:bodyPr anchorCtr="0" anchor="ctr" bIns="45700" lIns="91425" spcFirstLastPara="1" rIns="91425" wrap="square" tIns="45700">
+          <a:bodyPr spcFirstLastPara="1" wrap="square" lIns="91425" tIns="45700" rIns="91425" bIns="45700" anchor="ctr" anchorCtr="0">
             <a:noAutofit/>
           </a:bodyPr>
           <a:lstStyle>
-            <a:lvl1pPr indent="0" lvl="0" marL="0" algn="r">
+            <a:lvl1pPr marL="0" lvl="0" indent="0" algn="r">
               <a:spcBef>
                 <a:spcPts val="0"/>
               </a:spcBef>
               <a:buNone/>
               <a:defRPr/>
             </a:lvl1pPr>
-            <a:lvl2pPr indent="0" lvl="1" marL="0" algn="r">
+            <a:lvl2pPr marL="0" lvl="1" indent="0" algn="r">
               <a:spcBef>
                 <a:spcPts val="0"/>
               </a:spcBef>
               <a:buNone/>
               <a:defRPr/>
             </a:lvl2pPr>
-            <a:lvl3pPr indent="0" lvl="2" marL="0" algn="r">
+            <a:lvl3pPr marL="0" lvl="2" indent="0" algn="r">
               <a:spcBef>
                 <a:spcPts val="0"/>
               </a:spcBef>
               <a:buNone/>
               <a:defRPr/>
             </a:lvl3pPr>
-            <a:lvl4pPr indent="0" lvl="3" marL="0" algn="r">
+            <a:lvl4pPr marL="0" lvl="3" indent="0" algn="r">
               <a:spcBef>
                 <a:spcPts val="0"/>
               </a:spcBef>
               <a:buNone/>
               <a:defRPr/>
             </a:lvl4pPr>
-            <a:lvl5pPr indent="0" lvl="4" marL="0" algn="r">
+            <a:lvl5pPr marL="0" lvl="4" indent="0" algn="r">
               <a:spcBef>
                 <a:spcPts val="0"/>
               </a:spcBef>
               <a:buNone/>
               <a:defRPr/>
             </a:lvl5pPr>
-            <a:lvl6pPr indent="0" lvl="5" marL="0" algn="r">
+            <a:lvl6pPr marL="0" lvl="5" indent="0" algn="r">
               <a:spcBef>
                 <a:spcPts val="0"/>
               </a:spcBef>
               <a:buNone/>
               <a:defRPr/>
             </a:lvl6pPr>
-            <a:lvl7pPr indent="0" lvl="6" marL="0" algn="r">
+            <a:lvl7pPr marL="0" lvl="6" indent="0" algn="r">
               <a:spcBef>
                 <a:spcPts val="0"/>
               </a:spcBef>
               <a:buNone/>
               <a:defRPr/>
             </a:lvl7pPr>
-            <a:lvl8pPr indent="0" lvl="7" marL="0" algn="r">
+            <a:lvl8pPr marL="0" lvl="7" indent="0" algn="r">
               <a:spcBef>
                 <a:spcPts val="0"/>
               </a:spcBef>
               <a:buNone/>
               <a:defRPr/>
             </a:lvl8pPr>
-            <a:lvl9pPr indent="0" lvl="8" marL="0" algn="r">
+            <a:lvl9pPr marL="0" lvl="8" indent="0" algn="r">
               <a:spcBef>
                 <a:spcPts val="0"/>
               </a:spcBef>
@@ -9133,7 +9366,7 @@
             </a:lvl9pPr>
           </a:lstStyle>
           <a:p>
-            <a:pPr indent="0" lvl="0" marL="0" rtl="0" algn="r">
+            <a:pPr marL="0" lvl="0" indent="0" algn="r" rtl="0">
               <a:spcBef>
                 <a:spcPts val="0"/>
               </a:spcBef>
@@ -9159,18 +9392,19 @@
 </file>
 
 <file path=ppt/slideMasters/slideMaster1.xml><?xml version="1.0" encoding="utf-8"?>
-<p:sldMaster xmlns:a="http://schemas.openxmlformats.org/drawingml/2006/main" xmlns:r="http://schemas.openxmlformats.org/officeDocument/2006/relationships" xmlns:mc="http://schemas.openxmlformats.org/markup-compatibility/2006" xmlns:mv="urn:schemas-microsoft-com:mac:vml" xmlns:p="http://schemas.openxmlformats.org/presentationml/2006/main" xmlns:c="http://schemas.openxmlformats.org/drawingml/2006/chart" xmlns:dgm="http://schemas.openxmlformats.org/drawingml/2006/diagram" xmlns:o="urn:schemas-microsoft-com:office:office" xmlns:v="urn:schemas-microsoft-com:vml" xmlns:pvml="urn:schemas-microsoft-com:office:powerpoint" xmlns:com="http://schemas.openxmlformats.org/drawingml/2006/compatibility" xmlns:p14="http://schemas.microsoft.com/office/powerpoint/2010/main" xmlns:p15="http://schemas.microsoft.com/office/powerpoint/2012/main" xmlns:ahyp="http://schemas.microsoft.com/office/drawing/2018/hyperlinkcolor">
+<p:sldMaster xmlns:a="http://schemas.openxmlformats.org/drawingml/2006/main" xmlns:r="http://schemas.openxmlformats.org/officeDocument/2006/relationships" xmlns:p="http://schemas.openxmlformats.org/presentationml/2006/main">
   <p:cSld>
     <p:bg>
       <p:bgPr>
         <a:solidFill>
           <a:schemeClr val="lt1"/>
         </a:solidFill>
+        <a:effectLst/>
       </p:bgPr>
     </p:bg>
     <p:spTree>
       <p:nvGrpSpPr>
-        <p:cNvPr id="5" name="Shape 5"/>
+        <p:cNvPr id="1" name="Shape 5"/>
         <p:cNvGrpSpPr/>
         <p:nvPr/>
       </p:nvGrpSpPr>
@@ -9185,7 +9419,9 @@
       <p:sp>
         <p:nvSpPr>
           <p:cNvPr id="6" name="Google Shape;6;p3"/>
-          <p:cNvSpPr txBox="1"/>
+          <p:cNvSpPr txBox="1">
+            <a:spLocks noGrp="1"/>
+          </p:cNvSpPr>
           <p:nvPr>
             <p:ph type="title"/>
           </p:nvPr>
@@ -9204,11 +9440,11 @@
           </a:ln>
         </p:spPr>
         <p:txBody>
-          <a:bodyPr anchorCtr="0" anchor="ctr" bIns="45700" lIns="91425" spcFirstLastPara="1" rIns="91425" wrap="square" tIns="45700">
+          <a:bodyPr spcFirstLastPara="1" wrap="square" lIns="91425" tIns="45700" rIns="91425" bIns="45700" anchor="ctr" anchorCtr="0">
             <a:normAutofit/>
           </a:bodyPr>
           <a:lstStyle>
-            <a:lvl1pPr lvl="0" marR="0" rtl="0" algn="l">
+            <a:lvl1pPr marR="0" lvl="0" algn="l" rtl="0">
               <a:lnSpc>
                 <a:spcPct val="90000"/>
               </a:lnSpc>
@@ -9224,7 +9460,7 @@
               <a:buSzPts val="4400"/>
               <a:buFont typeface="Calibri"/>
               <a:buNone/>
-              <a:defRPr b="0" i="0" sz="4400" u="none" cap="none" strike="noStrike">
+              <a:defRPr sz="4400" b="0" i="0" u="none" strike="noStrike" cap="none">
                 <a:solidFill>
                   <a:schemeClr val="dk1"/>
                 </a:solidFill>
@@ -9323,15 +9559,19 @@
               <a:defRPr sz="1800"/>
             </a:lvl9pPr>
           </a:lstStyle>
-          <a:p/>
+          <a:p>
+            <a:endParaRPr/>
+          </a:p>
         </p:txBody>
       </p:sp>
       <p:sp>
         <p:nvSpPr>
           <p:cNvPr id="7" name="Google Shape;7;p3"/>
-          <p:cNvSpPr txBox="1"/>
+          <p:cNvSpPr txBox="1">
+            <a:spLocks noGrp="1"/>
+          </p:cNvSpPr>
           <p:nvPr>
-            <p:ph idx="1" type="body"/>
+            <p:ph type="body" idx="1"/>
           </p:nvPr>
         </p:nvSpPr>
         <p:spPr>
@@ -9348,11 +9588,11 @@
           </a:ln>
         </p:spPr>
         <p:txBody>
-          <a:bodyPr anchorCtr="0" anchor="t" bIns="45700" lIns="91425" spcFirstLastPara="1" rIns="91425" wrap="square" tIns="45700">
+          <a:bodyPr spcFirstLastPara="1" wrap="square" lIns="91425" tIns="45700" rIns="91425" bIns="45700" anchor="t" anchorCtr="0">
             <a:normAutofit/>
           </a:bodyPr>
           <a:lstStyle>
-            <a:lvl1pPr indent="-406400" lvl="0" marL="457200" marR="0" rtl="0" algn="l">
+            <a:lvl1pPr marL="457200" marR="0" lvl="0" indent="-406400" algn="l" rtl="0">
               <a:lnSpc>
                 <a:spcPct val="90000"/>
               </a:lnSpc>
@@ -9368,7 +9608,7 @@
               <a:buSzPts val="2800"/>
               <a:buFont typeface="Arial"/>
               <a:buChar char="•"/>
-              <a:defRPr b="0" i="0" sz="2800" u="none" cap="none" strike="noStrike">
+              <a:defRPr sz="2800" b="0" i="0" u="none" strike="noStrike" cap="none">
                 <a:solidFill>
                   <a:schemeClr val="dk1"/>
                 </a:solidFill>
@@ -9378,7 +9618,7 @@
                 <a:sym typeface="Calibri"/>
               </a:defRPr>
             </a:lvl1pPr>
-            <a:lvl2pPr indent="-381000" lvl="1" marL="914400" marR="0" rtl="0" algn="l">
+            <a:lvl2pPr marL="914400" marR="0" lvl="1" indent="-381000" algn="l" rtl="0">
               <a:lnSpc>
                 <a:spcPct val="90000"/>
               </a:lnSpc>
@@ -9394,7 +9634,7 @@
               <a:buSzPts val="2400"/>
               <a:buFont typeface="Arial"/>
               <a:buChar char="•"/>
-              <a:defRPr b="0" i="0" sz="2400" u="none" cap="none" strike="noStrike">
+              <a:defRPr sz="2400" b="0" i="0" u="none" strike="noStrike" cap="none">
                 <a:solidFill>
                   <a:schemeClr val="dk1"/>
                 </a:solidFill>
@@ -9404,7 +9644,7 @@
                 <a:sym typeface="Calibri"/>
               </a:defRPr>
             </a:lvl2pPr>
-            <a:lvl3pPr indent="-355600" lvl="2" marL="1371600" marR="0" rtl="0" algn="l">
+            <a:lvl3pPr marL="1371600" marR="0" lvl="2" indent="-355600" algn="l" rtl="0">
               <a:lnSpc>
                 <a:spcPct val="90000"/>
               </a:lnSpc>
@@ -9420,7 +9660,7 @@
               <a:buSzPts val="2000"/>
               <a:buFont typeface="Arial"/>
               <a:buChar char="•"/>
-              <a:defRPr b="0" i="0" sz="2000" u="none" cap="none" strike="noStrike">
+              <a:defRPr sz="2000" b="0" i="0" u="none" strike="noStrike" cap="none">
                 <a:solidFill>
                   <a:schemeClr val="dk1"/>
                 </a:solidFill>
@@ -9430,7 +9670,7 @@
                 <a:sym typeface="Calibri"/>
               </a:defRPr>
             </a:lvl3pPr>
-            <a:lvl4pPr indent="-342900" lvl="3" marL="1828800" marR="0" rtl="0" algn="l">
+            <a:lvl4pPr marL="1828800" marR="0" lvl="3" indent="-342900" algn="l" rtl="0">
               <a:lnSpc>
                 <a:spcPct val="90000"/>
               </a:lnSpc>
@@ -9446,7 +9686,7 @@
               <a:buSzPts val="1800"/>
               <a:buFont typeface="Arial"/>
               <a:buChar char="•"/>
-              <a:defRPr b="0" i="0" sz="1800" u="none" cap="none" strike="noStrike">
+              <a:defRPr sz="1800" b="0" i="0" u="none" strike="noStrike" cap="none">
                 <a:solidFill>
                   <a:schemeClr val="dk1"/>
                 </a:solidFill>
@@ -9456,7 +9696,7 @@
                 <a:sym typeface="Calibri"/>
               </a:defRPr>
             </a:lvl4pPr>
-            <a:lvl5pPr indent="-342900" lvl="4" marL="2286000" marR="0" rtl="0" algn="l">
+            <a:lvl5pPr marL="2286000" marR="0" lvl="4" indent="-342900" algn="l" rtl="0">
               <a:lnSpc>
                 <a:spcPct val="90000"/>
               </a:lnSpc>
@@ -9472,7 +9712,7 @@
               <a:buSzPts val="1800"/>
               <a:buFont typeface="Arial"/>
               <a:buChar char="•"/>
-              <a:defRPr b="0" i="0" sz="1800" u="none" cap="none" strike="noStrike">
+              <a:defRPr sz="1800" b="0" i="0" u="none" strike="noStrike" cap="none">
                 <a:solidFill>
                   <a:schemeClr val="dk1"/>
                 </a:solidFill>
@@ -9482,7 +9722,7 @@
                 <a:sym typeface="Calibri"/>
               </a:defRPr>
             </a:lvl5pPr>
-            <a:lvl6pPr indent="-342900" lvl="5" marL="2743200" marR="0" rtl="0" algn="l">
+            <a:lvl6pPr marL="2743200" marR="0" lvl="5" indent="-342900" algn="l" rtl="0">
               <a:lnSpc>
                 <a:spcPct val="90000"/>
               </a:lnSpc>
@@ -9498,7 +9738,7 @@
               <a:buSzPts val="1800"/>
               <a:buFont typeface="Arial"/>
               <a:buChar char="•"/>
-              <a:defRPr b="0" i="0" sz="1800" u="none" cap="none" strike="noStrike">
+              <a:defRPr sz="1800" b="0" i="0" u="none" strike="noStrike" cap="none">
                 <a:solidFill>
                   <a:schemeClr val="dk1"/>
                 </a:solidFill>
@@ -9508,7 +9748,7 @@
                 <a:sym typeface="Calibri"/>
               </a:defRPr>
             </a:lvl6pPr>
-            <a:lvl7pPr indent="-342900" lvl="6" marL="3200400" marR="0" rtl="0" algn="l">
+            <a:lvl7pPr marL="3200400" marR="0" lvl="6" indent="-342900" algn="l" rtl="0">
               <a:lnSpc>
                 <a:spcPct val="90000"/>
               </a:lnSpc>
@@ -9524,7 +9764,7 @@
               <a:buSzPts val="1800"/>
               <a:buFont typeface="Arial"/>
               <a:buChar char="•"/>
-              <a:defRPr b="0" i="0" sz="1800" u="none" cap="none" strike="noStrike">
+              <a:defRPr sz="1800" b="0" i="0" u="none" strike="noStrike" cap="none">
                 <a:solidFill>
                   <a:schemeClr val="dk1"/>
                 </a:solidFill>
@@ -9534,7 +9774,7 @@
                 <a:sym typeface="Calibri"/>
               </a:defRPr>
             </a:lvl7pPr>
-            <a:lvl8pPr indent="-342900" lvl="7" marL="3657600" marR="0" rtl="0" algn="l">
+            <a:lvl8pPr marL="3657600" marR="0" lvl="7" indent="-342900" algn="l" rtl="0">
               <a:lnSpc>
                 <a:spcPct val="90000"/>
               </a:lnSpc>
@@ -9550,7 +9790,7 @@
               <a:buSzPts val="1800"/>
               <a:buFont typeface="Arial"/>
               <a:buChar char="•"/>
-              <a:defRPr b="0" i="0" sz="1800" u="none" cap="none" strike="noStrike">
+              <a:defRPr sz="1800" b="0" i="0" u="none" strike="noStrike" cap="none">
                 <a:solidFill>
                   <a:schemeClr val="dk1"/>
                 </a:solidFill>
@@ -9560,7 +9800,7 @@
                 <a:sym typeface="Calibri"/>
               </a:defRPr>
             </a:lvl8pPr>
-            <a:lvl9pPr indent="-342900" lvl="8" marL="4114800" marR="0" rtl="0" algn="l">
+            <a:lvl9pPr marL="4114800" marR="0" lvl="8" indent="-342900" algn="l" rtl="0">
               <a:lnSpc>
                 <a:spcPct val="90000"/>
               </a:lnSpc>
@@ -9576,7 +9816,7 @@
               <a:buSzPts val="1800"/>
               <a:buFont typeface="Arial"/>
               <a:buChar char="•"/>
-              <a:defRPr b="0" i="0" sz="1800" u="none" cap="none" strike="noStrike">
+              <a:defRPr sz="1800" b="0" i="0" u="none" strike="noStrike" cap="none">
                 <a:solidFill>
                   <a:schemeClr val="dk1"/>
                 </a:solidFill>
@@ -9587,15 +9827,19 @@
               </a:defRPr>
             </a:lvl9pPr>
           </a:lstStyle>
-          <a:p/>
+          <a:p>
+            <a:endParaRPr/>
+          </a:p>
         </p:txBody>
       </p:sp>
       <p:sp>
         <p:nvSpPr>
           <p:cNvPr id="8" name="Google Shape;8;p3"/>
-          <p:cNvSpPr txBox="1"/>
+          <p:cNvSpPr txBox="1">
+            <a:spLocks noGrp="1"/>
+          </p:cNvSpPr>
           <p:nvPr>
-            <p:ph idx="10" type="dt"/>
+            <p:ph type="dt" idx="10"/>
           </p:nvPr>
         </p:nvSpPr>
         <p:spPr>
@@ -9612,20 +9856,20 @@
           </a:ln>
         </p:spPr>
         <p:txBody>
-          <a:bodyPr anchorCtr="0" anchor="ctr" bIns="45700" lIns="91425" spcFirstLastPara="1" rIns="91425" wrap="square" tIns="45700">
+          <a:bodyPr spcFirstLastPara="1" wrap="square" lIns="91425" tIns="45700" rIns="91425" bIns="45700" anchor="ctr" anchorCtr="0">
             <a:noAutofit/>
           </a:bodyPr>
           <a:lstStyle>
-            <a:lvl1pPr lvl="0" marR="0" rtl="0" algn="l">
-              <a:spcBef>
-                <a:spcPts val="0"/>
-              </a:spcBef>
-              <a:spcAft>
-                <a:spcPts val="0"/>
-              </a:spcAft>
-              <a:buSzPts val="1400"/>
-              <a:buNone/>
-              <a:defRPr b="0" i="0" sz="1200" u="none" cap="none" strike="noStrike">
+            <a:lvl1pPr marR="0" lvl="0" algn="l" rtl="0">
+              <a:spcBef>
+                <a:spcPts val="0"/>
+              </a:spcBef>
+              <a:spcAft>
+                <a:spcPts val="0"/>
+              </a:spcAft>
+              <a:buSzPts val="1400"/>
+              <a:buNone/>
+              <a:defRPr sz="1200" b="0" i="0" u="none" strike="noStrike" cap="none">
                 <a:solidFill>
                   <a:srgbClr val="888888"/>
                 </a:solidFill>
@@ -9635,16 +9879,16 @@
                 <a:sym typeface="Calibri"/>
               </a:defRPr>
             </a:lvl1pPr>
-            <a:lvl2pPr lvl="1" marR="0" rtl="0" algn="l">
-              <a:spcBef>
-                <a:spcPts val="0"/>
-              </a:spcBef>
-              <a:spcAft>
-                <a:spcPts val="0"/>
-              </a:spcAft>
-              <a:buSzPts val="1400"/>
-              <a:buNone/>
-              <a:defRPr b="0" i="0" sz="1800" u="none" cap="none" strike="noStrike">
+            <a:lvl2pPr marR="0" lvl="1" algn="l" rtl="0">
+              <a:spcBef>
+                <a:spcPts val="0"/>
+              </a:spcBef>
+              <a:spcAft>
+                <a:spcPts val="0"/>
+              </a:spcAft>
+              <a:buSzPts val="1400"/>
+              <a:buNone/>
+              <a:defRPr sz="1800" b="0" i="0" u="none" strike="noStrike" cap="none">
                 <a:solidFill>
                   <a:schemeClr val="dk1"/>
                 </a:solidFill>
@@ -9654,16 +9898,16 @@
                 <a:sym typeface="Calibri"/>
               </a:defRPr>
             </a:lvl2pPr>
-            <a:lvl3pPr lvl="2" marR="0" rtl="0" algn="l">
-              <a:spcBef>
-                <a:spcPts val="0"/>
-              </a:spcBef>
-              <a:spcAft>
-                <a:spcPts val="0"/>
-              </a:spcAft>
-              <a:buSzPts val="1400"/>
-              <a:buNone/>
-              <a:defRPr b="0" i="0" sz="1800" u="none" cap="none" strike="noStrike">
+            <a:lvl3pPr marR="0" lvl="2" algn="l" rtl="0">
+              <a:spcBef>
+                <a:spcPts val="0"/>
+              </a:spcBef>
+              <a:spcAft>
+                <a:spcPts val="0"/>
+              </a:spcAft>
+              <a:buSzPts val="1400"/>
+              <a:buNone/>
+              <a:defRPr sz="1800" b="0" i="0" u="none" strike="noStrike" cap="none">
                 <a:solidFill>
                   <a:schemeClr val="dk1"/>
                 </a:solidFill>
@@ -9673,16 +9917,16 @@
                 <a:sym typeface="Calibri"/>
               </a:defRPr>
             </a:lvl3pPr>
-            <a:lvl4pPr lvl="3" marR="0" rtl="0" algn="l">
-              <a:spcBef>
-                <a:spcPts val="0"/>
-              </a:spcBef>
-              <a:spcAft>
-                <a:spcPts val="0"/>
-              </a:spcAft>
-              <a:buSzPts val="1400"/>
-              <a:buNone/>
-              <a:defRPr b="0" i="0" sz="1800" u="none" cap="none" strike="noStrike">
+            <a:lvl4pPr marR="0" lvl="3" algn="l" rtl="0">
+              <a:spcBef>
+                <a:spcPts val="0"/>
+              </a:spcBef>
+              <a:spcAft>
+                <a:spcPts val="0"/>
+              </a:spcAft>
+              <a:buSzPts val="1400"/>
+              <a:buNone/>
+              <a:defRPr sz="1800" b="0" i="0" u="none" strike="noStrike" cap="none">
                 <a:solidFill>
                   <a:schemeClr val="dk1"/>
                 </a:solidFill>
@@ -9692,16 +9936,16 @@
                 <a:sym typeface="Calibri"/>
               </a:defRPr>
             </a:lvl4pPr>
-            <a:lvl5pPr lvl="4" marR="0" rtl="0" algn="l">
-              <a:spcBef>
-                <a:spcPts val="0"/>
-              </a:spcBef>
-              <a:spcAft>
-                <a:spcPts val="0"/>
-              </a:spcAft>
-              <a:buSzPts val="1400"/>
-              <a:buNone/>
-              <a:defRPr b="0" i="0" sz="1800" u="none" cap="none" strike="noStrike">
+            <a:lvl5pPr marR="0" lvl="4" algn="l" rtl="0">
+              <a:spcBef>
+                <a:spcPts val="0"/>
+              </a:spcBef>
+              <a:spcAft>
+                <a:spcPts val="0"/>
+              </a:spcAft>
+              <a:buSzPts val="1400"/>
+              <a:buNone/>
+              <a:defRPr sz="1800" b="0" i="0" u="none" strike="noStrike" cap="none">
                 <a:solidFill>
                   <a:schemeClr val="dk1"/>
                 </a:solidFill>
@@ -9711,16 +9955,16 @@
                 <a:sym typeface="Calibri"/>
               </a:defRPr>
             </a:lvl5pPr>
-            <a:lvl6pPr lvl="5" marR="0" rtl="0" algn="l">
-              <a:spcBef>
-                <a:spcPts val="0"/>
-              </a:spcBef>
-              <a:spcAft>
-                <a:spcPts val="0"/>
-              </a:spcAft>
-              <a:buSzPts val="1400"/>
-              <a:buNone/>
-              <a:defRPr b="0" i="0" sz="1800" u="none" cap="none" strike="noStrike">
+            <a:lvl6pPr marR="0" lvl="5" algn="l" rtl="0">
+              <a:spcBef>
+                <a:spcPts val="0"/>
+              </a:spcBef>
+              <a:spcAft>
+                <a:spcPts val="0"/>
+              </a:spcAft>
+              <a:buSzPts val="1400"/>
+              <a:buNone/>
+              <a:defRPr sz="1800" b="0" i="0" u="none" strike="noStrike" cap="none">
                 <a:solidFill>
                   <a:schemeClr val="dk1"/>
                 </a:solidFill>
@@ -9730,16 +9974,16 @@
                 <a:sym typeface="Calibri"/>
               </a:defRPr>
             </a:lvl6pPr>
-            <a:lvl7pPr lvl="6" marR="0" rtl="0" algn="l">
-              <a:spcBef>
-                <a:spcPts val="0"/>
-              </a:spcBef>
-              <a:spcAft>
-                <a:spcPts val="0"/>
-              </a:spcAft>
-              <a:buSzPts val="1400"/>
-              <a:buNone/>
-              <a:defRPr b="0" i="0" sz="1800" u="none" cap="none" strike="noStrike">
+            <a:lvl7pPr marR="0" lvl="6" algn="l" rtl="0">
+              <a:spcBef>
+                <a:spcPts val="0"/>
+              </a:spcBef>
+              <a:spcAft>
+                <a:spcPts val="0"/>
+              </a:spcAft>
+              <a:buSzPts val="1400"/>
+              <a:buNone/>
+              <a:defRPr sz="1800" b="0" i="0" u="none" strike="noStrike" cap="none">
                 <a:solidFill>
                   <a:schemeClr val="dk1"/>
                 </a:solidFill>
@@ -9749,16 +9993,16 @@
                 <a:sym typeface="Calibri"/>
               </a:defRPr>
             </a:lvl7pPr>
-            <a:lvl8pPr lvl="7" marR="0" rtl="0" algn="l">
-              <a:spcBef>
-                <a:spcPts val="0"/>
-              </a:spcBef>
-              <a:spcAft>
-                <a:spcPts val="0"/>
-              </a:spcAft>
-              <a:buSzPts val="1400"/>
-              <a:buNone/>
-              <a:defRPr b="0" i="0" sz="1800" u="none" cap="none" strike="noStrike">
+            <a:lvl8pPr marR="0" lvl="7" algn="l" rtl="0">
+              <a:spcBef>
+                <a:spcPts val="0"/>
+              </a:spcBef>
+              <a:spcAft>
+                <a:spcPts val="0"/>
+              </a:spcAft>
+              <a:buSzPts val="1400"/>
+              <a:buNone/>
+              <a:defRPr sz="1800" b="0" i="0" u="none" strike="noStrike" cap="none">
                 <a:solidFill>
                   <a:schemeClr val="dk1"/>
                 </a:solidFill>
@@ -9768,16 +10012,16 @@
                 <a:sym typeface="Calibri"/>
               </a:defRPr>
             </a:lvl8pPr>
-            <a:lvl9pPr lvl="8" marR="0" rtl="0" algn="l">
-              <a:spcBef>
-                <a:spcPts val="0"/>
-              </a:spcBef>
-              <a:spcAft>
-                <a:spcPts val="0"/>
-              </a:spcAft>
-              <a:buSzPts val="1400"/>
-              <a:buNone/>
-              <a:defRPr b="0" i="0" sz="1800" u="none" cap="none" strike="noStrike">
+            <a:lvl9pPr marR="0" lvl="8" algn="l" rtl="0">
+              <a:spcBef>
+                <a:spcPts val="0"/>
+              </a:spcBef>
+              <a:spcAft>
+                <a:spcPts val="0"/>
+              </a:spcAft>
+              <a:buSzPts val="1400"/>
+              <a:buNone/>
+              <a:defRPr sz="1800" b="0" i="0" u="none" strike="noStrike" cap="none">
                 <a:solidFill>
                   <a:schemeClr val="dk1"/>
                 </a:solidFill>
@@ -9788,15 +10032,19 @@
               </a:defRPr>
             </a:lvl9pPr>
           </a:lstStyle>
-          <a:p/>
+          <a:p>
+            <a:endParaRPr/>
+          </a:p>
         </p:txBody>
       </p:sp>
       <p:sp>
         <p:nvSpPr>
           <p:cNvPr id="9" name="Google Shape;9;p3"/>
-          <p:cNvSpPr txBox="1"/>
+          <p:cNvSpPr txBox="1">
+            <a:spLocks noGrp="1"/>
+          </p:cNvSpPr>
           <p:nvPr>
-            <p:ph idx="11" type="ftr"/>
+            <p:ph type="ftr" idx="11"/>
           </p:nvPr>
         </p:nvSpPr>
         <p:spPr>
@@ -9813,20 +10061,20 @@
           </a:ln>
         </p:spPr>
         <p:txBody>
-          <a:bodyPr anchorCtr="0" anchor="ctr" bIns="45700" lIns="91425" spcFirstLastPara="1" rIns="91425" wrap="square" tIns="45700">
+          <a:bodyPr spcFirstLastPara="1" wrap="square" lIns="91425" tIns="45700" rIns="91425" bIns="45700" anchor="ctr" anchorCtr="0">
             <a:noAutofit/>
           </a:bodyPr>
           <a:lstStyle>
-            <a:lvl1pPr lvl="0" marR="0" rtl="0" algn="ctr">
-              <a:spcBef>
-                <a:spcPts val="0"/>
-              </a:spcBef>
-              <a:spcAft>
-                <a:spcPts val="0"/>
-              </a:spcAft>
-              <a:buSzPts val="1400"/>
-              <a:buNone/>
-              <a:defRPr b="0" i="0" sz="1200" u="none" cap="none" strike="noStrike">
+            <a:lvl1pPr marR="0" lvl="0" algn="ctr" rtl="0">
+              <a:spcBef>
+                <a:spcPts val="0"/>
+              </a:spcBef>
+              <a:spcAft>
+                <a:spcPts val="0"/>
+              </a:spcAft>
+              <a:buSzPts val="1400"/>
+              <a:buNone/>
+              <a:defRPr sz="1200" b="0" i="0" u="none" strike="noStrike" cap="none">
                 <a:solidFill>
                   <a:srgbClr val="888888"/>
                 </a:solidFill>
@@ -9836,16 +10084,16 @@
                 <a:sym typeface="Calibri"/>
               </a:defRPr>
             </a:lvl1pPr>
-            <a:lvl2pPr lvl="1" marR="0" rtl="0" algn="l">
-              <a:spcBef>
-                <a:spcPts val="0"/>
-              </a:spcBef>
-              <a:spcAft>
-                <a:spcPts val="0"/>
-              </a:spcAft>
-              <a:buSzPts val="1400"/>
-              <a:buNone/>
-              <a:defRPr b="0" i="0" sz="1800" u="none" cap="none" strike="noStrike">
+            <a:lvl2pPr marR="0" lvl="1" algn="l" rtl="0">
+              <a:spcBef>
+                <a:spcPts val="0"/>
+              </a:spcBef>
+              <a:spcAft>
+                <a:spcPts val="0"/>
+              </a:spcAft>
+              <a:buSzPts val="1400"/>
+              <a:buNone/>
+              <a:defRPr sz="1800" b="0" i="0" u="none" strike="noStrike" cap="none">
                 <a:solidFill>
                   <a:schemeClr val="dk1"/>
                 </a:solidFill>
@@ -9855,16 +10103,16 @@
                 <a:sym typeface="Calibri"/>
               </a:defRPr>
             </a:lvl2pPr>
-            <a:lvl3pPr lvl="2" marR="0" rtl="0" algn="l">
-              <a:spcBef>
-                <a:spcPts val="0"/>
-              </a:spcBef>
-              <a:spcAft>
-                <a:spcPts val="0"/>
-              </a:spcAft>
-              <a:buSzPts val="1400"/>
-              <a:buNone/>
-              <a:defRPr b="0" i="0" sz="1800" u="none" cap="none" strike="noStrike">
+            <a:lvl3pPr marR="0" lvl="2" algn="l" rtl="0">
+              <a:spcBef>
+                <a:spcPts val="0"/>
+              </a:spcBef>
+              <a:spcAft>
+                <a:spcPts val="0"/>
+              </a:spcAft>
+              <a:buSzPts val="1400"/>
+              <a:buNone/>
+              <a:defRPr sz="1800" b="0" i="0" u="none" strike="noStrike" cap="none">
                 <a:solidFill>
                   <a:schemeClr val="dk1"/>
                 </a:solidFill>
@@ -9874,16 +10122,16 @@
                 <a:sym typeface="Calibri"/>
               </a:defRPr>
             </a:lvl3pPr>
-            <a:lvl4pPr lvl="3" marR="0" rtl="0" algn="l">
-              <a:spcBef>
-                <a:spcPts val="0"/>
-              </a:spcBef>
-              <a:spcAft>
-                <a:spcPts val="0"/>
-              </a:spcAft>
-              <a:buSzPts val="1400"/>
-              <a:buNone/>
-              <a:defRPr b="0" i="0" sz="1800" u="none" cap="none" strike="noStrike">
+            <a:lvl4pPr marR="0" lvl="3" algn="l" rtl="0">
+              <a:spcBef>
+                <a:spcPts val="0"/>
+              </a:spcBef>
+              <a:spcAft>
+                <a:spcPts val="0"/>
+              </a:spcAft>
+              <a:buSzPts val="1400"/>
+              <a:buNone/>
+              <a:defRPr sz="1800" b="0" i="0" u="none" strike="noStrike" cap="none">
                 <a:solidFill>
                   <a:schemeClr val="dk1"/>
                 </a:solidFill>
@@ -9893,16 +10141,16 @@
                 <a:sym typeface="Calibri"/>
               </a:defRPr>
             </a:lvl4pPr>
-            <a:lvl5pPr lvl="4" marR="0" rtl="0" algn="l">
-              <a:spcBef>
-                <a:spcPts val="0"/>
-              </a:spcBef>
-              <a:spcAft>
-                <a:spcPts val="0"/>
-              </a:spcAft>
-              <a:buSzPts val="1400"/>
-              <a:buNone/>
-              <a:defRPr b="0" i="0" sz="1800" u="none" cap="none" strike="noStrike">
+            <a:lvl5pPr marR="0" lvl="4" algn="l" rtl="0">
+              <a:spcBef>
+                <a:spcPts val="0"/>
+              </a:spcBef>
+              <a:spcAft>
+                <a:spcPts val="0"/>
+              </a:spcAft>
+              <a:buSzPts val="1400"/>
+              <a:buNone/>
+              <a:defRPr sz="1800" b="0" i="0" u="none" strike="noStrike" cap="none">
                 <a:solidFill>
                   <a:schemeClr val="dk1"/>
                 </a:solidFill>
@@ -9912,16 +10160,16 @@
                 <a:sym typeface="Calibri"/>
               </a:defRPr>
             </a:lvl5pPr>
-            <a:lvl6pPr lvl="5" marR="0" rtl="0" algn="l">
-              <a:spcBef>
-                <a:spcPts val="0"/>
-              </a:spcBef>
-              <a:spcAft>
-                <a:spcPts val="0"/>
-              </a:spcAft>
-              <a:buSzPts val="1400"/>
-              <a:buNone/>
-              <a:defRPr b="0" i="0" sz="1800" u="none" cap="none" strike="noStrike">
+            <a:lvl6pPr marR="0" lvl="5" algn="l" rtl="0">
+              <a:spcBef>
+                <a:spcPts val="0"/>
+              </a:spcBef>
+              <a:spcAft>
+                <a:spcPts val="0"/>
+              </a:spcAft>
+              <a:buSzPts val="1400"/>
+              <a:buNone/>
+              <a:defRPr sz="1800" b="0" i="0" u="none" strike="noStrike" cap="none">
                 <a:solidFill>
                   <a:schemeClr val="dk1"/>
                 </a:solidFill>
@@ -9931,16 +10179,16 @@
                 <a:sym typeface="Calibri"/>
               </a:defRPr>
             </a:lvl6pPr>
-            <a:lvl7pPr lvl="6" marR="0" rtl="0" algn="l">
-              <a:spcBef>
-                <a:spcPts val="0"/>
-              </a:spcBef>
-              <a:spcAft>
-                <a:spcPts val="0"/>
-              </a:spcAft>
-              <a:buSzPts val="1400"/>
-              <a:buNone/>
-              <a:defRPr b="0" i="0" sz="1800" u="none" cap="none" strike="noStrike">
+            <a:lvl7pPr marR="0" lvl="6" algn="l" rtl="0">
+              <a:spcBef>
+                <a:spcPts val="0"/>
+              </a:spcBef>
+              <a:spcAft>
+                <a:spcPts val="0"/>
+              </a:spcAft>
+              <a:buSzPts val="1400"/>
+              <a:buNone/>
+              <a:defRPr sz="1800" b="0" i="0" u="none" strike="noStrike" cap="none">
                 <a:solidFill>
                   <a:schemeClr val="dk1"/>
                 </a:solidFill>
@@ -9950,16 +10198,16 @@
                 <a:sym typeface="Calibri"/>
               </a:defRPr>
             </a:lvl7pPr>
-            <a:lvl8pPr lvl="7" marR="0" rtl="0" algn="l">
-              <a:spcBef>
-                <a:spcPts val="0"/>
-              </a:spcBef>
-              <a:spcAft>
-                <a:spcPts val="0"/>
-              </a:spcAft>
-              <a:buSzPts val="1400"/>
-              <a:buNone/>
-              <a:defRPr b="0" i="0" sz="1800" u="none" cap="none" strike="noStrike">
+            <a:lvl8pPr marR="0" lvl="7" algn="l" rtl="0">
+              <a:spcBef>
+                <a:spcPts val="0"/>
+              </a:spcBef>
+              <a:spcAft>
+                <a:spcPts val="0"/>
+              </a:spcAft>
+              <a:buSzPts val="1400"/>
+              <a:buNone/>
+              <a:defRPr sz="1800" b="0" i="0" u="none" strike="noStrike" cap="none">
                 <a:solidFill>
                   <a:schemeClr val="dk1"/>
                 </a:solidFill>
@@ -9969,16 +10217,16 @@
                 <a:sym typeface="Calibri"/>
               </a:defRPr>
             </a:lvl8pPr>
-            <a:lvl9pPr lvl="8" marR="0" rtl="0" algn="l">
-              <a:spcBef>
-                <a:spcPts val="0"/>
-              </a:spcBef>
-              <a:spcAft>
-                <a:spcPts val="0"/>
-              </a:spcAft>
-              <a:buSzPts val="1400"/>
-              <a:buNone/>
-              <a:defRPr b="0" i="0" sz="1800" u="none" cap="none" strike="noStrike">
+            <a:lvl9pPr marR="0" lvl="8" algn="l" rtl="0">
+              <a:spcBef>
+                <a:spcPts val="0"/>
+              </a:spcBef>
+              <a:spcAft>
+                <a:spcPts val="0"/>
+              </a:spcAft>
+              <a:buSzPts val="1400"/>
+              <a:buNone/>
+              <a:defRPr sz="1800" b="0" i="0" u="none" strike="noStrike" cap="none">
                 <a:solidFill>
                   <a:schemeClr val="dk1"/>
                 </a:solidFill>
@@ -9989,15 +10237,19 @@
               </a:defRPr>
             </a:lvl9pPr>
           </a:lstStyle>
-          <a:p/>
+          <a:p>
+            <a:endParaRPr/>
+          </a:p>
         </p:txBody>
       </p:sp>
       <p:sp>
         <p:nvSpPr>
           <p:cNvPr id="10" name="Google Shape;10;p3"/>
-          <p:cNvSpPr txBox="1"/>
+          <p:cNvSpPr txBox="1">
+            <a:spLocks noGrp="1"/>
+          </p:cNvSpPr>
           <p:nvPr>
-            <p:ph idx="12" type="sldNum"/>
+            <p:ph type="sldNum" idx="12"/>
           </p:nvPr>
         </p:nvSpPr>
         <p:spPr>
@@ -10014,16 +10266,16 @@
           </a:ln>
         </p:spPr>
         <p:txBody>
-          <a:bodyPr anchorCtr="0" anchor="ctr" bIns="45700" lIns="91425" spcFirstLastPara="1" rIns="91425" wrap="square" tIns="45700">
+          <a:bodyPr spcFirstLastPara="1" wrap="square" lIns="91425" tIns="45700" rIns="91425" bIns="45700" anchor="ctr" anchorCtr="0">
             <a:noAutofit/>
           </a:bodyPr>
           <a:lstStyle>
-            <a:lvl1pPr indent="0" lvl="0" marL="0" marR="0" rtl="0" algn="r">
-              <a:spcBef>
-                <a:spcPts val="0"/>
-              </a:spcBef>
-              <a:buNone/>
-              <a:defRPr b="0" i="0" sz="1200" u="none" cap="none" strike="noStrike">
+            <a:lvl1pPr marL="0" marR="0" lvl="0" indent="0" algn="r" rtl="0">
+              <a:spcBef>
+                <a:spcPts val="0"/>
+              </a:spcBef>
+              <a:buNone/>
+              <a:defRPr sz="1200" b="0" i="0" u="none" strike="noStrike" cap="none">
                 <a:solidFill>
                   <a:srgbClr val="888888"/>
                 </a:solidFill>
@@ -10033,12 +10285,12 @@
                 <a:sym typeface="Calibri"/>
               </a:defRPr>
             </a:lvl1pPr>
-            <a:lvl2pPr indent="0" lvl="1" marL="0" marR="0" rtl="0" algn="r">
-              <a:spcBef>
-                <a:spcPts val="0"/>
-              </a:spcBef>
-              <a:buNone/>
-              <a:defRPr b="0" i="0" sz="1200" u="none" cap="none" strike="noStrike">
+            <a:lvl2pPr marL="0" marR="0" lvl="1" indent="0" algn="r" rtl="0">
+              <a:spcBef>
+                <a:spcPts val="0"/>
+              </a:spcBef>
+              <a:buNone/>
+              <a:defRPr sz="1200" b="0" i="0" u="none" strike="noStrike" cap="none">
                 <a:solidFill>
                   <a:srgbClr val="888888"/>
                 </a:solidFill>
@@ -10048,12 +10300,12 @@
                 <a:sym typeface="Calibri"/>
               </a:defRPr>
             </a:lvl2pPr>
-            <a:lvl3pPr indent="0" lvl="2" marL="0" marR="0" rtl="0" algn="r">
-              <a:spcBef>
-                <a:spcPts val="0"/>
-              </a:spcBef>
-              <a:buNone/>
-              <a:defRPr b="0" i="0" sz="1200" u="none" cap="none" strike="noStrike">
+            <a:lvl3pPr marL="0" marR="0" lvl="2" indent="0" algn="r" rtl="0">
+              <a:spcBef>
+                <a:spcPts val="0"/>
+              </a:spcBef>
+              <a:buNone/>
+              <a:defRPr sz="1200" b="0" i="0" u="none" strike="noStrike" cap="none">
                 <a:solidFill>
                   <a:srgbClr val="888888"/>
                 </a:solidFill>
@@ -10063,12 +10315,12 @@
                 <a:sym typeface="Calibri"/>
               </a:defRPr>
             </a:lvl3pPr>
-            <a:lvl4pPr indent="0" lvl="3" marL="0" marR="0" rtl="0" algn="r">
-              <a:spcBef>
-                <a:spcPts val="0"/>
-              </a:spcBef>
-              <a:buNone/>
-              <a:defRPr b="0" i="0" sz="1200" u="none" cap="none" strike="noStrike">
+            <a:lvl4pPr marL="0" marR="0" lvl="3" indent="0" algn="r" rtl="0">
+              <a:spcBef>
+                <a:spcPts val="0"/>
+              </a:spcBef>
+              <a:buNone/>
+              <a:defRPr sz="1200" b="0" i="0" u="none" strike="noStrike" cap="none">
                 <a:solidFill>
                   <a:srgbClr val="888888"/>
                 </a:solidFill>
@@ -10078,12 +10330,12 @@
                 <a:sym typeface="Calibri"/>
               </a:defRPr>
             </a:lvl4pPr>
-            <a:lvl5pPr indent="0" lvl="4" marL="0" marR="0" rtl="0" algn="r">
-              <a:spcBef>
-                <a:spcPts val="0"/>
-              </a:spcBef>
-              <a:buNone/>
-              <a:defRPr b="0" i="0" sz="1200" u="none" cap="none" strike="noStrike">
+            <a:lvl5pPr marL="0" marR="0" lvl="4" indent="0" algn="r" rtl="0">
+              <a:spcBef>
+                <a:spcPts val="0"/>
+              </a:spcBef>
+              <a:buNone/>
+              <a:defRPr sz="1200" b="0" i="0" u="none" strike="noStrike" cap="none">
                 <a:solidFill>
                   <a:srgbClr val="888888"/>
                 </a:solidFill>
@@ -10093,12 +10345,12 @@
                 <a:sym typeface="Calibri"/>
               </a:defRPr>
             </a:lvl5pPr>
-            <a:lvl6pPr indent="0" lvl="5" marL="0" marR="0" rtl="0" algn="r">
-              <a:spcBef>
-                <a:spcPts val="0"/>
-              </a:spcBef>
-              <a:buNone/>
-              <a:defRPr b="0" i="0" sz="1200" u="none" cap="none" strike="noStrike">
+            <a:lvl6pPr marL="0" marR="0" lvl="5" indent="0" algn="r" rtl="0">
+              <a:spcBef>
+                <a:spcPts val="0"/>
+              </a:spcBef>
+              <a:buNone/>
+              <a:defRPr sz="1200" b="0" i="0" u="none" strike="noStrike" cap="none">
                 <a:solidFill>
                   <a:srgbClr val="888888"/>
                 </a:solidFill>
@@ -10108,12 +10360,12 @@
                 <a:sym typeface="Calibri"/>
               </a:defRPr>
             </a:lvl6pPr>
-            <a:lvl7pPr indent="0" lvl="6" marL="0" marR="0" rtl="0" algn="r">
-              <a:spcBef>
-                <a:spcPts val="0"/>
-              </a:spcBef>
-              <a:buNone/>
-              <a:defRPr b="0" i="0" sz="1200" u="none" cap="none" strike="noStrike">
+            <a:lvl7pPr marL="0" marR="0" lvl="6" indent="0" algn="r" rtl="0">
+              <a:spcBef>
+                <a:spcPts val="0"/>
+              </a:spcBef>
+              <a:buNone/>
+              <a:defRPr sz="1200" b="0" i="0" u="none" strike="noStrike" cap="none">
                 <a:solidFill>
                   <a:srgbClr val="888888"/>
                 </a:solidFill>
@@ -10123,12 +10375,12 @@
                 <a:sym typeface="Calibri"/>
               </a:defRPr>
             </a:lvl7pPr>
-            <a:lvl8pPr indent="0" lvl="7" marL="0" marR="0" rtl="0" algn="r">
-              <a:spcBef>
-                <a:spcPts val="0"/>
-              </a:spcBef>
-              <a:buNone/>
-              <a:defRPr b="0" i="0" sz="1200" u="none" cap="none" strike="noStrike">
+            <a:lvl8pPr marL="0" marR="0" lvl="7" indent="0" algn="r" rtl="0">
+              <a:spcBef>
+                <a:spcPts val="0"/>
+              </a:spcBef>
+              <a:buNone/>
+              <a:defRPr sz="1200" b="0" i="0" u="none" strike="noStrike" cap="none">
                 <a:solidFill>
                   <a:srgbClr val="888888"/>
                 </a:solidFill>
@@ -10138,12 +10390,12 @@
                 <a:sym typeface="Calibri"/>
               </a:defRPr>
             </a:lvl8pPr>
-            <a:lvl9pPr indent="0" lvl="8" marL="0" marR="0" rtl="0" algn="r">
-              <a:spcBef>
-                <a:spcPts val="0"/>
-              </a:spcBef>
-              <a:buNone/>
-              <a:defRPr b="0" i="0" sz="1200" u="none" cap="none" strike="noStrike">
+            <a:lvl9pPr marL="0" marR="0" lvl="8" indent="0" algn="r" rtl="0">
+              <a:spcBef>
+                <a:spcPts val="0"/>
+              </a:spcBef>
+              <a:buNone/>
+              <a:defRPr sz="1200" b="0" i="0" u="none" strike="noStrike" cap="none">
                 <a:solidFill>
                   <a:srgbClr val="888888"/>
                 </a:solidFill>
@@ -10155,7 +10407,7 @@
             </a:lvl9pPr>
           </a:lstStyle>
           <a:p>
-            <a:pPr indent="0" lvl="0" marL="0" rtl="0" algn="r">
+            <a:pPr marL="0" lvl="0" indent="0" algn="r" rtl="0">
               <a:spcBef>
                 <a:spcPts val="0"/>
               </a:spcBef>
@@ -10174,7 +10426,7 @@
       </p:sp>
     </p:spTree>
   </p:cSld>
-  <p:clrMap accent1="accent1" accent2="accent2" accent3="accent3" accent4="accent4" accent5="accent5" accent6="accent6" bg1="lt1" bg2="dk2" tx1="dk1" tx2="lt2" folHlink="folHlink" hlink="hlink"/>
+  <p:clrMap bg1="lt1" tx1="dk1" bg2="dk2" tx2="lt2" accent1="accent1" accent2="accent2" accent3="accent3" accent4="accent4" accent5="accent5" accent6="accent6" hlink="hlink" folHlink="folHlink"/>
   <p:sldLayoutIdLst>
     <p:sldLayoutId id="2147483649" r:id="rId1"/>
     <p:sldLayoutId id="2147483650" r:id="rId2"/>
@@ -10188,10 +10440,10 @@
     <p:sldLayoutId id="2147483658" r:id="rId10"/>
     <p:sldLayoutId id="2147483659" r:id="rId11"/>
   </p:sldLayoutIdLst>
-  <p:hf dt="0" ftr="0" hdr="0" sldNum="0"/>
+  <p:hf sldNum="0" hdr="0" ftr="0" dt="0"/>
   <p:txStyles>
     <p:titleStyle>
-      <a:defPPr lvl="0" marR="0" rtl="0" algn="l">
+      <a:defPPr marR="0" lvl="0" algn="l" rtl="0">
         <a:lnSpc>
           <a:spcPct val="100000"/>
         </a:lnSpc>
@@ -10202,7 +10454,7 @@
           <a:spcPts val="0"/>
         </a:spcAft>
       </a:defPPr>
-      <a:lvl1pPr lvl="0" marR="0" rtl="0" algn="l">
+      <a:lvl1pPr marR="0" lvl="0" algn="l" rtl="0">
         <a:lnSpc>
           <a:spcPct val="100000"/>
         </a:lnSpc>
@@ -10216,7 +10468,7 @@
           <a:srgbClr val="000000"/>
         </a:buClr>
         <a:buFont typeface="Arial"/>
-        <a:defRPr b="0" i="0" sz="1400" u="none" cap="none" strike="noStrike">
+        <a:defRPr sz="1400" b="0" i="0" u="none" strike="noStrike" cap="none">
           <a:solidFill>
             <a:srgbClr val="000000"/>
           </a:solidFill>
@@ -10226,7 +10478,7 @@
           <a:sym typeface="Arial"/>
         </a:defRPr>
       </a:lvl1pPr>
-      <a:lvl2pPr lvl="1" marR="0" rtl="0" algn="l">
+      <a:lvl2pPr marR="0" lvl="1" algn="l" rtl="0">
         <a:lnSpc>
           <a:spcPct val="100000"/>
         </a:lnSpc>
@@ -10240,7 +10492,7 @@
           <a:srgbClr val="000000"/>
         </a:buClr>
         <a:buFont typeface="Arial"/>
-        <a:defRPr b="0" i="0" sz="1400" u="none" cap="none" strike="noStrike">
+        <a:defRPr sz="1400" b="0" i="0" u="none" strike="noStrike" cap="none">
           <a:solidFill>
             <a:srgbClr val="000000"/>
           </a:solidFill>
@@ -10250,7 +10502,7 @@
           <a:sym typeface="Arial"/>
         </a:defRPr>
       </a:lvl2pPr>
-      <a:lvl3pPr lvl="2" marR="0" rtl="0" algn="l">
+      <a:lvl3pPr marR="0" lvl="2" algn="l" rtl="0">
         <a:lnSpc>
           <a:spcPct val="100000"/>
         </a:lnSpc>
@@ -10264,7 +10516,7 @@
           <a:srgbClr val="000000"/>
         </a:buClr>
         <a:buFont typeface="Arial"/>
-        <a:defRPr b="0" i="0" sz="1400" u="none" cap="none" strike="noStrike">
+        <a:defRPr sz="1400" b="0" i="0" u="none" strike="noStrike" cap="none">
           <a:solidFill>
             <a:srgbClr val="000000"/>
           </a:solidFill>
@@ -10274,7 +10526,7 @@
           <a:sym typeface="Arial"/>
         </a:defRPr>
       </a:lvl3pPr>
-      <a:lvl4pPr lvl="3" marR="0" rtl="0" algn="l">
+      <a:lvl4pPr marR="0" lvl="3" algn="l" rtl="0">
         <a:lnSpc>
           <a:spcPct val="100000"/>
         </a:lnSpc>
@@ -10288,7 +10540,7 @@
           <a:srgbClr val="000000"/>
         </a:buClr>
         <a:buFont typeface="Arial"/>
-        <a:defRPr b="0" i="0" sz="1400" u="none" cap="none" strike="noStrike">
+        <a:defRPr sz="1400" b="0" i="0" u="none" strike="noStrike" cap="none">
           <a:solidFill>
             <a:srgbClr val="000000"/>
           </a:solidFill>
@@ -10298,7 +10550,7 @@
           <a:sym typeface="Arial"/>
         </a:defRPr>
       </a:lvl4pPr>
-      <a:lvl5pPr lvl="4" marR="0" rtl="0" algn="l">
+      <a:lvl5pPr marR="0" lvl="4" algn="l" rtl="0">
         <a:lnSpc>
           <a:spcPct val="100000"/>
         </a:lnSpc>
@@ -10312,7 +10564,7 @@
           <a:srgbClr val="000000"/>
         </a:buClr>
         <a:buFont typeface="Arial"/>
-        <a:defRPr b="0" i="0" sz="1400" u="none" cap="none" strike="noStrike">
+        <a:defRPr sz="1400" b="0" i="0" u="none" strike="noStrike" cap="none">
           <a:solidFill>
             <a:srgbClr val="000000"/>
           </a:solidFill>
@@ -10322,7 +10574,7 @@
           <a:sym typeface="Arial"/>
         </a:defRPr>
       </a:lvl5pPr>
-      <a:lvl6pPr lvl="5" marR="0" rtl="0" algn="l">
+      <a:lvl6pPr marR="0" lvl="5" algn="l" rtl="0">
         <a:lnSpc>
           <a:spcPct val="100000"/>
         </a:lnSpc>
@@ -10336,7 +10588,7 @@
           <a:srgbClr val="000000"/>
         </a:buClr>
         <a:buFont typeface="Arial"/>
-        <a:defRPr b="0" i="0" sz="1400" u="none" cap="none" strike="noStrike">
+        <a:defRPr sz="1400" b="0" i="0" u="none" strike="noStrike" cap="none">
           <a:solidFill>
             <a:srgbClr val="000000"/>
           </a:solidFill>
@@ -10346,7 +10598,7 @@
           <a:sym typeface="Arial"/>
         </a:defRPr>
       </a:lvl6pPr>
-      <a:lvl7pPr lvl="6" marR="0" rtl="0" algn="l">
+      <a:lvl7pPr marR="0" lvl="6" algn="l" rtl="0">
         <a:lnSpc>
           <a:spcPct val="100000"/>
         </a:lnSpc>
@@ -10360,7 +10612,7 @@
           <a:srgbClr val="000000"/>
         </a:buClr>
         <a:buFont typeface="Arial"/>
-        <a:defRPr b="0" i="0" sz="1400" u="none" cap="none" strike="noStrike">
+        <a:defRPr sz="1400" b="0" i="0" u="none" strike="noStrike" cap="none">
           <a:solidFill>
             <a:srgbClr val="000000"/>
           </a:solidFill>
@@ -10370,7 +10622,7 @@
           <a:sym typeface="Arial"/>
         </a:defRPr>
       </a:lvl7pPr>
-      <a:lvl8pPr lvl="7" marR="0" rtl="0" algn="l">
+      <a:lvl8pPr marR="0" lvl="7" algn="l" rtl="0">
         <a:lnSpc>
           <a:spcPct val="100000"/>
         </a:lnSpc>
@@ -10384,7 +10636,7 @@
           <a:srgbClr val="000000"/>
         </a:buClr>
         <a:buFont typeface="Arial"/>
-        <a:defRPr b="0" i="0" sz="1400" u="none" cap="none" strike="noStrike">
+        <a:defRPr sz="1400" b="0" i="0" u="none" strike="noStrike" cap="none">
           <a:solidFill>
             <a:srgbClr val="000000"/>
           </a:solidFill>
@@ -10394,7 +10646,7 @@
           <a:sym typeface="Arial"/>
         </a:defRPr>
       </a:lvl8pPr>
-      <a:lvl9pPr lvl="8" marR="0" rtl="0" algn="l">
+      <a:lvl9pPr marR="0" lvl="8" algn="l" rtl="0">
         <a:lnSpc>
           <a:spcPct val="100000"/>
         </a:lnSpc>
@@ -10408,7 +10660,7 @@
           <a:srgbClr val="000000"/>
         </a:buClr>
         <a:buFont typeface="Arial"/>
-        <a:defRPr b="0" i="0" sz="1400" u="none" cap="none" strike="noStrike">
+        <a:defRPr sz="1400" b="0" i="0" u="none" strike="noStrike" cap="none">
           <a:solidFill>
             <a:srgbClr val="000000"/>
           </a:solidFill>
@@ -10420,7 +10672,7 @@
       </a:lvl9pPr>
     </p:titleStyle>
     <p:bodyStyle>
-      <a:defPPr lvl="0" marR="0" rtl="0" algn="l">
+      <a:defPPr marR="0" lvl="0" algn="l" rtl="0">
         <a:lnSpc>
           <a:spcPct val="100000"/>
         </a:lnSpc>
@@ -10431,7 +10683,7 @@
           <a:spcPts val="0"/>
         </a:spcAft>
       </a:defPPr>
-      <a:lvl1pPr lvl="0" marR="0" rtl="0" algn="l">
+      <a:lvl1pPr marR="0" lvl="0" algn="l" rtl="0">
         <a:lnSpc>
           <a:spcPct val="100000"/>
         </a:lnSpc>
@@ -10445,7 +10697,7 @@
           <a:srgbClr val="000000"/>
         </a:buClr>
         <a:buFont typeface="Arial"/>
-        <a:defRPr b="0" i="0" sz="1400" u="none" cap="none" strike="noStrike">
+        <a:defRPr sz="1400" b="0" i="0" u="none" strike="noStrike" cap="none">
           <a:solidFill>
             <a:srgbClr val="000000"/>
           </a:solidFill>
@@ -10455,7 +10707,7 @@
           <a:sym typeface="Arial"/>
         </a:defRPr>
       </a:lvl1pPr>
-      <a:lvl2pPr lvl="1" marR="0" rtl="0" algn="l">
+      <a:lvl2pPr marR="0" lvl="1" algn="l" rtl="0">
         <a:lnSpc>
           <a:spcPct val="100000"/>
         </a:lnSpc>
@@ -10469,7 +10721,7 @@
           <a:srgbClr val="000000"/>
         </a:buClr>
         <a:buFont typeface="Arial"/>
-        <a:defRPr b="0" i="0" sz="1400" u="none" cap="none" strike="noStrike">
+        <a:defRPr sz="1400" b="0" i="0" u="none" strike="noStrike" cap="none">
           <a:solidFill>
             <a:srgbClr val="000000"/>
           </a:solidFill>
@@ -10479,7 +10731,7 @@
           <a:sym typeface="Arial"/>
         </a:defRPr>
       </a:lvl2pPr>
-      <a:lvl3pPr lvl="2" marR="0" rtl="0" algn="l">
+      <a:lvl3pPr marR="0" lvl="2" algn="l" rtl="0">
         <a:lnSpc>
           <a:spcPct val="100000"/>
         </a:lnSpc>
@@ -10493,7 +10745,7 @@
           <a:srgbClr val="000000"/>
         </a:buClr>
         <a:buFont typeface="Arial"/>
-        <a:defRPr b="0" i="0" sz="1400" u="none" cap="none" strike="noStrike">
+        <a:defRPr sz="1400" b="0" i="0" u="none" strike="noStrike" cap="none">
           <a:solidFill>
             <a:srgbClr val="000000"/>
           </a:solidFill>
@@ -10503,7 +10755,7 @@
           <a:sym typeface="Arial"/>
         </a:defRPr>
       </a:lvl3pPr>
-      <a:lvl4pPr lvl="3" marR="0" rtl="0" algn="l">
+      <a:lvl4pPr marR="0" lvl="3" algn="l" rtl="0">
         <a:lnSpc>
           <a:spcPct val="100000"/>
         </a:lnSpc>
@@ -10517,7 +10769,7 @@
           <a:srgbClr val="000000"/>
         </a:buClr>
         <a:buFont typeface="Arial"/>
-        <a:defRPr b="0" i="0" sz="1400" u="none" cap="none" strike="noStrike">
+        <a:defRPr sz="1400" b="0" i="0" u="none" strike="noStrike" cap="none">
           <a:solidFill>
             <a:srgbClr val="000000"/>
           </a:solidFill>
@@ -10527,7 +10779,7 @@
           <a:sym typeface="Arial"/>
         </a:defRPr>
       </a:lvl4pPr>
-      <a:lvl5pPr lvl="4" marR="0" rtl="0" algn="l">
+      <a:lvl5pPr marR="0" lvl="4" algn="l" rtl="0">
         <a:lnSpc>
           <a:spcPct val="100000"/>
         </a:lnSpc>
@@ -10541,7 +10793,7 @@
           <a:srgbClr val="000000"/>
         </a:buClr>
         <a:buFont typeface="Arial"/>
-        <a:defRPr b="0" i="0" sz="1400" u="none" cap="none" strike="noStrike">
+        <a:defRPr sz="1400" b="0" i="0" u="none" strike="noStrike" cap="none">
           <a:solidFill>
             <a:srgbClr val="000000"/>
           </a:solidFill>
@@ -10551,7 +10803,7 @@
           <a:sym typeface="Arial"/>
         </a:defRPr>
       </a:lvl5pPr>
-      <a:lvl6pPr lvl="5" marR="0" rtl="0" algn="l">
+      <a:lvl6pPr marR="0" lvl="5" algn="l" rtl="0">
         <a:lnSpc>
           <a:spcPct val="100000"/>
         </a:lnSpc>
@@ -10565,7 +10817,7 @@
           <a:srgbClr val="000000"/>
         </a:buClr>
         <a:buFont typeface="Arial"/>
-        <a:defRPr b="0" i="0" sz="1400" u="none" cap="none" strike="noStrike">
+        <a:defRPr sz="1400" b="0" i="0" u="none" strike="noStrike" cap="none">
           <a:solidFill>
             <a:srgbClr val="000000"/>
           </a:solidFill>
@@ -10575,7 +10827,7 @@
           <a:sym typeface="Arial"/>
         </a:defRPr>
       </a:lvl6pPr>
-      <a:lvl7pPr lvl="6" marR="0" rtl="0" algn="l">
+      <a:lvl7pPr marR="0" lvl="6" algn="l" rtl="0">
         <a:lnSpc>
           <a:spcPct val="100000"/>
         </a:lnSpc>
@@ -10589,7 +10841,7 @@
           <a:srgbClr val="000000"/>
         </a:buClr>
         <a:buFont typeface="Arial"/>
-        <a:defRPr b="0" i="0" sz="1400" u="none" cap="none" strike="noStrike">
+        <a:defRPr sz="1400" b="0" i="0" u="none" strike="noStrike" cap="none">
           <a:solidFill>
             <a:srgbClr val="000000"/>
           </a:solidFill>
@@ -10599,7 +10851,7 @@
           <a:sym typeface="Arial"/>
         </a:defRPr>
       </a:lvl7pPr>
-      <a:lvl8pPr lvl="7" marR="0" rtl="0" algn="l">
+      <a:lvl8pPr marR="0" lvl="7" algn="l" rtl="0">
         <a:lnSpc>
           <a:spcPct val="100000"/>
         </a:lnSpc>
@@ -10613,7 +10865,7 @@
           <a:srgbClr val="000000"/>
         </a:buClr>
         <a:buFont typeface="Arial"/>
-        <a:defRPr b="0" i="0" sz="1400" u="none" cap="none" strike="noStrike">
+        <a:defRPr sz="1400" b="0" i="0" u="none" strike="noStrike" cap="none">
           <a:solidFill>
             <a:srgbClr val="000000"/>
           </a:solidFill>
@@ -10623,7 +10875,7 @@
           <a:sym typeface="Arial"/>
         </a:defRPr>
       </a:lvl8pPr>
-      <a:lvl9pPr lvl="8" marR="0" rtl="0" algn="l">
+      <a:lvl9pPr marR="0" lvl="8" algn="l" rtl="0">
         <a:lnSpc>
           <a:spcPct val="100000"/>
         </a:lnSpc>
@@ -10637,7 +10889,7 @@
           <a:srgbClr val="000000"/>
         </a:buClr>
         <a:buFont typeface="Arial"/>
-        <a:defRPr b="0" i="0" sz="1400" u="none" cap="none" strike="noStrike">
+        <a:defRPr sz="1400" b="0" i="0" u="none" strike="noStrike" cap="none">
           <a:solidFill>
             <a:srgbClr val="000000"/>
           </a:solidFill>
@@ -10649,7 +10901,7 @@
       </a:lvl9pPr>
     </p:bodyStyle>
     <p:otherStyle>
-      <a:defPPr lvl="0" marR="0" rtl="0" algn="l">
+      <a:defPPr marR="0" lvl="0" algn="l" rtl="0">
         <a:lnSpc>
           <a:spcPct val="100000"/>
         </a:lnSpc>
@@ -10660,7 +10912,7 @@
           <a:spcPts val="0"/>
         </a:spcAft>
       </a:defPPr>
-      <a:lvl1pPr lvl="0" marR="0" rtl="0" algn="l">
+      <a:lvl1pPr marR="0" lvl="0" algn="l" rtl="0">
         <a:lnSpc>
           <a:spcPct val="100000"/>
         </a:lnSpc>
@@ -10674,7 +10926,7 @@
           <a:srgbClr val="000000"/>
         </a:buClr>
         <a:buFont typeface="Arial"/>
-        <a:defRPr b="0" i="0" sz="1400" u="none" cap="none" strike="noStrike">
+        <a:defRPr sz="1400" b="0" i="0" u="none" strike="noStrike" cap="none">
           <a:solidFill>
             <a:srgbClr val="000000"/>
           </a:solidFill>
@@ -10684,7 +10936,7 @@
           <a:sym typeface="Arial"/>
         </a:defRPr>
       </a:lvl1pPr>
-      <a:lvl2pPr lvl="1" marR="0" rtl="0" algn="l">
+      <a:lvl2pPr marR="0" lvl="1" algn="l" rtl="0">
         <a:lnSpc>
           <a:spcPct val="100000"/>
         </a:lnSpc>
@@ -10698,7 +10950,7 @@
           <a:srgbClr val="000000"/>
         </a:buClr>
         <a:buFont typeface="Arial"/>
-        <a:defRPr b="0" i="0" sz="1400" u="none" cap="none" strike="noStrike">
+        <a:defRPr sz="1400" b="0" i="0" u="none" strike="noStrike" cap="none">
           <a:solidFill>
             <a:srgbClr val="000000"/>
           </a:solidFill>
@@ -10708,7 +10960,7 @@
           <a:sym typeface="Arial"/>
         </a:defRPr>
       </a:lvl2pPr>
-      <a:lvl3pPr lvl="2" marR="0" rtl="0" algn="l">
+      <a:lvl3pPr marR="0" lvl="2" algn="l" rtl="0">
         <a:lnSpc>
           <a:spcPct val="100000"/>
         </a:lnSpc>
@@ -10722,7 +10974,7 @@
           <a:srgbClr val="000000"/>
         </a:buClr>
         <a:buFont typeface="Arial"/>
-        <a:defRPr b="0" i="0" sz="1400" u="none" cap="none" strike="noStrike">
+        <a:defRPr sz="1400" b="0" i="0" u="none" strike="noStrike" cap="none">
           <a:solidFill>
             <a:srgbClr val="000000"/>
           </a:solidFill>
@@ -10732,7 +10984,7 @@
           <a:sym typeface="Arial"/>
         </a:defRPr>
       </a:lvl3pPr>
-      <a:lvl4pPr lvl="3" marR="0" rtl="0" algn="l">
+      <a:lvl4pPr marR="0" lvl="3" algn="l" rtl="0">
         <a:lnSpc>
           <a:spcPct val="100000"/>
         </a:lnSpc>
@@ -10746,7 +10998,7 @@
           <a:srgbClr val="000000"/>
         </a:buClr>
         <a:buFont typeface="Arial"/>
-        <a:defRPr b="0" i="0" sz="1400" u="none" cap="none" strike="noStrike">
+        <a:defRPr sz="1400" b="0" i="0" u="none" strike="noStrike" cap="none">
           <a:solidFill>
             <a:srgbClr val="000000"/>
           </a:solidFill>
@@ -10756,7 +11008,7 @@
           <a:sym typeface="Arial"/>
         </a:defRPr>
       </a:lvl4pPr>
-      <a:lvl5pPr lvl="4" marR="0" rtl="0" algn="l">
+      <a:lvl5pPr marR="0" lvl="4" algn="l" rtl="0">
         <a:lnSpc>
           <a:spcPct val="100000"/>
         </a:lnSpc>
@@ -10770,7 +11022,7 @@
           <a:srgbClr val="000000"/>
         </a:buClr>
         <a:buFont typeface="Arial"/>
-        <a:defRPr b="0" i="0" sz="1400" u="none" cap="none" strike="noStrike">
+        <a:defRPr sz="1400" b="0" i="0" u="none" strike="noStrike" cap="none">
           <a:solidFill>
             <a:srgbClr val="000000"/>
           </a:solidFill>
@@ -10780,7 +11032,7 @@
           <a:sym typeface="Arial"/>
         </a:defRPr>
       </a:lvl5pPr>
-      <a:lvl6pPr lvl="5" marR="0" rtl="0" algn="l">
+      <a:lvl6pPr marR="0" lvl="5" algn="l" rtl="0">
         <a:lnSpc>
           <a:spcPct val="100000"/>
         </a:lnSpc>
@@ -10794,7 +11046,7 @@
           <a:srgbClr val="000000"/>
         </a:buClr>
         <a:buFont typeface="Arial"/>
-        <a:defRPr b="0" i="0" sz="1400" u="none" cap="none" strike="noStrike">
+        <a:defRPr sz="1400" b="0" i="0" u="none" strike="noStrike" cap="none">
           <a:solidFill>
             <a:srgbClr val="000000"/>
           </a:solidFill>
@@ -10804,7 +11056,7 @@
           <a:sym typeface="Arial"/>
         </a:defRPr>
       </a:lvl6pPr>
-      <a:lvl7pPr lvl="6" marR="0" rtl="0" algn="l">
+      <a:lvl7pPr marR="0" lvl="6" algn="l" rtl="0">
         <a:lnSpc>
           <a:spcPct val="100000"/>
         </a:lnSpc>
@@ -10818,7 +11070,7 @@
           <a:srgbClr val="000000"/>
         </a:buClr>
         <a:buFont typeface="Arial"/>
-        <a:defRPr b="0" i="0" sz="1400" u="none" cap="none" strike="noStrike">
+        <a:defRPr sz="1400" b="0" i="0" u="none" strike="noStrike" cap="none">
           <a:solidFill>
             <a:srgbClr val="000000"/>
           </a:solidFill>
@@ -10828,7 +11080,7 @@
           <a:sym typeface="Arial"/>
         </a:defRPr>
       </a:lvl7pPr>
-      <a:lvl8pPr lvl="7" marR="0" rtl="0" algn="l">
+      <a:lvl8pPr marR="0" lvl="7" algn="l" rtl="0">
         <a:lnSpc>
           <a:spcPct val="100000"/>
         </a:lnSpc>
@@ -10842,7 +11094,7 @@
           <a:srgbClr val="000000"/>
         </a:buClr>
         <a:buFont typeface="Arial"/>
-        <a:defRPr b="0" i="0" sz="1400" u="none" cap="none" strike="noStrike">
+        <a:defRPr sz="1400" b="0" i="0" u="none" strike="noStrike" cap="none">
           <a:solidFill>
             <a:srgbClr val="000000"/>
           </a:solidFill>
@@ -10852,7 +11104,7 @@
           <a:sym typeface="Arial"/>
         </a:defRPr>
       </a:lvl8pPr>
-      <a:lvl9pPr lvl="8" marR="0" rtl="0" algn="l">
+      <a:lvl9pPr marR="0" lvl="8" algn="l" rtl="0">
         <a:lnSpc>
           <a:spcPct val="100000"/>
         </a:lnSpc>
@@ -10866,7 +11118,7 @@
           <a:srgbClr val="000000"/>
         </a:buClr>
         <a:buFont typeface="Arial"/>
-        <a:defRPr b="0" i="0" sz="1400" u="none" cap="none" strike="noStrike">
+        <a:defRPr sz="1400" b="0" i="0" u="none" strike="noStrike" cap="none">
           <a:solidFill>
             <a:srgbClr val="000000"/>
           </a:solidFill>
@@ -10882,11 +11134,11 @@
 </file>
 
 <file path=ppt/slides/slide1.xml><?xml version="1.0" encoding="utf-8"?>
-<p:sld xmlns:a="http://schemas.openxmlformats.org/drawingml/2006/main" xmlns:r="http://schemas.openxmlformats.org/officeDocument/2006/relationships" xmlns:mc="http://schemas.openxmlformats.org/markup-compatibility/2006" xmlns:mv="urn:schemas-microsoft-com:mac:vml" xmlns:p="http://schemas.openxmlformats.org/presentationml/2006/main" xmlns:c="http://schemas.openxmlformats.org/drawingml/2006/chart" xmlns:dgm="http://schemas.openxmlformats.org/drawingml/2006/diagram" xmlns:o="urn:schemas-microsoft-com:office:office" xmlns:v="urn:schemas-microsoft-com:vml" xmlns:pvml="urn:schemas-microsoft-com:office:powerpoint" xmlns:com="http://schemas.openxmlformats.org/drawingml/2006/compatibility" xmlns:p14="http://schemas.microsoft.com/office/powerpoint/2010/main" xmlns:p15="http://schemas.microsoft.com/office/powerpoint/2012/main" xmlns:ahyp="http://schemas.microsoft.com/office/drawing/2018/hyperlinkcolor">
+<p:sld xmlns:a="http://schemas.openxmlformats.org/drawingml/2006/main" xmlns:r="http://schemas.openxmlformats.org/officeDocument/2006/relationships" xmlns:p="http://schemas.openxmlformats.org/presentationml/2006/main">
   <p:cSld>
     <p:spTree>
       <p:nvGrpSpPr>
-        <p:cNvPr id="83" name="Shape 83"/>
+        <p:cNvPr id="1" name="Shape 83"/>
         <p:cNvGrpSpPr/>
         <p:nvPr/>
       </p:nvGrpSpPr>
@@ -10922,7 +11174,7 @@
             <a:blip r:embed="rId3">
               <a:alphaModFix/>
             </a:blip>
-            <a:srcRect b="17317" l="23510" r="13318" t="29751"/>
+            <a:srcRect l="23510" t="29751" r="13318" b="17317"/>
             <a:stretch/>
           </p:blipFill>
           <p:spPr>
@@ -10966,23 +11218,23 @@
               </a:gsLst>
               <a:lin ang="16200000" scaled="0"/>
             </a:gradFill>
-            <a:ln cap="flat" cmpd="sng" w="12700">
+            <a:ln w="12700" cap="flat" cmpd="sng">
               <a:solidFill>
                 <a:srgbClr val="31538F"/>
               </a:solidFill>
               <a:prstDash val="solid"/>
               <a:miter lim="800000"/>
-              <a:headEnd len="sm" w="sm" type="none"/>
-              <a:tailEnd len="sm" w="sm" type="none"/>
+              <a:headEnd type="none" w="sm" len="sm"/>
+              <a:tailEnd type="none" w="sm" len="sm"/>
             </a:ln>
           </p:spPr>
           <p:txBody>
-            <a:bodyPr anchorCtr="0" anchor="ctr" bIns="45700" lIns="91425" spcFirstLastPara="1" rIns="91425" wrap="square" tIns="45700">
+            <a:bodyPr spcFirstLastPara="1" wrap="square" lIns="91425" tIns="45700" rIns="91425" bIns="45700" anchor="ctr" anchorCtr="0">
               <a:noAutofit/>
             </a:bodyPr>
             <a:lstStyle/>
             <a:p>
-              <a:pPr indent="0" lvl="0" marL="0" marR="0" rtl="0" algn="ctr">
+              <a:pPr marL="0" marR="0" lvl="0" indent="0" algn="ctr" rtl="0">
                 <a:spcBef>
                   <a:spcPts val="0"/>
                 </a:spcBef>
@@ -10991,10 +11243,7 @@
                 </a:spcAft>
                 <a:buNone/>
               </a:pPr>
-              <a:r>
-                <a:t/>
-              </a:r>
-              <a:endParaRPr b="0" i="0" sz="1800" u="none" cap="none" strike="noStrike">
+              <a:endParaRPr sz="1800" b="0" i="0" u="none" strike="noStrike" cap="none">
                 <a:solidFill>
                   <a:srgbClr val="3F831C"/>
                 </a:solidFill>
@@ -11009,7 +11258,7 @@
       </p:grpSp>
       <p:pic>
         <p:nvPicPr>
-          <p:cNvPr descr="Shape&#10;&#10;Description automatically generated" id="87" name="Google Shape;87;p1"/>
+          <p:cNvPr id="87" name="Google Shape;87;p1" descr="Shape&#10;&#10;Description automatically generated"/>
           <p:cNvPicPr preferRelativeResize="0"/>
           <p:nvPr/>
         </p:nvPicPr>
@@ -11017,7 +11266,7 @@
           <a:blip r:embed="rId4">
             <a:alphaModFix/>
           </a:blip>
-          <a:srcRect b="0" l="50000" r="0" t="40816"/>
+          <a:srcRect l="50000" t="40816"/>
           <a:stretch/>
         </p:blipFill>
         <p:spPr>
@@ -11067,7 +11316,7 @@
               <a:noFill/>
             </a:ln>
             <a:effectLst>
-              <a:outerShdw blurRad="63500" rotWithShape="0" algn="ctr" dir="5400000" dist="50800">
+              <a:outerShdw blurRad="63500" dist="50800" dir="5400000" algn="ctr" rotWithShape="0">
                 <a:srgbClr val="000000">
                   <a:alpha val="20000"/>
                 </a:srgbClr>
@@ -11075,12 +11324,12 @@
             </a:effectLst>
           </p:spPr>
           <p:txBody>
-            <a:bodyPr anchorCtr="0" anchor="t" bIns="45700" lIns="91425" spcFirstLastPara="1" rIns="91425" wrap="square" tIns="45700">
+            <a:bodyPr spcFirstLastPara="1" wrap="square" lIns="91425" tIns="45700" rIns="91425" bIns="45700" anchor="t" anchorCtr="0">
               <a:spAutoFit/>
             </a:bodyPr>
             <a:lstStyle/>
             <a:p>
-              <a:pPr indent="0" lvl="0" marL="0" marR="0" rtl="0" algn="l">
+              <a:pPr marL="0" marR="0" lvl="0" indent="0" algn="l" rtl="0">
                 <a:spcBef>
                   <a:spcPts val="0"/>
                 </a:spcBef>
@@ -11090,7 +11339,7 @@
                 <a:buNone/>
               </a:pPr>
               <a:r>
-                <a:rPr b="1" i="0" lang="en-US" sz="4500" u="none" cap="none" strike="noStrike">
+                <a:rPr lang="en-US" sz="4500" b="1" i="0" u="none" strike="noStrike" cap="none">
                   <a:solidFill>
                     <a:schemeClr val="lt1"/>
                   </a:solidFill>
@@ -11101,7 +11350,7 @@
                 </a:rPr>
                 <a:t>(HF-TRANSFORMER)</a:t>
               </a:r>
-              <a:endParaRPr b="1" sz="4500">
+              <a:endParaRPr sz="4500" b="1">
                 <a:solidFill>
                   <a:schemeClr val="lt1"/>
                 </a:solidFill>
@@ -11115,7 +11364,7 @@
         </p:sp>
         <p:pic>
           <p:nvPicPr>
-            <p:cNvPr descr="Logo&#10;&#10;Description automatically generated with medium confidence" id="90" name="Google Shape;90;p1"/>
+            <p:cNvPr id="90" name="Google Shape;90;p1" descr="Logo&#10;&#10;Description automatically generated with medium confidence"/>
             <p:cNvPicPr preferRelativeResize="0"/>
             <p:nvPr/>
           </p:nvPicPr>
@@ -11123,7 +11372,7 @@
             <a:blip r:embed="rId5">
               <a:alphaModFix/>
             </a:blip>
-            <a:srcRect b="0" l="0" r="0" t="0"/>
+            <a:srcRect/>
             <a:stretch/>
           </p:blipFill>
           <p:spPr>
@@ -11160,12 +11409,12 @@
             </a:ln>
           </p:spPr>
           <p:txBody>
-            <a:bodyPr anchorCtr="0" anchor="t" bIns="45700" lIns="91425" spcFirstLastPara="1" rIns="91425" wrap="square" tIns="45700">
+            <a:bodyPr spcFirstLastPara="1" wrap="square" lIns="91425" tIns="45700" rIns="91425" bIns="45700" anchor="t" anchorCtr="0">
               <a:spAutoFit/>
             </a:bodyPr>
             <a:lstStyle/>
             <a:p>
-              <a:pPr indent="0" lvl="0" marL="0" marR="0" rtl="0" algn="l">
+              <a:pPr marL="0" marR="0" lvl="0" indent="0" algn="l" rtl="0">
                 <a:spcBef>
                   <a:spcPts val="0"/>
                 </a:spcBef>
@@ -11175,7 +11424,7 @@
                 <a:buNone/>
               </a:pPr>
               <a:r>
-                <a:rPr i="1" lang="en-US" sz="2400">
+                <a:rPr lang="en-US" sz="2400" i="1">
                   <a:solidFill>
                     <a:schemeClr val="lt1"/>
                   </a:solidFill>
@@ -11186,7 +11435,7 @@
                 </a:rPr>
                 <a:t>(Text Classification/Universitas Indonesia/Ahmad Ihsan Farhani) </a:t>
               </a:r>
-              <a:endParaRPr b="0" i="1" sz="2400" u="none" cap="none" strike="noStrike">
+              <a:endParaRPr sz="2400" b="0" i="1" u="none" strike="noStrike" cap="none">
                 <a:solidFill>
                   <a:schemeClr val="lt1"/>
                 </a:solidFill>
@@ -11201,7 +11450,7 @@
       </p:grpSp>
       <p:pic>
         <p:nvPicPr>
-          <p:cNvPr descr="Shape&#10;&#10;Description automatically generated with medium confidence" id="92" name="Google Shape;92;p1"/>
+          <p:cNvPr id="92" name="Google Shape;92;p1" descr="Shape&#10;&#10;Description automatically generated with medium confidence"/>
           <p:cNvPicPr preferRelativeResize="0"/>
           <p:nvPr/>
         </p:nvPicPr>
@@ -11209,7 +11458,7 @@
           <a:blip r:embed="rId6">
             <a:alphaModFix/>
           </a:blip>
-          <a:srcRect b="0" l="0" r="0" t="0"/>
+          <a:srcRect/>
           <a:stretch/>
         </p:blipFill>
         <p:spPr>
@@ -11235,11 +11484,11 @@
 </file>
 
 <file path=ppt/slides/slide2.xml><?xml version="1.0" encoding="utf-8"?>
-<p:sld xmlns:a="http://schemas.openxmlformats.org/drawingml/2006/main" xmlns:r="http://schemas.openxmlformats.org/officeDocument/2006/relationships" xmlns:mc="http://schemas.openxmlformats.org/markup-compatibility/2006" xmlns:mv="urn:schemas-microsoft-com:mac:vml" xmlns:p="http://schemas.openxmlformats.org/presentationml/2006/main" xmlns:c="http://schemas.openxmlformats.org/drawingml/2006/chart" xmlns:dgm="http://schemas.openxmlformats.org/drawingml/2006/diagram" xmlns:o="urn:schemas-microsoft-com:office:office" xmlns:v="urn:schemas-microsoft-com:vml" xmlns:pvml="urn:schemas-microsoft-com:office:powerpoint" xmlns:com="http://schemas.openxmlformats.org/drawingml/2006/compatibility" xmlns:p14="http://schemas.microsoft.com/office/powerpoint/2010/main" xmlns:p15="http://schemas.microsoft.com/office/powerpoint/2012/main" xmlns:ahyp="http://schemas.microsoft.com/office/drawing/2018/hyperlinkcolor">
+<p:sld xmlns:a="http://schemas.openxmlformats.org/drawingml/2006/main" xmlns:r="http://schemas.openxmlformats.org/officeDocument/2006/relationships" xmlns:p="http://schemas.openxmlformats.org/presentationml/2006/main">
   <p:cSld>
     <p:spTree>
       <p:nvGrpSpPr>
-        <p:cNvPr id="96" name="Shape 96"/>
+        <p:cNvPr id="1" name="Shape 96"/>
         <p:cNvGrpSpPr/>
         <p:nvPr/>
       </p:nvGrpSpPr>
@@ -11275,7 +11524,7 @@
             <a:blip r:embed="rId3">
               <a:alphaModFix/>
             </a:blip>
-            <a:srcRect b="17317" l="23510" r="13318" t="29751"/>
+            <a:srcRect l="23510" t="29751" r="13318" b="17317"/>
             <a:stretch/>
           </p:blipFill>
           <p:spPr>
@@ -11321,23 +11570,23 @@
               </a:gsLst>
               <a:lin ang="16200000" scaled="0"/>
             </a:gradFill>
-            <a:ln cap="flat" cmpd="sng" w="12700">
+            <a:ln w="12700" cap="flat" cmpd="sng">
               <a:solidFill>
                 <a:srgbClr val="31538F"/>
               </a:solidFill>
               <a:prstDash val="solid"/>
               <a:miter lim="800000"/>
-              <a:headEnd len="sm" w="sm" type="none"/>
-              <a:tailEnd len="sm" w="sm" type="none"/>
+              <a:headEnd type="none" w="sm" len="sm"/>
+              <a:tailEnd type="none" w="sm" len="sm"/>
             </a:ln>
           </p:spPr>
           <p:txBody>
-            <a:bodyPr anchorCtr="0" anchor="ctr" bIns="45700" lIns="91425" spcFirstLastPara="1" rIns="91425" wrap="square" tIns="45700">
+            <a:bodyPr spcFirstLastPara="1" wrap="square" lIns="91425" tIns="45700" rIns="91425" bIns="45700" anchor="ctr" anchorCtr="0">
               <a:noAutofit/>
             </a:bodyPr>
             <a:lstStyle/>
             <a:p>
-              <a:pPr indent="0" lvl="0" marL="0" marR="0" rtl="0" algn="ctr">
+              <a:pPr marL="0" marR="0" lvl="0" indent="0" algn="ctr" rtl="0">
                 <a:spcBef>
                   <a:spcPts val="0"/>
                 </a:spcBef>
@@ -11346,9 +11595,6 @@
                 </a:spcAft>
                 <a:buNone/>
               </a:pPr>
-              <a:r>
-                <a:t/>
-              </a:r>
               <a:endParaRPr sz="1800">
                 <a:solidFill>
                   <a:srgbClr val="3F831C"/>
@@ -11393,7 +11639,7 @@
             <a:noFill/>
           </a:ln>
           <a:effectLst>
-            <a:outerShdw blurRad="342900" sx="97000" rotWithShape="0" algn="ctr" dir="6900000" dist="50800" sy="97000">
+            <a:outerShdw blurRad="342900" dist="50800" dir="6900000" sx="97000" sy="97000" algn="ctr" rotWithShape="0">
               <a:srgbClr val="000000">
                 <a:alpha val="25882"/>
               </a:srgbClr>
@@ -11401,12 +11647,12 @@
           </a:effectLst>
         </p:spPr>
         <p:txBody>
-          <a:bodyPr anchorCtr="0" anchor="t" bIns="72000" lIns="91425" spcFirstLastPara="1" rIns="91425" wrap="square" tIns="72000">
+          <a:bodyPr spcFirstLastPara="1" wrap="square" lIns="91425" tIns="72000" rIns="91425" bIns="72000" anchor="t" anchorCtr="0">
             <a:spAutoFit/>
           </a:bodyPr>
           <a:lstStyle/>
           <a:p>
-            <a:pPr indent="0" lvl="0" marL="0" marR="0" rtl="0" algn="ctr">
+            <a:pPr marL="0" marR="0" lvl="0" indent="0" algn="ctr" rtl="0">
               <a:spcBef>
                 <a:spcPts val="0"/>
               </a:spcBef>
@@ -11416,7 +11662,7 @@
               <a:buNone/>
             </a:pPr>
             <a:r>
-              <a:rPr b="1" lang="en-US" sz="2800">
+              <a:rPr lang="en-US" sz="2800" b="1">
                 <a:solidFill>
                   <a:schemeClr val="lt1"/>
                 </a:solidFill>
@@ -11430,7 +11676,7 @@
             <a:endParaRPr/>
           </a:p>
           <a:p>
-            <a:pPr indent="0" lvl="0" marL="0" marR="0" rtl="0" algn="ctr">
+            <a:pPr marL="0" marR="0" lvl="0" indent="0" algn="ctr" rtl="0">
               <a:spcBef>
                 <a:spcPts val="0"/>
               </a:spcBef>
@@ -11440,7 +11686,7 @@
               <a:buNone/>
             </a:pPr>
             <a:r>
-              <a:rPr i="1" lang="en-US" sz="2800">
+              <a:rPr lang="en-US" sz="2800" i="1">
                 <a:solidFill>
                   <a:schemeClr val="lt1"/>
                 </a:solidFill>
@@ -11451,7 +11697,7 @@
               </a:rPr>
               <a:t>Text Classification</a:t>
             </a:r>
-            <a:endParaRPr b="1" sz="2800">
+            <a:endParaRPr sz="2800" b="1">
               <a:solidFill>
                 <a:schemeClr val="lt1"/>
               </a:solidFill>
@@ -11470,13 +11716,13 @@
           <p:nvPr/>
         </p:nvSpPr>
         <p:spPr>
-          <a:xfrm flipH="1" rot="10800000">
+          <a:xfrm rot="10800000" flipH="1">
             <a:off x="-10268" y="0"/>
             <a:ext cx="2053672" cy="684614"/>
           </a:xfrm>
           <a:prstGeom prst="round1Rect">
             <a:avLst>
-              <a:gd fmla="val 33022" name="adj"/>
+              <a:gd name="adj" fmla="val 33022"/>
             </a:avLst>
           </a:prstGeom>
           <a:solidFill>
@@ -11486,7 +11732,7 @@
             <a:noFill/>
           </a:ln>
           <a:effectLst>
-            <a:outerShdw blurRad="279400" sx="103000" rotWithShape="0" algn="ctr" dir="5400000" dist="25400" sy="103000">
+            <a:outerShdw blurRad="279400" dist="25400" dir="5400000" sx="103000" sy="103000" algn="ctr" rotWithShape="0">
               <a:srgbClr val="000000">
                 <a:alpha val="9803"/>
               </a:srgbClr>
@@ -11494,12 +11740,12 @@
           </a:effectLst>
         </p:spPr>
         <p:txBody>
-          <a:bodyPr anchorCtr="0" anchor="ctr" bIns="45700" lIns="91425" spcFirstLastPara="1" rIns="91425" wrap="square" tIns="45700">
+          <a:bodyPr spcFirstLastPara="1" wrap="square" lIns="91425" tIns="45700" rIns="91425" bIns="45700" anchor="ctr" anchorCtr="0">
             <a:noAutofit/>
           </a:bodyPr>
           <a:lstStyle/>
           <a:p>
-            <a:pPr indent="0" lvl="0" marL="0" marR="0" rtl="0" algn="ctr">
+            <a:pPr marL="0" marR="0" lvl="0" indent="0" algn="ctr" rtl="0">
               <a:spcBef>
                 <a:spcPts val="0"/>
               </a:spcBef>
@@ -11508,9 +11754,6 @@
               </a:spcAft>
               <a:buNone/>
             </a:pPr>
-            <a:r>
-              <a:t/>
-            </a:r>
             <a:endParaRPr sz="1800">
               <a:solidFill>
                 <a:schemeClr val="lt1"/>
@@ -11531,26 +11774,84 @@
         </p:nvSpPr>
         <p:spPr>
           <a:xfrm>
-            <a:off x="133052" y="1638051"/>
-            <a:ext cx="11168743" cy="456141"/>
+            <a:off x="133055" y="1308247"/>
+            <a:ext cx="11168743" cy="4535855"/>
           </a:xfrm>
           <a:prstGeom prst="rect">
             <a:avLst/>
           </a:prstGeom>
-          <a:solidFill>
-            <a:schemeClr val="lt1"/>
-          </a:solidFill>
+          <a:noFill/>
           <a:ln>
             <a:noFill/>
           </a:ln>
         </p:spPr>
         <p:txBody>
-          <a:bodyPr anchorCtr="0" anchor="ctr" bIns="72000" lIns="91425" spcFirstLastPara="1" rIns="91425" wrap="square" tIns="72000">
+          <a:bodyPr spcFirstLastPara="1" wrap="square" lIns="91425" tIns="72000" rIns="91425" bIns="72000" anchor="ctr" anchorCtr="0">
             <a:noAutofit/>
           </a:bodyPr>
           <a:lstStyle/>
           <a:p>
-            <a:pPr indent="0" lvl="0" marL="0" marR="0" rtl="0" algn="l">
+            <a:pPr marL="342900" marR="0" lvl="0" indent="-342900" algn="l" rtl="0">
+              <a:lnSpc>
+                <a:spcPct val="100000"/>
+              </a:lnSpc>
+              <a:spcBef>
+                <a:spcPts val="0"/>
+              </a:spcBef>
+              <a:spcAft>
+                <a:spcPts val="0"/>
+              </a:spcAft>
+              <a:buClr>
+                <a:schemeClr val="dk1"/>
+              </a:buClr>
+              <a:buSzPts val="2000"/>
+              <a:buFont typeface="Arial" panose="020B0604020202020204" pitchFamily="34" charset="0"/>
+              <a:buChar char="•"/>
+            </a:pPr>
+            <a:r>
+              <a:rPr lang="en-US" sz="2000" dirty="0" err="1">
+                <a:solidFill>
+                  <a:schemeClr val="dk1"/>
+                </a:solidFill>
+              </a:rPr>
+              <a:t>Penjelasan</a:t>
+            </a:r>
+            <a:r>
+              <a:rPr lang="en-US" sz="2000" dirty="0">
+                <a:solidFill>
+                  <a:schemeClr val="dk1"/>
+                </a:solidFill>
+              </a:rPr>
+              <a:t> </a:t>
+            </a:r>
+            <a:r>
+              <a:rPr lang="en-US" sz="2000" dirty="0" err="1">
+                <a:solidFill>
+                  <a:schemeClr val="dk1"/>
+                </a:solidFill>
+              </a:rPr>
+              <a:t>mengenai</a:t>
+            </a:r>
+            <a:r>
+              <a:rPr lang="en-US" sz="2000" dirty="0">
+                <a:solidFill>
+                  <a:schemeClr val="dk1"/>
+                </a:solidFill>
+              </a:rPr>
+              <a:t> text classification:</a:t>
+            </a:r>
+            <a:endParaRPr lang="en-US" sz="2000" b="0" i="0" u="none" strike="noStrike" cap="none" dirty="0">
+              <a:solidFill>
+                <a:schemeClr val="dk1"/>
+              </a:solidFill>
+              <a:latin typeface="Arial"/>
+              <a:ea typeface="Arial"/>
+              <a:cs typeface="Arial"/>
+              <a:sym typeface="Arial"/>
+            </a:endParaRPr>
+          </a:p>
+          <a:p>
+            <a:pPr marL="0" marR="0" lvl="0" indent="0" algn="l" rtl="0">
               <a:lnSpc>
                 <a:spcPct val="100000"/>
               </a:lnSpc>
@@ -11568,7 +11869,7 @@
               <a:buNone/>
             </a:pPr>
             <a:r>
-              <a:rPr b="0" i="0" lang="en-US" sz="2000" u="none" cap="none" strike="noStrike">
+              <a:rPr lang="en-US" sz="2000" b="0" i="0" u="none" strike="noStrike" cap="none" dirty="0">
                 <a:solidFill>
                   <a:schemeClr val="dk1"/>
                 </a:solidFill>
@@ -11577,15 +11878,376 @@
                 <a:cs typeface="Arial"/>
                 <a:sym typeface="Arial"/>
               </a:rPr>
-              <a:t>Can you help me to explain what is text classification in terms of machine learning, giving examples also the application of text classification.</a:t>
+              <a:t>	</a:t>
             </a:r>
-            <a:endParaRPr/>
+            <a:r>
+              <a:rPr lang="en-US" sz="2000" b="1" i="0" u="none" strike="noStrike" cap="none" dirty="0">
+                <a:solidFill>
+                  <a:schemeClr val="dk1"/>
+                </a:solidFill>
+                <a:latin typeface="Arial"/>
+                <a:ea typeface="Arial"/>
+                <a:cs typeface="Arial"/>
+                <a:sym typeface="Arial"/>
+              </a:rPr>
+              <a:t>Prompt</a:t>
+            </a:r>
+            <a:r>
+              <a:rPr lang="en-US" sz="2000" b="0" i="0" u="none" strike="noStrike" cap="none" dirty="0">
+                <a:solidFill>
+                  <a:schemeClr val="dk1"/>
+                </a:solidFill>
+                <a:latin typeface="Arial"/>
+                <a:ea typeface="Arial"/>
+                <a:cs typeface="Arial"/>
+                <a:sym typeface="Arial"/>
+              </a:rPr>
+              <a:t>: Can you help me to explain what is text classification in terms of machine learning, giving examples also the application of text classification.</a:t>
+            </a:r>
+          </a:p>
+          <a:p>
+            <a:pPr marL="342900" marR="0" lvl="0" indent="-342900" algn="l" rtl="0">
+              <a:lnSpc>
+                <a:spcPct val="100000"/>
+              </a:lnSpc>
+              <a:spcBef>
+                <a:spcPts val="0"/>
+              </a:spcBef>
+              <a:spcAft>
+                <a:spcPts val="0"/>
+              </a:spcAft>
+              <a:buClr>
+                <a:schemeClr val="dk1"/>
+              </a:buClr>
+              <a:buSzPts val="2000"/>
+              <a:buFont typeface="Arial" panose="020B0604020202020204" pitchFamily="34" charset="0"/>
+              <a:buChar char="•"/>
+            </a:pPr>
+            <a:r>
+              <a:rPr lang="en-US" sz="2000" dirty="0">
+                <a:solidFill>
+                  <a:schemeClr val="dk1"/>
+                </a:solidFill>
+              </a:rPr>
+              <a:t>Code </a:t>
+            </a:r>
+            <a:r>
+              <a:rPr lang="en-US" sz="2000" dirty="0" err="1">
+                <a:solidFill>
+                  <a:schemeClr val="dk1"/>
+                </a:solidFill>
+              </a:rPr>
+              <a:t>untuk</a:t>
+            </a:r>
+            <a:r>
+              <a:rPr lang="en-US" sz="2000" dirty="0">
+                <a:solidFill>
+                  <a:schemeClr val="dk1"/>
+                </a:solidFill>
+              </a:rPr>
+              <a:t> load IMDB dataset:</a:t>
+            </a:r>
+          </a:p>
+          <a:p>
+            <a:pPr marR="0" lvl="0" algn="l" rtl="0">
+              <a:lnSpc>
+                <a:spcPct val="100000"/>
+              </a:lnSpc>
+              <a:spcBef>
+                <a:spcPts val="0"/>
+              </a:spcBef>
+              <a:spcAft>
+                <a:spcPts val="0"/>
+              </a:spcAft>
+              <a:buClr>
+                <a:schemeClr val="dk1"/>
+              </a:buClr>
+              <a:buSzPts val="2000"/>
+            </a:pPr>
+            <a:r>
+              <a:rPr lang="en-US" sz="2000" b="1" dirty="0">
+                <a:solidFill>
+                  <a:schemeClr val="dk1"/>
+                </a:solidFill>
+              </a:rPr>
+              <a:t>	Prompt: </a:t>
+            </a:r>
+            <a:r>
+              <a:rPr lang="en-US" sz="2000" dirty="0"/>
+              <a:t>Can you create the code for loading the IMDB dataset using Hugging Face Dataset Package?</a:t>
+            </a:r>
+          </a:p>
+          <a:p>
+            <a:pPr marL="342900" marR="0" lvl="0" indent="-342900" algn="l" rtl="0">
+              <a:lnSpc>
+                <a:spcPct val="100000"/>
+              </a:lnSpc>
+              <a:spcBef>
+                <a:spcPts val="0"/>
+              </a:spcBef>
+              <a:spcAft>
+                <a:spcPts val="0"/>
+              </a:spcAft>
+              <a:buClr>
+                <a:schemeClr val="dk1"/>
+              </a:buClr>
+              <a:buSzPts val="2000"/>
+              <a:buFont typeface="Arial" panose="020B0604020202020204" pitchFamily="34" charset="0"/>
+              <a:buChar char="•"/>
+            </a:pPr>
+            <a:r>
+              <a:rPr lang="en-US" sz="2000" dirty="0"/>
+              <a:t>Code </a:t>
+            </a:r>
+            <a:r>
+              <a:rPr lang="en-US" sz="2000" dirty="0" err="1"/>
+              <a:t>untuk</a:t>
+            </a:r>
+            <a:r>
+              <a:rPr lang="en-US" sz="2000" dirty="0"/>
+              <a:t> </a:t>
+            </a:r>
+            <a:r>
+              <a:rPr lang="en-US" sz="2000" dirty="0" err="1"/>
+              <a:t>tokenisasi</a:t>
+            </a:r>
+            <a:r>
+              <a:rPr lang="en-US" sz="2000" dirty="0"/>
+              <a:t> pada dataset </a:t>
+            </a:r>
+            <a:r>
+              <a:rPr lang="en-US" sz="2000" dirty="0" err="1"/>
+              <a:t>dengan</a:t>
+            </a:r>
+            <a:r>
+              <a:rPr lang="en-US" sz="2000" dirty="0"/>
+              <a:t> token </a:t>
+            </a:r>
+            <a:r>
+              <a:rPr lang="en-US" sz="2000" dirty="0" err="1"/>
+              <a:t>tertentu</a:t>
+            </a:r>
+            <a:r>
+              <a:rPr lang="en-US" sz="2000" dirty="0"/>
+              <a:t>:</a:t>
+            </a:r>
+            <a:endParaRPr lang="en-ID" sz="2000" dirty="0"/>
+          </a:p>
+          <a:p>
+            <a:pPr marR="0" lvl="0" algn="l" rtl="0">
+              <a:lnSpc>
+                <a:spcPct val="100000"/>
+              </a:lnSpc>
+              <a:spcBef>
+                <a:spcPts val="0"/>
+              </a:spcBef>
+              <a:spcAft>
+                <a:spcPts val="0"/>
+              </a:spcAft>
+              <a:buClr>
+                <a:schemeClr val="dk1"/>
+              </a:buClr>
+              <a:buSzPts val="2000"/>
+            </a:pPr>
+            <a:r>
+              <a:rPr lang="en-ID" sz="2000" b="1" dirty="0"/>
+              <a:t>	Prompt: </a:t>
+            </a:r>
+            <a:r>
+              <a:rPr lang="en-US" sz="2000" dirty="0"/>
+              <a:t>Can you create the preprocessing to tokenize dataset from </a:t>
+            </a:r>
+            <a:r>
+              <a:rPr lang="en-US" sz="2000" dirty="0" err="1"/>
+              <a:t>distilbert</a:t>
+            </a:r>
+            <a:r>
+              <a:rPr lang="en-US" sz="2000" dirty="0"/>
+              <a:t>-base-uncased token, dynamic padding, and truncation?</a:t>
+            </a:r>
+          </a:p>
+          <a:p>
+            <a:pPr marL="342900" marR="0" lvl="0" indent="-342900" algn="l" rtl="0">
+              <a:lnSpc>
+                <a:spcPct val="100000"/>
+              </a:lnSpc>
+              <a:spcBef>
+                <a:spcPts val="0"/>
+              </a:spcBef>
+              <a:spcAft>
+                <a:spcPts val="0"/>
+              </a:spcAft>
+              <a:buClr>
+                <a:schemeClr val="dk1"/>
+              </a:buClr>
+              <a:buSzPts val="2000"/>
+              <a:buFont typeface="Arial" panose="020B0604020202020204" pitchFamily="34" charset="0"/>
+              <a:buChar char="•"/>
+            </a:pPr>
+            <a:r>
+              <a:rPr lang="en-US" sz="2000" dirty="0"/>
+              <a:t>Code </a:t>
+            </a:r>
+            <a:r>
+              <a:rPr lang="en-US" sz="2000" dirty="0" err="1"/>
+              <a:t>untuk</a:t>
+            </a:r>
+            <a:r>
+              <a:rPr lang="en-US" sz="2000" dirty="0"/>
+              <a:t> </a:t>
+            </a:r>
+            <a:r>
+              <a:rPr lang="en-US" sz="2000" dirty="0" err="1"/>
+              <a:t>membuat</a:t>
+            </a:r>
+            <a:r>
+              <a:rPr lang="en-US" sz="2000" dirty="0"/>
+              <a:t> </a:t>
+            </a:r>
+            <a:r>
+              <a:rPr lang="en-US" sz="2000" dirty="0" err="1"/>
+              <a:t>evaluasi</a:t>
+            </a:r>
+            <a:r>
+              <a:rPr lang="en-US" sz="2000" dirty="0"/>
+              <a:t> pada model text classification:</a:t>
+            </a:r>
+          </a:p>
+          <a:p>
+            <a:pPr>
+              <a:buClr>
+                <a:schemeClr val="dk1"/>
+              </a:buClr>
+              <a:buSzPts val="2000"/>
+            </a:pPr>
+            <a:r>
+              <a:rPr lang="en-US" sz="2000" dirty="0">
+                <a:solidFill>
+                  <a:srgbClr val="0F0F0F"/>
+                </a:solidFill>
+                <a:latin typeface="Arial"/>
+                <a:ea typeface="Arial"/>
+                <a:cs typeface="Arial"/>
+                <a:sym typeface="Arial"/>
+              </a:rPr>
+              <a:t>	</a:t>
+            </a:r>
+            <a:r>
+              <a:rPr lang="en-US" sz="2000" b="1" dirty="0">
+                <a:solidFill>
+                  <a:srgbClr val="0F0F0F"/>
+                </a:solidFill>
+                <a:latin typeface="Arial"/>
+                <a:ea typeface="Arial"/>
+                <a:cs typeface="Arial"/>
+                <a:sym typeface="Arial"/>
+              </a:rPr>
+              <a:t>Prompt: </a:t>
+            </a:r>
+            <a:r>
+              <a:rPr lang="en-US" sz="2000" dirty="0">
+                <a:solidFill>
+                  <a:srgbClr val="0F0F0F"/>
+                </a:solidFill>
+                <a:latin typeface="Arial"/>
+                <a:ea typeface="Arial"/>
+                <a:cs typeface="Arial"/>
+                <a:sym typeface="Arial"/>
+              </a:rPr>
+              <a:t>C</a:t>
+            </a:r>
+            <a:r>
+              <a:rPr lang="en-US" sz="2000" b="0" i="0" dirty="0">
+                <a:solidFill>
+                  <a:srgbClr val="0F0F0F"/>
+                </a:solidFill>
+                <a:latin typeface="Arial"/>
+                <a:ea typeface="Arial"/>
+                <a:cs typeface="Arial"/>
+                <a:sym typeface="Arial"/>
+              </a:rPr>
+              <a:t>an you create a function that can you the metric accuracy of train and test during training process?</a:t>
+            </a:r>
+            <a:endParaRPr lang="en-US" sz="2000" b="0" i="0" u="none" strike="noStrike" cap="none" dirty="0">
+              <a:solidFill>
+                <a:schemeClr val="dk1"/>
+              </a:solidFill>
+              <a:latin typeface="Arial"/>
+              <a:ea typeface="Arial"/>
+              <a:cs typeface="Arial"/>
+              <a:sym typeface="Arial"/>
+            </a:endParaRPr>
+          </a:p>
+          <a:p>
+            <a:pPr marL="342900" marR="0" lvl="0" indent="-342900" algn="l" rtl="0">
+              <a:lnSpc>
+                <a:spcPct val="100000"/>
+              </a:lnSpc>
+              <a:spcBef>
+                <a:spcPts val="0"/>
+              </a:spcBef>
+              <a:spcAft>
+                <a:spcPts val="0"/>
+              </a:spcAft>
+              <a:buClr>
+                <a:schemeClr val="dk1"/>
+              </a:buClr>
+              <a:buSzPts val="2000"/>
+              <a:buFont typeface="Arial" panose="020B0604020202020204" pitchFamily="34" charset="0"/>
+              <a:buChar char="•"/>
+            </a:pPr>
+            <a:r>
+              <a:rPr lang="en-ID" sz="2000" dirty="0" err="1"/>
+              <a:t>Bentuk</a:t>
+            </a:r>
+            <a:r>
+              <a:rPr lang="en-ID" sz="2000" dirty="0"/>
+              <a:t> dataset </a:t>
+            </a:r>
+            <a:r>
+              <a:rPr lang="en-ID" sz="2000" dirty="0" err="1"/>
+              <a:t>dari</a:t>
+            </a:r>
+            <a:r>
+              <a:rPr lang="en-ID" sz="2000" dirty="0"/>
+              <a:t> text classification:</a:t>
+            </a:r>
+          </a:p>
+          <a:p>
+            <a:pPr marR="0" lvl="0" algn="l" rtl="0">
+              <a:lnSpc>
+                <a:spcPct val="100000"/>
+              </a:lnSpc>
+              <a:spcBef>
+                <a:spcPts val="0"/>
+              </a:spcBef>
+              <a:spcAft>
+                <a:spcPts val="0"/>
+              </a:spcAft>
+              <a:buClr>
+                <a:schemeClr val="dk1"/>
+              </a:buClr>
+              <a:buSzPts val="2000"/>
+            </a:pPr>
+            <a:r>
+              <a:rPr lang="en-ID" sz="2000" dirty="0"/>
+              <a:t>	</a:t>
+            </a:r>
+            <a:r>
+              <a:rPr lang="en-ID" sz="2000" b="1" dirty="0"/>
+              <a:t>Prompt: </a:t>
+            </a:r>
+            <a:r>
+              <a:rPr lang="en-US" sz="2000" dirty="0"/>
+              <a:t>can you give the x(input) and y(target) of text classification task?</a:t>
+            </a:r>
+            <a:endParaRPr lang="en-ID" sz="2000" dirty="0"/>
           </a:p>
         </p:txBody>
       </p:sp>
       <p:pic>
         <p:nvPicPr>
-          <p:cNvPr descr="Shape&#10;&#10;Description automatically generated with medium confidence" id="103" name="Google Shape;103;p2"/>
+          <p:cNvPr id="103" name="Google Shape;103;p2" descr="Shape&#10;&#10;Description automatically generated with medium confidence"/>
           <p:cNvPicPr preferRelativeResize="0"/>
           <p:nvPr/>
         </p:nvPicPr>
@@ -11593,7 +12255,7 @@
           <a:blip r:embed="rId4">
             <a:alphaModFix/>
           </a:blip>
-          <a:srcRect b="0" l="0" r="0" t="0"/>
+          <a:srcRect/>
           <a:stretch/>
         </p:blipFill>
         <p:spPr>
@@ -11610,55 +12272,6 @@
           </a:ln>
         </p:spPr>
       </p:pic>
-      <p:sp>
-        <p:nvSpPr>
-          <p:cNvPr id="104" name="Google Shape;104;p2"/>
-          <p:cNvSpPr txBox="1"/>
-          <p:nvPr/>
-        </p:nvSpPr>
-        <p:spPr>
-          <a:xfrm>
-            <a:off x="511627" y="1866122"/>
-            <a:ext cx="11168743" cy="369332"/>
-          </a:xfrm>
-          <a:prstGeom prst="rect">
-            <a:avLst/>
-          </a:prstGeom>
-          <a:noFill/>
-          <a:ln>
-            <a:noFill/>
-          </a:ln>
-        </p:spPr>
-        <p:txBody>
-          <a:bodyPr anchorCtr="0" anchor="t" bIns="45700" lIns="91425" spcFirstLastPara="1" rIns="91425" wrap="square" tIns="45700">
-            <a:spAutoFit/>
-          </a:bodyPr>
-          <a:lstStyle/>
-          <a:p>
-            <a:pPr indent="0" lvl="0" marL="0" marR="0" rtl="0" algn="l">
-              <a:spcBef>
-                <a:spcPts val="0"/>
-              </a:spcBef>
-              <a:spcAft>
-                <a:spcPts val="0"/>
-              </a:spcAft>
-              <a:buNone/>
-            </a:pPr>
-            <a:r>
-              <a:t/>
-            </a:r>
-            <a:endParaRPr sz="1800">
-              <a:solidFill>
-                <a:schemeClr val="dk1"/>
-              </a:solidFill>
-              <a:latin typeface="Calibri"/>
-              <a:ea typeface="Calibri"/>
-              <a:cs typeface="Calibri"/>
-              <a:sym typeface="Calibri"/>
-            </a:endParaRPr>
-          </a:p>
-        </p:txBody>
-      </p:sp>
       <p:sp>
         <p:nvSpPr>
           <p:cNvPr id="105" name="Google Shape;105;p2"/>
@@ -11679,12 +12292,12 @@
           </a:ln>
         </p:spPr>
         <p:txBody>
-          <a:bodyPr anchorCtr="0" anchor="ctr" bIns="45700" lIns="91425" spcFirstLastPara="1" rIns="91425" wrap="square" tIns="45700">
+          <a:bodyPr spcFirstLastPara="1" wrap="square" lIns="91425" tIns="45700" rIns="91425" bIns="45700" anchor="ctr" anchorCtr="0">
             <a:spAutoFit/>
           </a:bodyPr>
           <a:lstStyle/>
           <a:p>
-            <a:pPr indent="0" lvl="0" marL="0" marR="0" rtl="0" algn="l">
+            <a:pPr marL="0" marR="0" lvl="0" indent="0" algn="l" rtl="0">
               <a:lnSpc>
                 <a:spcPct val="100000"/>
               </a:lnSpc>
@@ -11702,7 +12315,7 @@
               <a:buNone/>
             </a:pPr>
             <a:r>
-              <a:rPr b="0" i="0" lang="en-US" sz="1000" u="none" cap="none" strike="noStrike">
+              <a:rPr lang="en-US" sz="1000" b="0" i="0" u="none" strike="noStrike" cap="none">
                 <a:solidFill>
                   <a:schemeClr val="dk1"/>
                 </a:solidFill>
@@ -11716,7 +12329,7 @@
             <a:endParaRPr/>
           </a:p>
           <a:p>
-            <a:pPr indent="0" lvl="0" marL="0" marR="0" rtl="0" algn="l">
+            <a:pPr marL="0" marR="0" lvl="0" indent="0" algn="l" rtl="0">
               <a:lnSpc>
                 <a:spcPct val="100000"/>
               </a:lnSpc>
@@ -11734,7 +12347,7 @@
               <a:buNone/>
             </a:pPr>
             <a:br>
-              <a:rPr b="0" i="0" lang="en-US" sz="1000" u="none" cap="none" strike="noStrike">
+              <a:rPr lang="en-US" sz="1000" b="0" i="0" u="none" strike="noStrike" cap="none">
                 <a:solidFill>
                   <a:schemeClr val="dk1"/>
                 </a:solidFill>
@@ -11744,247 +12357,7 @@
                 <a:sym typeface="Arial"/>
               </a:rPr>
             </a:br>
-            <a:endParaRPr b="0" i="0" sz="1800" u="none" cap="none" strike="noStrike">
-              <a:solidFill>
-                <a:schemeClr val="dk1"/>
-              </a:solidFill>
-              <a:latin typeface="Arial"/>
-              <a:ea typeface="Arial"/>
-              <a:cs typeface="Arial"/>
-              <a:sym typeface="Arial"/>
-            </a:endParaRPr>
-          </a:p>
-        </p:txBody>
-      </p:sp>
-      <p:sp>
-        <p:nvSpPr>
-          <p:cNvPr id="106" name="Google Shape;106;p2"/>
-          <p:cNvSpPr/>
-          <p:nvPr/>
-        </p:nvSpPr>
-        <p:spPr>
-          <a:xfrm>
-            <a:off x="133052" y="2351220"/>
-            <a:ext cx="11168743" cy="456141"/>
-          </a:xfrm>
-          <a:prstGeom prst="rect">
-            <a:avLst/>
-          </a:prstGeom>
-          <a:solidFill>
-            <a:schemeClr val="lt1"/>
-          </a:solidFill>
-          <a:ln>
-            <a:noFill/>
-          </a:ln>
-        </p:spPr>
-        <p:txBody>
-          <a:bodyPr anchorCtr="0" anchor="ctr" bIns="72000" lIns="91425" spcFirstLastPara="1" rIns="91425" wrap="square" tIns="72000">
-            <a:noAutofit/>
-          </a:bodyPr>
-          <a:lstStyle/>
-          <a:p>
-            <a:pPr indent="0" lvl="0" marL="0" marR="0" rtl="0" algn="l">
-              <a:lnSpc>
-                <a:spcPct val="100000"/>
-              </a:lnSpc>
-              <a:spcBef>
-                <a:spcPts val="0"/>
-              </a:spcBef>
-              <a:spcAft>
-                <a:spcPts val="0"/>
-              </a:spcAft>
-              <a:buClr>
-                <a:srgbClr val="0F0F0F"/>
-              </a:buClr>
-              <a:buSzPts val="2000"/>
-              <a:buFont typeface="Arial"/>
-              <a:buNone/>
-            </a:pPr>
-            <a:r>
-              <a:rPr lang="en-US" sz="2000">
-                <a:solidFill>
-                  <a:srgbClr val="0F0F0F"/>
-                </a:solidFill>
-                <a:latin typeface="Arial"/>
-                <a:ea typeface="Arial"/>
-                <a:cs typeface="Arial"/>
-                <a:sym typeface="Arial"/>
-              </a:rPr>
-              <a:t>C</a:t>
-            </a:r>
-            <a:r>
-              <a:rPr b="0" i="0" lang="en-US" sz="2000">
-                <a:solidFill>
-                  <a:srgbClr val="0F0F0F"/>
-                </a:solidFill>
-                <a:latin typeface="Arial"/>
-                <a:ea typeface="Arial"/>
-                <a:cs typeface="Arial"/>
-                <a:sym typeface="Arial"/>
-              </a:rPr>
-              <a:t>an you create the code for loading the IMDB dataset using Hugging Face Dataset Package?</a:t>
-            </a:r>
-            <a:endParaRPr b="0" i="0" sz="2000" u="none" cap="none" strike="noStrike">
-              <a:solidFill>
-                <a:schemeClr val="dk1"/>
-              </a:solidFill>
-              <a:latin typeface="Arial"/>
-              <a:ea typeface="Arial"/>
-              <a:cs typeface="Arial"/>
-              <a:sym typeface="Arial"/>
-            </a:endParaRPr>
-          </a:p>
-        </p:txBody>
-      </p:sp>
-      <p:sp>
-        <p:nvSpPr>
-          <p:cNvPr id="107" name="Google Shape;107;p2"/>
-          <p:cNvSpPr/>
-          <p:nvPr/>
-        </p:nvSpPr>
-        <p:spPr>
-          <a:xfrm>
-            <a:off x="133052" y="2920075"/>
-            <a:ext cx="11168743" cy="858629"/>
-          </a:xfrm>
-          <a:prstGeom prst="rect">
-            <a:avLst/>
-          </a:prstGeom>
-          <a:solidFill>
-            <a:schemeClr val="lt1"/>
-          </a:solidFill>
-          <a:ln>
-            <a:noFill/>
-          </a:ln>
-        </p:spPr>
-        <p:txBody>
-          <a:bodyPr anchorCtr="0" anchor="ctr" bIns="72000" lIns="91425" spcFirstLastPara="1" rIns="91425" wrap="square" tIns="72000">
-            <a:noAutofit/>
-          </a:bodyPr>
-          <a:lstStyle/>
-          <a:p>
-            <a:pPr indent="0" lvl="0" marL="0" marR="0" rtl="0" algn="l">
-              <a:lnSpc>
-                <a:spcPct val="100000"/>
-              </a:lnSpc>
-              <a:spcBef>
-                <a:spcPts val="0"/>
-              </a:spcBef>
-              <a:spcAft>
-                <a:spcPts val="0"/>
-              </a:spcAft>
-              <a:buClr>
-                <a:srgbClr val="0F0F0F"/>
-              </a:buClr>
-              <a:buSzPts val="2000"/>
-              <a:buFont typeface="Arial"/>
-              <a:buNone/>
-            </a:pPr>
-            <a:r>
-              <a:rPr lang="en-US" sz="2000">
-                <a:solidFill>
-                  <a:srgbClr val="0F0F0F"/>
-                </a:solidFill>
-                <a:latin typeface="Arial"/>
-                <a:ea typeface="Arial"/>
-                <a:cs typeface="Arial"/>
-                <a:sym typeface="Arial"/>
-              </a:rPr>
-              <a:t>C</a:t>
-            </a:r>
-            <a:r>
-              <a:rPr b="0" i="0" lang="en-US" sz="2000">
-                <a:solidFill>
-                  <a:srgbClr val="0F0F0F"/>
-                </a:solidFill>
-                <a:latin typeface="Arial"/>
-                <a:ea typeface="Arial"/>
-                <a:cs typeface="Arial"/>
-                <a:sym typeface="Arial"/>
-              </a:rPr>
-              <a:t>an you create the preprocessing to tokenize dataset from distilbert-base-uncased token, dynamic padding, and truncation?</a:t>
-            </a:r>
-            <a:endParaRPr b="0" i="0" sz="2000" u="none" cap="none" strike="noStrike">
-              <a:solidFill>
-                <a:schemeClr val="dk1"/>
-              </a:solidFill>
-              <a:latin typeface="Arial"/>
-              <a:ea typeface="Arial"/>
-              <a:cs typeface="Arial"/>
-              <a:sym typeface="Arial"/>
-            </a:endParaRPr>
-          </a:p>
-        </p:txBody>
-      </p:sp>
-      <p:sp>
-        <p:nvSpPr>
-          <p:cNvPr id="108" name="Google Shape;108;p2"/>
-          <p:cNvSpPr/>
-          <p:nvPr/>
-        </p:nvSpPr>
-        <p:spPr>
-          <a:xfrm>
-            <a:off x="133052" y="3778704"/>
-            <a:ext cx="11168743" cy="858629"/>
-          </a:xfrm>
-          <a:prstGeom prst="rect">
-            <a:avLst/>
-          </a:prstGeom>
-          <a:solidFill>
-            <a:schemeClr val="lt1"/>
-          </a:solidFill>
-          <a:ln>
-            <a:noFill/>
-          </a:ln>
-        </p:spPr>
-        <p:txBody>
-          <a:bodyPr anchorCtr="0" anchor="ctr" bIns="72000" lIns="91425" spcFirstLastPara="1" rIns="91425" wrap="square" tIns="72000">
-            <a:noAutofit/>
-          </a:bodyPr>
-          <a:lstStyle/>
-          <a:p>
-            <a:pPr indent="0" lvl="0" marL="0" marR="0" rtl="0" algn="l">
-              <a:lnSpc>
-                <a:spcPct val="100000"/>
-              </a:lnSpc>
-              <a:spcBef>
-                <a:spcPts val="0"/>
-              </a:spcBef>
-              <a:spcAft>
-                <a:spcPts val="0"/>
-              </a:spcAft>
-              <a:buClr>
-                <a:srgbClr val="0F0F0F"/>
-              </a:buClr>
-              <a:buSzPts val="2000"/>
-              <a:buFont typeface="Arial"/>
-              <a:buNone/>
-            </a:pPr>
-            <a:r>
-              <a:rPr lang="en-US" sz="2000">
-                <a:solidFill>
-                  <a:srgbClr val="0F0F0F"/>
-                </a:solidFill>
-                <a:latin typeface="Arial"/>
-                <a:ea typeface="Arial"/>
-                <a:cs typeface="Arial"/>
-                <a:sym typeface="Arial"/>
-              </a:rPr>
-              <a:t>C</a:t>
-            </a:r>
-            <a:r>
-              <a:rPr b="0" i="0" lang="en-US" sz="2000">
-                <a:solidFill>
-                  <a:srgbClr val="0F0F0F"/>
-                </a:solidFill>
-                <a:latin typeface="Arial"/>
-                <a:ea typeface="Arial"/>
-                <a:cs typeface="Arial"/>
-                <a:sym typeface="Arial"/>
-              </a:rPr>
-              <a:t>an you create a function that can you the metric accuracy of train and test during training process?</a:t>
-            </a:r>
-            <a:endParaRPr b="0" i="0" sz="2000" u="none" cap="none" strike="noStrike">
+            <a:endParaRPr sz="1800" b="0" i="0" u="none" strike="noStrike" cap="none">
               <a:solidFill>
                 <a:schemeClr val="dk1"/>
               </a:solidFill>
@@ -12004,7 +12377,7 @@
         </p:nvSpPr>
         <p:spPr>
           <a:xfrm>
-            <a:off x="133077" y="5158579"/>
+            <a:off x="133098" y="5844104"/>
             <a:ext cx="11168700" cy="858600"/>
           </a:xfrm>
           <a:prstGeom prst="rect">
@@ -12018,12 +12391,12 @@
           </a:ln>
         </p:spPr>
         <p:txBody>
-          <a:bodyPr anchorCtr="0" anchor="ctr" bIns="72000" lIns="91425" spcFirstLastPara="1" rIns="91425" wrap="square" tIns="72000">
+          <a:bodyPr spcFirstLastPara="1" wrap="square" lIns="91425" tIns="72000" rIns="91425" bIns="72000" anchor="ctr" anchorCtr="0">
             <a:noAutofit/>
           </a:bodyPr>
           <a:lstStyle/>
           <a:p>
-            <a:pPr indent="0" lvl="0" marL="0" rtl="0" algn="l">
+            <a:pPr marL="0" lvl="0" indent="0" algn="l" rtl="0">
               <a:lnSpc>
                 <a:spcPct val="115000"/>
               </a:lnSpc>
@@ -12041,7 +12414,7 @@
               <a:buNone/>
             </a:pPr>
             <a:r>
-              <a:rPr lang="en-US" sz="1800">
+              <a:rPr lang="en-US" sz="1800" dirty="0">
                 <a:solidFill>
                   <a:srgbClr val="212121"/>
                 </a:solidFill>
@@ -12056,7 +12429,7 @@
               <a:t>course link: </a:t>
             </a:r>
             <a:r>
-              <a:rPr lang="en-US" sz="1800" u="sng">
+              <a:rPr lang="en-US" sz="1800" u="sng" dirty="0">
                 <a:solidFill>
                   <a:schemeClr val="hlink"/>
                 </a:solidFill>
@@ -12071,7 +12444,7 @@
               </a:rPr>
               <a:t>https://huggingface.co/docs/transformers/tasks/sequence_classification#evaluate</a:t>
             </a:r>
-            <a:endParaRPr sz="1800" u="sng">
+            <a:endParaRPr sz="1800" u="sng" dirty="0">
               <a:solidFill>
                 <a:schemeClr val="hlink"/>
               </a:solidFill>
@@ -12085,7 +12458,7 @@
             </a:endParaRPr>
           </a:p>
           <a:p>
-            <a:pPr indent="0" lvl="0" marL="0" rtl="0" algn="l">
+            <a:pPr marL="0" lvl="0" indent="0" algn="l" rtl="0">
               <a:lnSpc>
                 <a:spcPct val="115000"/>
               </a:lnSpc>
@@ -12103,7 +12476,7 @@
               <a:buNone/>
             </a:pPr>
             <a:r>
-              <a:rPr lang="en-US" sz="1800">
+              <a:rPr lang="en-US" sz="1800" dirty="0">
                 <a:solidFill>
                   <a:srgbClr val="212121"/>
                 </a:solidFill>
@@ -12118,7 +12491,7 @@
               <a:t>ChatGPT link: </a:t>
             </a:r>
             <a:r>
-              <a:rPr lang="en-US" sz="1800" u="sng">
+              <a:rPr lang="en-US" sz="1800" u="sng" dirty="0">
                 <a:solidFill>
                   <a:schemeClr val="hlink"/>
                 </a:solidFill>
@@ -12133,7 +12506,7 @@
               </a:rPr>
               <a:t>https://chat.openai.com/share/aa4d86c2-b8eb-4a62-8817-f2605e69aceb</a:t>
             </a:r>
-            <a:endParaRPr sz="2600">
+            <a:endParaRPr sz="2600" dirty="0">
               <a:solidFill>
                 <a:srgbClr val="0F0F0F"/>
               </a:solidFill>
@@ -12150,7 +12523,7 @@
 </file>
 
 <file path=ppt/theme/theme1.xml><?xml version="1.0" encoding="utf-8"?>
-<a:theme xmlns:a="http://schemas.openxmlformats.org/drawingml/2006/main" xmlns:r="http://schemas.openxmlformats.org/officeDocument/2006/relationships" name="Office Theme">
+<a:theme xmlns:a="http://schemas.openxmlformats.org/drawingml/2006/main" name="Office Theme">
   <a:themeElements>
     <a:clrScheme name="Office">
       <a:dk1>
@@ -12425,11 +12798,13 @@
       </a:bgFillStyleLst>
     </a:fmtScheme>
   </a:themeElements>
+  <a:objectDefaults/>
+  <a:extraClrSchemeLst/>
 </a:theme>
 </file>
 
 <file path=ppt/theme/theme2.xml><?xml version="1.0" encoding="utf-8"?>
-<a:theme xmlns:a="http://schemas.openxmlformats.org/drawingml/2006/main" xmlns:r="http://schemas.openxmlformats.org/officeDocument/2006/relationships">
+<a:theme xmlns:a="http://schemas.openxmlformats.org/drawingml/2006/main">
   <a:themeElements>
     <a:clrScheme name="Default">
       <a:dk1>
@@ -12704,5 +13079,7 @@
       </a:bgFillStyleLst>
     </a:fmtScheme>
   </a:themeElements>
+  <a:objectDefaults/>
+  <a:extraClrSchemeLst/>
 </a:theme>
 </file>